--- a/랩미팅/201806/180614 Zurich Lock-In(Jong).pptx
+++ b/랩미팅/201806/180614 Zurich Lock-In(Jong).pptx
@@ -5,18 +5,15 @@
     <p:sldMasterId id="2147483660" r:id="rId1"/>
   </p:sldMasterIdLst>
   <p:notesMasterIdLst>
-    <p:notesMasterId r:id="rId11"/>
+    <p:notesMasterId r:id="rId8"/>
   </p:notesMasterIdLst>
   <p:sldIdLst>
     <p:sldId id="258" r:id="rId2"/>
     <p:sldId id="287" r:id="rId3"/>
-    <p:sldId id="285" r:id="rId4"/>
-    <p:sldId id="289" r:id="rId5"/>
-    <p:sldId id="282" r:id="rId6"/>
-    <p:sldId id="288" r:id="rId7"/>
-    <p:sldId id="284" r:id="rId8"/>
-    <p:sldId id="290" r:id="rId9"/>
-    <p:sldId id="281" r:id="rId10"/>
+    <p:sldId id="291" r:id="rId4"/>
+    <p:sldId id="285" r:id="rId5"/>
+    <p:sldId id="284" r:id="rId6"/>
+    <p:sldId id="281" r:id="rId7"/>
   </p:sldIdLst>
   <p:sldSz cx="9144000" cy="6858000" type="screen4x3"/>
   <p:notesSz cx="6735763" cy="9866313"/>
@@ -205,7 +202,7 @@
           <a:p>
             <a:fld id="{A9D6DECA-6E4E-4D09-9277-E151A2E3F74C}" type="datetimeFigureOut">
               <a:rPr lang="ko-KR" altLang="en-US" smtClean="0"/>
-              <a:t>2018-06-14</a:t>
+              <a:t>2018-06-15</a:t>
             </a:fld>
             <a:endParaRPr lang="ko-KR" altLang="en-US"/>
           </a:p>
@@ -715,7 +712,7 @@
     </p:spTree>
     <p:extLst>
       <p:ext uri="{BB962C8B-B14F-4D97-AF65-F5344CB8AC3E}">
-        <p14:creationId xmlns:p14="http://schemas.microsoft.com/office/powerpoint/2010/main" val="3466344919"/>
+        <p14:creationId xmlns:p14="http://schemas.microsoft.com/office/powerpoint/2010/main" val="3379555236"/>
       </p:ext>
     </p:extLst>
   </p:cSld>
@@ -799,7 +796,7 @@
     </p:spTree>
     <p:extLst>
       <p:ext uri="{BB962C8B-B14F-4D97-AF65-F5344CB8AC3E}">
-        <p14:creationId xmlns:p14="http://schemas.microsoft.com/office/powerpoint/2010/main" val="2917720976"/>
+        <p14:creationId xmlns:p14="http://schemas.microsoft.com/office/powerpoint/2010/main" val="3466344919"/>
       </p:ext>
     </p:extLst>
   </p:cSld>
@@ -883,7 +880,7 @@
     </p:spTree>
     <p:extLst>
       <p:ext uri="{BB962C8B-B14F-4D97-AF65-F5344CB8AC3E}">
-        <p14:creationId xmlns:p14="http://schemas.microsoft.com/office/powerpoint/2010/main" val="1151805780"/>
+        <p14:creationId xmlns:p14="http://schemas.microsoft.com/office/powerpoint/2010/main" val="1841031049"/>
       </p:ext>
     </p:extLst>
   </p:cSld>
@@ -959,258 +956,6 @@
             <a:fld id="{6D0ABE42-EEBB-47F0-BC6E-2BB25FA03CFE}" type="slidenum">
               <a:rPr lang="ko-KR" altLang="en-US" smtClean="0"/>
               <a:t>6</a:t>
-            </a:fld>
-            <a:endParaRPr lang="ko-KR" altLang="en-US"/>
-          </a:p>
-        </p:txBody>
-      </p:sp>
-    </p:spTree>
-    <p:extLst>
-      <p:ext uri="{BB962C8B-B14F-4D97-AF65-F5344CB8AC3E}">
-        <p14:creationId xmlns:p14="http://schemas.microsoft.com/office/powerpoint/2010/main" val="1535643786"/>
-      </p:ext>
-    </p:extLst>
-  </p:cSld>
-  <p:clrMapOvr>
-    <a:masterClrMapping/>
-  </p:clrMapOvr>
-</p:notes>
-</file>
-
-<file path=ppt/notesSlides/notesSlide7.xml><?xml version="1.0" encoding="utf-8"?>
-<p:notes xmlns:a="http://schemas.openxmlformats.org/drawingml/2006/main" xmlns:r="http://schemas.openxmlformats.org/officeDocument/2006/relationships" xmlns:p="http://schemas.openxmlformats.org/presentationml/2006/main">
-  <p:cSld>
-    <p:spTree>
-      <p:nvGrpSpPr>
-        <p:cNvPr id="1" name=""/>
-        <p:cNvGrpSpPr/>
-        <p:nvPr/>
-      </p:nvGrpSpPr>
-      <p:grpSpPr>
-        <a:xfrm>
-          <a:off x="0" y="0"/>
-          <a:ext cx="0" cy="0"/>
-          <a:chOff x="0" y="0"/>
-          <a:chExt cx="0" cy="0"/>
-        </a:xfrm>
-      </p:grpSpPr>
-      <p:sp>
-        <p:nvSpPr>
-          <p:cNvPr id="2" name="슬라이드 이미지 개체 틀 1"/>
-          <p:cNvSpPr>
-            <a:spLocks noGrp="1" noRot="1" noChangeAspect="1"/>
-          </p:cNvSpPr>
-          <p:nvPr>
-            <p:ph type="sldImg"/>
-          </p:nvPr>
-        </p:nvSpPr>
-        <p:spPr/>
-      </p:sp>
-      <p:sp>
-        <p:nvSpPr>
-          <p:cNvPr id="3" name="슬라이드 노트 개체 틀 2"/>
-          <p:cNvSpPr>
-            <a:spLocks noGrp="1"/>
-          </p:cNvSpPr>
-          <p:nvPr>
-            <p:ph type="body" idx="1"/>
-          </p:nvPr>
-        </p:nvSpPr>
-        <p:spPr/>
-        <p:txBody>
-          <a:bodyPr/>
-          <a:lstStyle/>
-          <a:p>
-            <a:endParaRPr lang="ko-KR" altLang="en-US"/>
-          </a:p>
-        </p:txBody>
-      </p:sp>
-      <p:sp>
-        <p:nvSpPr>
-          <p:cNvPr id="4" name="슬라이드 번호 개체 틀 3"/>
-          <p:cNvSpPr>
-            <a:spLocks noGrp="1"/>
-          </p:cNvSpPr>
-          <p:nvPr>
-            <p:ph type="sldNum" sz="quarter" idx="10"/>
-          </p:nvPr>
-        </p:nvSpPr>
-        <p:spPr/>
-        <p:txBody>
-          <a:bodyPr/>
-          <a:lstStyle/>
-          <a:p>
-            <a:fld id="{6D0ABE42-EEBB-47F0-BC6E-2BB25FA03CFE}" type="slidenum">
-              <a:rPr lang="ko-KR" altLang="en-US" smtClean="0"/>
-              <a:t>7</a:t>
-            </a:fld>
-            <a:endParaRPr lang="ko-KR" altLang="en-US"/>
-          </a:p>
-        </p:txBody>
-      </p:sp>
-    </p:spTree>
-    <p:extLst>
-      <p:ext uri="{BB962C8B-B14F-4D97-AF65-F5344CB8AC3E}">
-        <p14:creationId xmlns:p14="http://schemas.microsoft.com/office/powerpoint/2010/main" val="1841031049"/>
-      </p:ext>
-    </p:extLst>
-  </p:cSld>
-  <p:clrMapOvr>
-    <a:masterClrMapping/>
-  </p:clrMapOvr>
-</p:notes>
-</file>
-
-<file path=ppt/notesSlides/notesSlide8.xml><?xml version="1.0" encoding="utf-8"?>
-<p:notes xmlns:a="http://schemas.openxmlformats.org/drawingml/2006/main" xmlns:r="http://schemas.openxmlformats.org/officeDocument/2006/relationships" xmlns:p="http://schemas.openxmlformats.org/presentationml/2006/main">
-  <p:cSld>
-    <p:spTree>
-      <p:nvGrpSpPr>
-        <p:cNvPr id="1" name=""/>
-        <p:cNvGrpSpPr/>
-        <p:nvPr/>
-      </p:nvGrpSpPr>
-      <p:grpSpPr>
-        <a:xfrm>
-          <a:off x="0" y="0"/>
-          <a:ext cx="0" cy="0"/>
-          <a:chOff x="0" y="0"/>
-          <a:chExt cx="0" cy="0"/>
-        </a:xfrm>
-      </p:grpSpPr>
-      <p:sp>
-        <p:nvSpPr>
-          <p:cNvPr id="2" name="슬라이드 이미지 개체 틀 1"/>
-          <p:cNvSpPr>
-            <a:spLocks noGrp="1" noRot="1" noChangeAspect="1"/>
-          </p:cNvSpPr>
-          <p:nvPr>
-            <p:ph type="sldImg"/>
-          </p:nvPr>
-        </p:nvSpPr>
-        <p:spPr/>
-      </p:sp>
-      <p:sp>
-        <p:nvSpPr>
-          <p:cNvPr id="3" name="슬라이드 노트 개체 틀 2"/>
-          <p:cNvSpPr>
-            <a:spLocks noGrp="1"/>
-          </p:cNvSpPr>
-          <p:nvPr>
-            <p:ph type="body" idx="1"/>
-          </p:nvPr>
-        </p:nvSpPr>
-        <p:spPr/>
-        <p:txBody>
-          <a:bodyPr/>
-          <a:lstStyle/>
-          <a:p>
-            <a:endParaRPr lang="ko-KR" altLang="en-US"/>
-          </a:p>
-        </p:txBody>
-      </p:sp>
-      <p:sp>
-        <p:nvSpPr>
-          <p:cNvPr id="4" name="슬라이드 번호 개체 틀 3"/>
-          <p:cNvSpPr>
-            <a:spLocks noGrp="1"/>
-          </p:cNvSpPr>
-          <p:nvPr>
-            <p:ph type="sldNum" sz="quarter" idx="10"/>
-          </p:nvPr>
-        </p:nvSpPr>
-        <p:spPr/>
-        <p:txBody>
-          <a:bodyPr/>
-          <a:lstStyle/>
-          <a:p>
-            <a:fld id="{6D0ABE42-EEBB-47F0-BC6E-2BB25FA03CFE}" type="slidenum">
-              <a:rPr lang="ko-KR" altLang="en-US" smtClean="0"/>
-              <a:t>8</a:t>
-            </a:fld>
-            <a:endParaRPr lang="ko-KR" altLang="en-US"/>
-          </a:p>
-        </p:txBody>
-      </p:sp>
-    </p:spTree>
-    <p:extLst>
-      <p:ext uri="{BB962C8B-B14F-4D97-AF65-F5344CB8AC3E}">
-        <p14:creationId xmlns:p14="http://schemas.microsoft.com/office/powerpoint/2010/main" val="2458371967"/>
-      </p:ext>
-    </p:extLst>
-  </p:cSld>
-  <p:clrMapOvr>
-    <a:masterClrMapping/>
-  </p:clrMapOvr>
-</p:notes>
-</file>
-
-<file path=ppt/notesSlides/notesSlide9.xml><?xml version="1.0" encoding="utf-8"?>
-<p:notes xmlns:a="http://schemas.openxmlformats.org/drawingml/2006/main" xmlns:r="http://schemas.openxmlformats.org/officeDocument/2006/relationships" xmlns:p="http://schemas.openxmlformats.org/presentationml/2006/main">
-  <p:cSld>
-    <p:spTree>
-      <p:nvGrpSpPr>
-        <p:cNvPr id="1" name=""/>
-        <p:cNvGrpSpPr/>
-        <p:nvPr/>
-      </p:nvGrpSpPr>
-      <p:grpSpPr>
-        <a:xfrm>
-          <a:off x="0" y="0"/>
-          <a:ext cx="0" cy="0"/>
-          <a:chOff x="0" y="0"/>
-          <a:chExt cx="0" cy="0"/>
-        </a:xfrm>
-      </p:grpSpPr>
-      <p:sp>
-        <p:nvSpPr>
-          <p:cNvPr id="2" name="슬라이드 이미지 개체 틀 1"/>
-          <p:cNvSpPr>
-            <a:spLocks noGrp="1" noRot="1" noChangeAspect="1"/>
-          </p:cNvSpPr>
-          <p:nvPr>
-            <p:ph type="sldImg"/>
-          </p:nvPr>
-        </p:nvSpPr>
-        <p:spPr/>
-      </p:sp>
-      <p:sp>
-        <p:nvSpPr>
-          <p:cNvPr id="3" name="슬라이드 노트 개체 틀 2"/>
-          <p:cNvSpPr>
-            <a:spLocks noGrp="1"/>
-          </p:cNvSpPr>
-          <p:nvPr>
-            <p:ph type="body" idx="1"/>
-          </p:nvPr>
-        </p:nvSpPr>
-        <p:spPr/>
-        <p:txBody>
-          <a:bodyPr/>
-          <a:lstStyle/>
-          <a:p>
-            <a:endParaRPr lang="ko-KR" altLang="en-US"/>
-          </a:p>
-        </p:txBody>
-      </p:sp>
-      <p:sp>
-        <p:nvSpPr>
-          <p:cNvPr id="4" name="슬라이드 번호 개체 틀 3"/>
-          <p:cNvSpPr>
-            <a:spLocks noGrp="1"/>
-          </p:cNvSpPr>
-          <p:nvPr>
-            <p:ph type="sldNum" sz="quarter" idx="10"/>
-          </p:nvPr>
-        </p:nvSpPr>
-        <p:spPr/>
-        <p:txBody>
-          <a:bodyPr/>
-          <a:lstStyle/>
-          <a:p>
-            <a:fld id="{6D0ABE42-EEBB-47F0-BC6E-2BB25FA03CFE}" type="slidenum">
-              <a:rPr lang="ko-KR" altLang="en-US" smtClean="0"/>
-              <a:t>9</a:t>
             </a:fld>
             <a:endParaRPr lang="ko-KR" altLang="en-US"/>
           </a:p>
@@ -1360,7 +1105,7 @@
           <a:p>
             <a:fld id="{78E89258-A40F-4400-BA1A-638141289729}" type="datetime1">
               <a:rPr lang="ko-KR" altLang="en-US" smtClean="0"/>
-              <a:t>2018-06-14</a:t>
+              <a:t>2018-06-15</a:t>
             </a:fld>
             <a:endParaRPr lang="ko-KR" altLang="en-US"/>
           </a:p>
@@ -1537,7 +1282,7 @@
           <a:p>
             <a:fld id="{CD116CEF-802E-43F7-8932-78519DF2A264}" type="datetime1">
               <a:rPr lang="ko-KR" altLang="en-US" smtClean="0"/>
-              <a:t>2018-06-14</a:t>
+              <a:t>2018-06-15</a:t>
             </a:fld>
             <a:endParaRPr lang="ko-KR" altLang="en-US"/>
           </a:p>
@@ -1717,7 +1462,7 @@
           <a:p>
             <a:fld id="{EFD9D7C3-1982-427D-BFA7-1AF9687AAB0F}" type="datetime1">
               <a:rPr lang="ko-KR" altLang="en-US" smtClean="0"/>
-              <a:t>2018-06-14</a:t>
+              <a:t>2018-06-15</a:t>
             </a:fld>
             <a:endParaRPr lang="ko-KR" altLang="en-US"/>
           </a:p>
@@ -1887,7 +1632,7 @@
           <a:p>
             <a:fld id="{EDD93E7F-B437-40E5-8ACB-B79696783EFA}" type="datetime1">
               <a:rPr lang="ko-KR" altLang="en-US" smtClean="0"/>
-              <a:t>2018-06-14</a:t>
+              <a:t>2018-06-15</a:t>
             </a:fld>
             <a:endParaRPr lang="ko-KR" altLang="en-US"/>
           </a:p>
@@ -2131,7 +1876,7 @@
           <a:p>
             <a:fld id="{DB249950-0BD4-4F6E-BE3F-CB53B7E2FD06}" type="datetime1">
               <a:rPr lang="ko-KR" altLang="en-US" smtClean="0"/>
-              <a:t>2018-06-14</a:t>
+              <a:t>2018-06-15</a:t>
             </a:fld>
             <a:endParaRPr lang="ko-KR" altLang="en-US"/>
           </a:p>
@@ -2363,7 +2108,7 @@
           <a:p>
             <a:fld id="{7B016D7E-32C0-4DB3-B6B3-0506A62840FB}" type="datetime1">
               <a:rPr lang="ko-KR" altLang="en-US" smtClean="0"/>
-              <a:t>2018-06-14</a:t>
+              <a:t>2018-06-15</a:t>
             </a:fld>
             <a:endParaRPr lang="ko-KR" altLang="en-US"/>
           </a:p>
@@ -2730,7 +2475,7 @@
           <a:p>
             <a:fld id="{B246672D-B3FD-4B2E-92C0-4A80DA670927}" type="datetime1">
               <a:rPr lang="ko-KR" altLang="en-US" smtClean="0"/>
-              <a:t>2018-06-14</a:t>
+              <a:t>2018-06-15</a:t>
             </a:fld>
             <a:endParaRPr lang="ko-KR" altLang="en-US"/>
           </a:p>
@@ -2848,7 +2593,7 @@
           <a:p>
             <a:fld id="{9B9B7D2E-B202-4D7A-9519-0C490A04EB9C}" type="datetime1">
               <a:rPr lang="ko-KR" altLang="en-US" smtClean="0"/>
-              <a:t>2018-06-14</a:t>
+              <a:t>2018-06-15</a:t>
             </a:fld>
             <a:endParaRPr lang="ko-KR" altLang="en-US"/>
           </a:p>
@@ -2943,7 +2688,7 @@
           <a:p>
             <a:fld id="{12FB9327-987E-47D6-AE2D-63CED8A79494}" type="datetime1">
               <a:rPr lang="ko-KR" altLang="en-US" smtClean="0"/>
-              <a:t>2018-06-14</a:t>
+              <a:t>2018-06-15</a:t>
             </a:fld>
             <a:endParaRPr lang="ko-KR" altLang="en-US"/>
           </a:p>
@@ -3220,7 +2965,7 @@
           <a:p>
             <a:fld id="{D8D87011-7294-4632-A156-4F695AB9E41C}" type="datetime1">
               <a:rPr lang="ko-KR" altLang="en-US" smtClean="0"/>
-              <a:t>2018-06-14</a:t>
+              <a:t>2018-06-15</a:t>
             </a:fld>
             <a:endParaRPr lang="ko-KR" altLang="en-US"/>
           </a:p>
@@ -3477,7 +3222,7 @@
           <a:p>
             <a:fld id="{1BDC7FDB-72DE-4D65-AF4F-510496DAF70F}" type="datetime1">
               <a:rPr lang="ko-KR" altLang="en-US" smtClean="0"/>
-              <a:t>2018-06-14</a:t>
+              <a:t>2018-06-15</a:t>
             </a:fld>
             <a:endParaRPr lang="ko-KR" altLang="en-US"/>
           </a:p>
@@ -3690,7 +3435,7 @@
           <a:p>
             <a:fld id="{9A286DBF-DB43-470A-A903-26374CB6EF47}" type="datetime1">
               <a:rPr lang="ko-KR" altLang="en-US" smtClean="0"/>
-              <a:t>2018-06-14</a:t>
+              <a:t>2018-06-15</a:t>
             </a:fld>
             <a:endParaRPr lang="ko-KR" altLang="en-US"/>
           </a:p>
@@ -4172,25 +3917,7 @@
                 </a:solidFill>
                 <a:latin typeface="Arial" panose="020B0604020202020204" pitchFamily="34" charset="0"/>
               </a:rPr>
-              <a:t>Double</a:t>
-            </a:r>
-            <a:r>
-              <a:rPr lang="en-US" altLang="ko-KR" sz="5400" dirty="0" smtClean="0">
-                <a:solidFill>
-                  <a:srgbClr val="3333FF"/>
-                </a:solidFill>
-                <a:latin typeface="Arial" panose="020B0604020202020204" pitchFamily="34" charset="0"/>
-              </a:rPr>
-              <a:t> </a:t>
-            </a:r>
-            <a:r>
-              <a:rPr lang="en-US" altLang="ko-KR" sz="5400" dirty="0" smtClean="0">
-                <a:solidFill>
-                  <a:srgbClr val="3333FF"/>
-                </a:solidFill>
-                <a:latin typeface="Arial" panose="020B0604020202020204" pitchFamily="34" charset="0"/>
-              </a:rPr>
-              <a:t>Lock-In</a:t>
+              <a:t>Double Lock-In</a:t>
             </a:r>
             <a:endParaRPr lang="en-US" altLang="ko-KR" sz="5400" dirty="0">
               <a:solidFill>
@@ -4293,7 +4020,7 @@
           <a:p>
             <a:fld id="{32C03489-23FC-4021-B9AB-958EFB3C0FE7}" type="datetime1">
               <a:rPr lang="ko-KR" altLang="en-US" smtClean="0"/>
-              <a:t>2018-06-14</a:t>
+              <a:t>2018-06-15</a:t>
             </a:fld>
             <a:endParaRPr lang="ko-KR" altLang="en-US"/>
           </a:p>
@@ -4444,7 +4171,7 @@
           <a:p>
             <a:fld id="{53646E5C-8775-44A9-9523-40B6CCA06789}" type="datetime1">
               <a:rPr lang="ko-KR" altLang="en-US" smtClean="0"/>
-              <a:t>2018-06-14</a:t>
+              <a:t>2018-06-15</a:t>
             </a:fld>
             <a:endParaRPr lang="ko-KR" altLang="en-US"/>
           </a:p>
@@ -4473,339 +4200,29 @@
           </a:p>
         </p:txBody>
       </p:sp>
-      <p:sp>
-        <p:nvSpPr>
-          <p:cNvPr id="13" name="TextBox 12"/>
-          <p:cNvSpPr txBox="1"/>
-          <p:nvPr/>
-        </p:nvSpPr>
-        <p:spPr>
-          <a:xfrm>
-            <a:off x="720969" y="1047406"/>
-            <a:ext cx="2853504" cy="400110"/>
-          </a:xfrm>
-          <a:prstGeom prst="rect">
-            <a:avLst/>
-          </a:prstGeom>
-          <a:noFill/>
-        </p:spPr>
-        <p:txBody>
-          <a:bodyPr wrap="square" rtlCol="0">
-            <a:spAutoFit/>
-          </a:bodyPr>
-          <a:lstStyle/>
-          <a:p>
-            <a:r>
-              <a:rPr lang="en-US" altLang="ko-KR" sz="2000" dirty="0" smtClean="0">
-                <a:solidFill>
-                  <a:srgbClr val="3333FF"/>
-                </a:solidFill>
-              </a:rPr>
-              <a:t>Zurich </a:t>
-            </a:r>
-            <a:r>
-              <a:rPr lang="en-US" altLang="ko-KR" sz="2000" dirty="0" err="1" smtClean="0">
-                <a:solidFill>
-                  <a:srgbClr val="3333FF"/>
-                </a:solidFill>
-              </a:rPr>
-              <a:t>LabOne</a:t>
-            </a:r>
-            <a:r>
-              <a:rPr lang="en-US" altLang="ko-KR" sz="2000" dirty="0" smtClean="0">
-                <a:solidFill>
-                  <a:srgbClr val="3333FF"/>
-                </a:solidFill>
-              </a:rPr>
-              <a:t> - LabVIEW</a:t>
-            </a:r>
-          </a:p>
-        </p:txBody>
-      </p:sp>
       <p:pic>
         <p:nvPicPr>
-          <p:cNvPr id="3" name="그림 2"/>
+          <p:cNvPr id="14" name="그림 13"/>
           <p:cNvPicPr>
             <a:picLocks noChangeAspect="1"/>
           </p:cNvPicPr>
           <p:nvPr/>
         </p:nvPicPr>
-        <p:blipFill>
+        <p:blipFill rotWithShape="1">
           <a:blip r:embed="rId3"/>
-          <a:stretch>
-            <a:fillRect/>
-          </a:stretch>
+          <a:srcRect l="3763" t="13291" r="18336" b="3207"/>
+          <a:stretch/>
         </p:blipFill>
         <p:spPr>
           <a:xfrm>
-            <a:off x="2120034" y="1447516"/>
-            <a:ext cx="4903932" cy="2984393"/>
+            <a:off x="1099127" y="692150"/>
+            <a:ext cx="6945746" cy="5726546"/>
           </a:xfrm>
           <a:prstGeom prst="rect">
             <a:avLst/>
           </a:prstGeom>
         </p:spPr>
       </p:pic>
-      <p:sp>
-        <p:nvSpPr>
-          <p:cNvPr id="11" name="직사각형 10"/>
-          <p:cNvSpPr/>
-          <p:nvPr/>
-        </p:nvSpPr>
-        <p:spPr>
-          <a:xfrm>
-            <a:off x="2147720" y="1478200"/>
-            <a:ext cx="1352861" cy="1332204"/>
-          </a:xfrm>
-          <a:prstGeom prst="rect">
-            <a:avLst/>
-          </a:prstGeom>
-          <a:noFill/>
-          <a:ln w="38100">
-            <a:solidFill>
-              <a:srgbClr val="FF0000"/>
-            </a:solidFill>
-          </a:ln>
-        </p:spPr>
-        <p:style>
-          <a:lnRef idx="2">
-            <a:schemeClr val="accent1">
-              <a:shade val="50000"/>
-            </a:schemeClr>
-          </a:lnRef>
-          <a:fillRef idx="1">
-            <a:schemeClr val="accent1"/>
-          </a:fillRef>
-          <a:effectRef idx="0">
-            <a:schemeClr val="accent1"/>
-          </a:effectRef>
-          <a:fontRef idx="minor">
-            <a:schemeClr val="lt1"/>
-          </a:fontRef>
-        </p:style>
-        <p:txBody>
-          <a:bodyPr rtlCol="0" anchor="ctr"/>
-          <a:lstStyle/>
-          <a:p>
-            <a:pPr algn="ctr"/>
-            <a:endParaRPr lang="ko-KR" altLang="en-US"/>
-          </a:p>
-        </p:txBody>
-      </p:sp>
-      <p:sp>
-        <p:nvSpPr>
-          <p:cNvPr id="18" name="직사각형 17"/>
-          <p:cNvSpPr/>
-          <p:nvPr/>
-        </p:nvSpPr>
-        <p:spPr>
-          <a:xfrm>
-            <a:off x="4999069" y="1478200"/>
-            <a:ext cx="690531" cy="681329"/>
-          </a:xfrm>
-          <a:prstGeom prst="rect">
-            <a:avLst/>
-          </a:prstGeom>
-          <a:noFill/>
-          <a:ln w="38100">
-            <a:solidFill>
-              <a:srgbClr val="FF0000"/>
-            </a:solidFill>
-          </a:ln>
-        </p:spPr>
-        <p:style>
-          <a:lnRef idx="2">
-            <a:schemeClr val="accent1">
-              <a:shade val="50000"/>
-            </a:schemeClr>
-          </a:lnRef>
-          <a:fillRef idx="1">
-            <a:schemeClr val="accent1"/>
-          </a:fillRef>
-          <a:effectRef idx="0">
-            <a:schemeClr val="accent1"/>
-          </a:effectRef>
-          <a:fontRef idx="minor">
-            <a:schemeClr val="lt1"/>
-          </a:fontRef>
-        </p:style>
-        <p:txBody>
-          <a:bodyPr rtlCol="0" anchor="ctr"/>
-          <a:lstStyle/>
-          <a:p>
-            <a:pPr algn="ctr"/>
-            <a:endParaRPr lang="ko-KR" altLang="en-US"/>
-          </a:p>
-        </p:txBody>
-      </p:sp>
-      <p:pic>
-        <p:nvPicPr>
-          <p:cNvPr id="4" name="그림 3"/>
-          <p:cNvPicPr>
-            <a:picLocks noChangeAspect="1"/>
-          </p:cNvPicPr>
-          <p:nvPr/>
-        </p:nvPicPr>
-        <p:blipFill>
-          <a:blip r:embed="rId4"/>
-          <a:stretch>
-            <a:fillRect/>
-          </a:stretch>
-        </p:blipFill>
-        <p:spPr>
-          <a:xfrm>
-            <a:off x="2600581" y="4462593"/>
-            <a:ext cx="1800000" cy="1355868"/>
-          </a:xfrm>
-          <a:prstGeom prst="rect">
-            <a:avLst/>
-          </a:prstGeom>
-        </p:spPr>
-      </p:pic>
-      <p:pic>
-        <p:nvPicPr>
-          <p:cNvPr id="5" name="그림 4"/>
-          <p:cNvPicPr>
-            <a:picLocks noChangeAspect="1"/>
-          </p:cNvPicPr>
-          <p:nvPr/>
-        </p:nvPicPr>
-        <p:blipFill>
-          <a:blip r:embed="rId5"/>
-          <a:stretch>
-            <a:fillRect/>
-          </a:stretch>
-        </p:blipFill>
-        <p:spPr>
-          <a:xfrm>
-            <a:off x="4789600" y="4461032"/>
-            <a:ext cx="1800000" cy="1355939"/>
-          </a:xfrm>
-          <a:prstGeom prst="rect">
-            <a:avLst/>
-          </a:prstGeom>
-        </p:spPr>
-      </p:pic>
-      <p:cxnSp>
-        <p:nvCxnSpPr>
-          <p:cNvPr id="7" name="구부러진 연결선 6"/>
-          <p:cNvCxnSpPr>
-            <a:stCxn id="11" idx="1"/>
-            <a:endCxn id="4" idx="1"/>
-          </p:cNvCxnSpPr>
-          <p:nvPr/>
-        </p:nvCxnSpPr>
-        <p:spPr>
-          <a:xfrm rot="10800000" flipH="1" flipV="1">
-            <a:off x="2147719" y="2144301"/>
-            <a:ext cx="452861" cy="2996225"/>
-          </a:xfrm>
-          <a:prstGeom prst="curvedConnector3">
-            <a:avLst>
-              <a:gd name="adj1" fmla="val -50479"/>
-            </a:avLst>
-          </a:prstGeom>
-          <a:ln>
-            <a:tailEnd type="triangle"/>
-          </a:ln>
-        </p:spPr>
-        <p:style>
-          <a:lnRef idx="1">
-            <a:schemeClr val="dk1"/>
-          </a:lnRef>
-          <a:fillRef idx="0">
-            <a:schemeClr val="dk1"/>
-          </a:fillRef>
-          <a:effectRef idx="0">
-            <a:schemeClr val="dk1"/>
-          </a:effectRef>
-          <a:fontRef idx="minor">
-            <a:schemeClr val="tx1"/>
-          </a:fontRef>
-        </p:style>
-      </p:cxnSp>
-      <p:cxnSp>
-        <p:nvCxnSpPr>
-          <p:cNvPr id="19" name="구부러진 연결선 18"/>
-          <p:cNvCxnSpPr>
-            <a:stCxn id="18" idx="3"/>
-            <a:endCxn id="5" idx="3"/>
-          </p:cNvCxnSpPr>
-          <p:nvPr/>
-        </p:nvCxnSpPr>
-        <p:spPr>
-          <a:xfrm>
-            <a:off x="5689600" y="1818865"/>
-            <a:ext cx="900000" cy="3320137"/>
-          </a:xfrm>
-          <a:prstGeom prst="curvedConnector3">
-            <a:avLst>
-              <a:gd name="adj1" fmla="val 125400"/>
-            </a:avLst>
-          </a:prstGeom>
-          <a:ln>
-            <a:tailEnd type="triangle"/>
-          </a:ln>
-        </p:spPr>
-        <p:style>
-          <a:lnRef idx="1">
-            <a:schemeClr val="dk1"/>
-          </a:lnRef>
-          <a:fillRef idx="0">
-            <a:schemeClr val="dk1"/>
-          </a:fillRef>
-          <a:effectRef idx="0">
-            <a:schemeClr val="dk1"/>
-          </a:effectRef>
-          <a:fontRef idx="minor">
-            <a:schemeClr val="tx1"/>
-          </a:fontRef>
-        </p:style>
-      </p:cxnSp>
-      <p:sp>
-        <p:nvSpPr>
-          <p:cNvPr id="22" name="TextBox 21"/>
-          <p:cNvSpPr txBox="1"/>
-          <p:nvPr/>
-        </p:nvSpPr>
-        <p:spPr>
-          <a:xfrm>
-            <a:off x="3350945" y="6163976"/>
-            <a:ext cx="2442110" cy="369332"/>
-          </a:xfrm>
-          <a:prstGeom prst="rect">
-            <a:avLst/>
-          </a:prstGeom>
-          <a:noFill/>
-        </p:spPr>
-        <p:txBody>
-          <a:bodyPr wrap="square" rtlCol="0">
-            <a:spAutoFit/>
-          </a:bodyPr>
-          <a:lstStyle/>
-          <a:p>
-            <a:r>
-              <a:rPr lang="en-US" altLang="ko-KR" dirty="0" smtClean="0">
-                <a:sym typeface="Wingdings" panose="05000000000000000000" pitchFamily="2" charset="2"/>
-              </a:rPr>
-              <a:t> </a:t>
-            </a:r>
-            <a:r>
-              <a:rPr lang="ko-KR" altLang="en-US" dirty="0" smtClean="0">
-                <a:sym typeface="Wingdings" panose="05000000000000000000" pitchFamily="2" charset="2"/>
-              </a:rPr>
-              <a:t>독립적인 </a:t>
-            </a:r>
-            <a:r>
-              <a:rPr lang="en-US" altLang="ko-KR" dirty="0" smtClean="0">
-                <a:sym typeface="Wingdings" panose="05000000000000000000" pitchFamily="2" charset="2"/>
-              </a:rPr>
-              <a:t>Interface</a:t>
-            </a:r>
-            <a:endParaRPr lang="en-US" altLang="ko-KR" dirty="0" smtClean="0"/>
-          </a:p>
-        </p:txBody>
-      </p:sp>
     </p:spTree>
     <p:extLst>
       <p:ext uri="{BB962C8B-B14F-4D97-AF65-F5344CB8AC3E}">
@@ -4900,7 +4317,16 @@
                 </a:solidFill>
                 <a:latin typeface="Arial" panose="020B0604020202020204" pitchFamily="34" charset="0"/>
               </a:rPr>
-              <a:t>Single Lock-In</a:t>
+              <a:t>Dual </a:t>
+            </a:r>
+            <a:r>
+              <a:rPr lang="en-US" altLang="ko-KR" sz="2800" dirty="0" smtClean="0">
+                <a:solidFill>
+                  <a:schemeClr val="bg1"/>
+                </a:solidFill>
+                <a:latin typeface="Arial" panose="020B0604020202020204" pitchFamily="34" charset="0"/>
+              </a:rPr>
+              <a:t>Lock-In</a:t>
             </a:r>
           </a:p>
         </p:txBody>
@@ -4922,7 +4348,7 @@
           <a:p>
             <a:fld id="{53646E5C-8775-44A9-9523-40B6CCA06789}" type="datetime1">
               <a:rPr lang="ko-KR" altLang="en-US" smtClean="0"/>
-              <a:t>2018-06-14</a:t>
+              <a:t>2018-06-15</a:t>
             </a:fld>
             <a:endParaRPr lang="ko-KR" altLang="en-US"/>
           </a:p>
@@ -4953,162 +4379,127 @@
       </p:sp>
       <p:sp>
         <p:nvSpPr>
-          <p:cNvPr id="16" name="TextBox 15"/>
-          <p:cNvSpPr txBox="1"/>
+          <p:cNvPr id="48" name="직사각형 47"/>
+          <p:cNvSpPr/>
           <p:nvPr/>
         </p:nvSpPr>
         <p:spPr>
           <a:xfrm>
-            <a:off x="720969" y="810256"/>
-            <a:ext cx="2853504" cy="400110"/>
+            <a:off x="720968" y="6280551"/>
+            <a:ext cx="7990769" cy="230832"/>
           </a:xfrm>
           <a:prstGeom prst="rect">
             <a:avLst/>
           </a:prstGeom>
-          <a:noFill/>
         </p:spPr>
         <p:txBody>
-          <a:bodyPr wrap="square" rtlCol="0">
+          <a:bodyPr wrap="square">
             <a:spAutoFit/>
           </a:bodyPr>
           <a:lstStyle/>
           <a:p>
             <a:r>
-              <a:rPr lang="en-US" altLang="ko-KR" sz="2000" dirty="0" smtClean="0">
-                <a:solidFill>
-                  <a:srgbClr val="3333FF"/>
-                </a:solidFill>
+              <a:rPr lang="en-US" altLang="ko-KR" sz="900" i="1" dirty="0" err="1">
+                <a:latin typeface="Times New Roman" panose="02020603050405020304" pitchFamily="18" charset="0"/>
+                <a:cs typeface="Times New Roman" panose="02020603050405020304" pitchFamily="18" charset="0"/>
               </a:rPr>
-              <a:t>Device Connection</a:t>
-            </a:r>
-          </a:p>
-        </p:txBody>
-      </p:sp>
-      <p:sp>
-        <p:nvSpPr>
-          <p:cNvPr id="3" name="직사각형 2"/>
-          <p:cNvSpPr/>
+              <a:t>Mickan</a:t>
+            </a:r>
+            <a:r>
+              <a:rPr lang="en-US" altLang="ko-KR" sz="900" i="1" dirty="0">
+                <a:latin typeface="Times New Roman" panose="02020603050405020304" pitchFamily="18" charset="0"/>
+                <a:cs typeface="Times New Roman" panose="02020603050405020304" pitchFamily="18" charset="0"/>
+              </a:rPr>
+              <a:t>, S. P.; Lee, K.-S.; Lu, T.-M.; Munch, J.; Abbott, D.; Zhang, X.-C. Microelectronics Journal 2002, 33 (12), 1033–1042.</a:t>
+            </a:r>
+            <a:endParaRPr lang="ko-KR" altLang="en-US" sz="900" i="1" dirty="0">
+              <a:latin typeface="Times New Roman" panose="02020603050405020304" pitchFamily="18" charset="0"/>
+              <a:cs typeface="Times New Roman" panose="02020603050405020304" pitchFamily="18" charset="0"/>
+            </a:endParaRPr>
+          </a:p>
+        </p:txBody>
+      </p:sp>
+      <p:pic>
+        <p:nvPicPr>
+          <p:cNvPr id="3" name="그림 2"/>
+          <p:cNvPicPr>
+            <a:picLocks noChangeAspect="1"/>
+          </p:cNvPicPr>
           <p:nvPr/>
-        </p:nvSpPr>
+        </p:nvPicPr>
+        <p:blipFill>
+          <a:blip r:embed="rId3"/>
+          <a:stretch>
+            <a:fillRect/>
+          </a:stretch>
+        </p:blipFill>
         <p:spPr>
           <a:xfrm>
-            <a:off x="2221345" y="2202873"/>
-            <a:ext cx="4701309" cy="1791854"/>
+            <a:off x="1765152" y="692150"/>
+            <a:ext cx="5613695" cy="2953067"/>
           </a:xfrm>
           <a:prstGeom prst="rect">
             <a:avLst/>
           </a:prstGeom>
-          <a:noFill/>
-          <a:ln>
-            <a:solidFill>
-              <a:schemeClr val="tx1"/>
-            </a:solidFill>
-          </a:ln>
         </p:spPr>
-        <p:style>
-          <a:lnRef idx="2">
-            <a:schemeClr val="accent1">
-              <a:shade val="50000"/>
-            </a:schemeClr>
-          </a:lnRef>
-          <a:fillRef idx="1">
-            <a:schemeClr val="accent1"/>
-          </a:fillRef>
-          <a:effectRef idx="0">
-            <a:schemeClr val="accent1"/>
-          </a:effectRef>
-          <a:fontRef idx="minor">
-            <a:schemeClr val="lt1"/>
-          </a:fontRef>
-        </p:style>
-        <p:txBody>
-          <a:bodyPr rtlCol="0" anchor="ctr"/>
-          <a:lstStyle/>
-          <a:p>
-            <a:pPr algn="ctr"/>
-            <a:endParaRPr lang="ko-KR" altLang="en-US"/>
-          </a:p>
-        </p:txBody>
-      </p:sp>
-      <p:sp>
-        <p:nvSpPr>
-          <p:cNvPr id="13" name="직사각형 12"/>
-          <p:cNvSpPr/>
-          <p:nvPr/>
-        </p:nvSpPr>
-        <p:spPr>
-          <a:xfrm>
-            <a:off x="2221345" y="4486390"/>
-            <a:ext cx="4701309" cy="1791854"/>
-          </a:xfrm>
-          <a:prstGeom prst="rect">
-            <a:avLst/>
-          </a:prstGeom>
-          <a:noFill/>
-          <a:ln>
-            <a:solidFill>
-              <a:schemeClr val="tx1"/>
-            </a:solidFill>
-          </a:ln>
-        </p:spPr>
-        <p:style>
-          <a:lnRef idx="2">
-            <a:schemeClr val="accent1">
-              <a:shade val="50000"/>
-            </a:schemeClr>
-          </a:lnRef>
-          <a:fillRef idx="1">
-            <a:schemeClr val="accent1"/>
-          </a:fillRef>
-          <a:effectRef idx="0">
-            <a:schemeClr val="accent1"/>
-          </a:effectRef>
-          <a:fontRef idx="minor">
-            <a:schemeClr val="lt1"/>
-          </a:fontRef>
-        </p:style>
-        <p:txBody>
-          <a:bodyPr rtlCol="0" anchor="ctr"/>
-          <a:lstStyle/>
-          <a:p>
-            <a:pPr algn="ctr"/>
-            <a:endParaRPr lang="ko-KR" altLang="en-US"/>
-          </a:p>
-        </p:txBody>
-      </p:sp>
+      </p:pic>
       <p:grpSp>
         <p:nvGrpSpPr>
-          <p:cNvPr id="6" name="그룹 5"/>
+          <p:cNvPr id="8" name="그룹 7"/>
           <p:cNvGrpSpPr/>
           <p:nvPr/>
         </p:nvGrpSpPr>
         <p:grpSpPr>
           <a:xfrm>
-            <a:off x="2750703" y="5650444"/>
-            <a:ext cx="323273" cy="323273"/>
-            <a:chOff x="2826327" y="5237018"/>
-            <a:chExt cx="323273" cy="323273"/>
+            <a:off x="2323233" y="3809486"/>
+            <a:ext cx="4497532" cy="2298840"/>
+            <a:chOff x="2323233" y="3809486"/>
+            <a:chExt cx="4497532" cy="2298840"/>
           </a:xfrm>
         </p:grpSpPr>
+        <p:pic>
+          <p:nvPicPr>
+            <p:cNvPr id="6" name="그림 5"/>
+            <p:cNvPicPr>
+              <a:picLocks noChangeAspect="1"/>
+            </p:cNvPicPr>
+            <p:nvPr/>
+          </p:nvPicPr>
+          <p:blipFill>
+            <a:blip r:embed="rId4"/>
+            <a:stretch>
+              <a:fillRect/>
+            </a:stretch>
+          </p:blipFill>
+          <p:spPr>
+            <a:xfrm>
+              <a:off x="2323233" y="3809486"/>
+              <a:ext cx="4497532" cy="2298840"/>
+            </a:xfrm>
+            <a:prstGeom prst="rect">
+              <a:avLst/>
+            </a:prstGeom>
+          </p:spPr>
+        </p:pic>
         <p:sp>
           <p:nvSpPr>
-            <p:cNvPr id="4" name="타원 3"/>
+            <p:cNvPr id="7" name="직사각형 6"/>
             <p:cNvSpPr/>
             <p:nvPr/>
           </p:nvSpPr>
           <p:spPr>
             <a:xfrm>
-              <a:off x="2826327" y="5237018"/>
-              <a:ext cx="323273" cy="323273"/>
+              <a:off x="2323233" y="5851175"/>
+              <a:ext cx="362817" cy="257151"/>
             </a:xfrm>
-            <a:prstGeom prst="ellipse">
+            <a:prstGeom prst="rect">
               <a:avLst/>
             </a:prstGeom>
-            <a:noFill/>
+            <a:solidFill>
+              <a:schemeClr val="bg1"/>
+            </a:solidFill>
             <a:ln>
-              <a:solidFill>
-                <a:schemeClr val="tx1"/>
-              </a:solidFill>
+              <a:noFill/>
             </a:ln>
           </p:spPr>
           <p:style>
@@ -5132,29 +4523,45 @@
             <a:lstStyle/>
             <a:p>
               <a:pPr algn="ctr"/>
-              <a:endParaRPr lang="ko-KR" altLang="en-US"/>
+              <a:r>
+                <a:rPr lang="en-US" altLang="ko-KR" sz="1400" dirty="0" smtClean="0">
+                  <a:solidFill>
+                    <a:schemeClr val="tx1"/>
+                  </a:solidFill>
+                  <a:latin typeface="Times New Roman" panose="02020603050405020304" pitchFamily="18" charset="0"/>
+                  <a:cs typeface="Times New Roman" panose="02020603050405020304" pitchFamily="18" charset="0"/>
+                </a:rPr>
+                <a:t>(c)</a:t>
+              </a:r>
+              <a:endParaRPr lang="ko-KR" altLang="en-US" sz="1400" dirty="0">
+                <a:solidFill>
+                  <a:schemeClr val="tx1"/>
+                </a:solidFill>
+                <a:latin typeface="Times New Roman" panose="02020603050405020304" pitchFamily="18" charset="0"/>
+                <a:cs typeface="Times New Roman" panose="02020603050405020304" pitchFamily="18" charset="0"/>
+              </a:endParaRPr>
             </a:p>
           </p:txBody>
         </p:sp>
         <p:sp>
           <p:nvSpPr>
-            <p:cNvPr id="18" name="타원 17"/>
+            <p:cNvPr id="11" name="직사각형 10"/>
             <p:cNvSpPr/>
             <p:nvPr/>
           </p:nvSpPr>
           <p:spPr>
             <a:xfrm>
-              <a:off x="2902526" y="5313217"/>
-              <a:ext cx="170873" cy="170873"/>
+              <a:off x="4958367" y="5851175"/>
+              <a:ext cx="362817" cy="257151"/>
             </a:xfrm>
-            <a:prstGeom prst="ellipse">
+            <a:prstGeom prst="rect">
               <a:avLst/>
             </a:prstGeom>
-            <a:noFill/>
+            <a:solidFill>
+              <a:schemeClr val="bg1"/>
+            </a:solidFill>
             <a:ln>
-              <a:solidFill>
-                <a:schemeClr val="tx1"/>
-              </a:solidFill>
+              <a:noFill/>
             </a:ln>
           </p:spPr>
           <p:style>
@@ -5178,916 +4585,31 @@
             <a:lstStyle/>
             <a:p>
               <a:pPr algn="ctr"/>
-              <a:endParaRPr lang="ko-KR" altLang="en-US"/>
+              <a:r>
+                <a:rPr lang="en-US" altLang="ko-KR" sz="1400" dirty="0" smtClean="0">
+                  <a:solidFill>
+                    <a:schemeClr val="tx1"/>
+                  </a:solidFill>
+                  <a:latin typeface="Times New Roman" panose="02020603050405020304" pitchFamily="18" charset="0"/>
+                  <a:cs typeface="Times New Roman" panose="02020603050405020304" pitchFamily="18" charset="0"/>
+                </a:rPr>
+                <a:t>(d)</a:t>
+              </a:r>
+              <a:endParaRPr lang="ko-KR" altLang="en-US" sz="1400" dirty="0">
+                <a:solidFill>
+                  <a:schemeClr val="tx1"/>
+                </a:solidFill>
+                <a:latin typeface="Times New Roman" panose="02020603050405020304" pitchFamily="18" charset="0"/>
+                <a:cs typeface="Times New Roman" panose="02020603050405020304" pitchFamily="18" charset="0"/>
+              </a:endParaRPr>
             </a:p>
           </p:txBody>
         </p:sp>
       </p:grpSp>
-      <p:grpSp>
-        <p:nvGrpSpPr>
-          <p:cNvPr id="22" name="그룹 21"/>
-          <p:cNvGrpSpPr/>
-          <p:nvPr/>
-        </p:nvGrpSpPr>
-        <p:grpSpPr>
-          <a:xfrm>
-            <a:off x="3863974" y="5650444"/>
-            <a:ext cx="323273" cy="323273"/>
-            <a:chOff x="2826327" y="5237018"/>
-            <a:chExt cx="323273" cy="323273"/>
-          </a:xfrm>
-        </p:grpSpPr>
-        <p:sp>
-          <p:nvSpPr>
-            <p:cNvPr id="23" name="타원 22"/>
-            <p:cNvSpPr/>
-            <p:nvPr/>
-          </p:nvSpPr>
-          <p:spPr>
-            <a:xfrm>
-              <a:off x="2826327" y="5237018"/>
-              <a:ext cx="323273" cy="323273"/>
-            </a:xfrm>
-            <a:prstGeom prst="ellipse">
-              <a:avLst/>
-            </a:prstGeom>
-            <a:noFill/>
-            <a:ln>
-              <a:solidFill>
-                <a:schemeClr val="tx1"/>
-              </a:solidFill>
-            </a:ln>
-          </p:spPr>
-          <p:style>
-            <a:lnRef idx="2">
-              <a:schemeClr val="accent1">
-                <a:shade val="50000"/>
-              </a:schemeClr>
-            </a:lnRef>
-            <a:fillRef idx="1">
-              <a:schemeClr val="accent1"/>
-            </a:fillRef>
-            <a:effectRef idx="0">
-              <a:schemeClr val="accent1"/>
-            </a:effectRef>
-            <a:fontRef idx="minor">
-              <a:schemeClr val="lt1"/>
-            </a:fontRef>
-          </p:style>
-          <p:txBody>
-            <a:bodyPr rtlCol="0" anchor="ctr"/>
-            <a:lstStyle/>
-            <a:p>
-              <a:pPr algn="ctr"/>
-              <a:endParaRPr lang="ko-KR" altLang="en-US"/>
-            </a:p>
-          </p:txBody>
-        </p:sp>
-        <p:sp>
-          <p:nvSpPr>
-            <p:cNvPr id="24" name="타원 23"/>
-            <p:cNvSpPr/>
-            <p:nvPr/>
-          </p:nvSpPr>
-          <p:spPr>
-            <a:xfrm>
-              <a:off x="2902526" y="5313217"/>
-              <a:ext cx="170873" cy="170873"/>
-            </a:xfrm>
-            <a:prstGeom prst="ellipse">
-              <a:avLst/>
-            </a:prstGeom>
-            <a:noFill/>
-            <a:ln>
-              <a:solidFill>
-                <a:schemeClr val="tx1"/>
-              </a:solidFill>
-            </a:ln>
-          </p:spPr>
-          <p:style>
-            <a:lnRef idx="2">
-              <a:schemeClr val="accent1">
-                <a:shade val="50000"/>
-              </a:schemeClr>
-            </a:lnRef>
-            <a:fillRef idx="1">
-              <a:schemeClr val="accent1"/>
-            </a:fillRef>
-            <a:effectRef idx="0">
-              <a:schemeClr val="accent1"/>
-            </a:effectRef>
-            <a:fontRef idx="minor">
-              <a:schemeClr val="lt1"/>
-            </a:fontRef>
-          </p:style>
-          <p:txBody>
-            <a:bodyPr rtlCol="0" anchor="ctr"/>
-            <a:lstStyle/>
-            <a:p>
-              <a:pPr algn="ctr"/>
-              <a:endParaRPr lang="ko-KR" altLang="en-US"/>
-            </a:p>
-          </p:txBody>
-        </p:sp>
-      </p:grpSp>
-      <p:grpSp>
-        <p:nvGrpSpPr>
-          <p:cNvPr id="26" name="그룹 25"/>
-          <p:cNvGrpSpPr/>
-          <p:nvPr/>
-        </p:nvGrpSpPr>
-        <p:grpSpPr>
-          <a:xfrm>
-            <a:off x="4977245" y="5650444"/>
-            <a:ext cx="323273" cy="323273"/>
-            <a:chOff x="2826327" y="5237018"/>
-            <a:chExt cx="323273" cy="323273"/>
-          </a:xfrm>
-        </p:grpSpPr>
-        <p:sp>
-          <p:nvSpPr>
-            <p:cNvPr id="27" name="타원 26"/>
-            <p:cNvSpPr/>
-            <p:nvPr/>
-          </p:nvSpPr>
-          <p:spPr>
-            <a:xfrm>
-              <a:off x="2826327" y="5237018"/>
-              <a:ext cx="323273" cy="323273"/>
-            </a:xfrm>
-            <a:prstGeom prst="ellipse">
-              <a:avLst/>
-            </a:prstGeom>
-            <a:noFill/>
-            <a:ln>
-              <a:solidFill>
-                <a:schemeClr val="tx1"/>
-              </a:solidFill>
-            </a:ln>
-          </p:spPr>
-          <p:style>
-            <a:lnRef idx="2">
-              <a:schemeClr val="accent1">
-                <a:shade val="50000"/>
-              </a:schemeClr>
-            </a:lnRef>
-            <a:fillRef idx="1">
-              <a:schemeClr val="accent1"/>
-            </a:fillRef>
-            <a:effectRef idx="0">
-              <a:schemeClr val="accent1"/>
-            </a:effectRef>
-            <a:fontRef idx="minor">
-              <a:schemeClr val="lt1"/>
-            </a:fontRef>
-          </p:style>
-          <p:txBody>
-            <a:bodyPr rtlCol="0" anchor="ctr"/>
-            <a:lstStyle/>
-            <a:p>
-              <a:pPr algn="ctr"/>
-              <a:endParaRPr lang="ko-KR" altLang="en-US"/>
-            </a:p>
-          </p:txBody>
-        </p:sp>
-        <p:sp>
-          <p:nvSpPr>
-            <p:cNvPr id="28" name="타원 27"/>
-            <p:cNvSpPr/>
-            <p:nvPr/>
-          </p:nvSpPr>
-          <p:spPr>
-            <a:xfrm>
-              <a:off x="2902526" y="5313217"/>
-              <a:ext cx="170873" cy="170873"/>
-            </a:xfrm>
-            <a:prstGeom prst="ellipse">
-              <a:avLst/>
-            </a:prstGeom>
-            <a:noFill/>
-            <a:ln>
-              <a:solidFill>
-                <a:schemeClr val="tx1"/>
-              </a:solidFill>
-            </a:ln>
-          </p:spPr>
-          <p:style>
-            <a:lnRef idx="2">
-              <a:schemeClr val="accent1">
-                <a:shade val="50000"/>
-              </a:schemeClr>
-            </a:lnRef>
-            <a:fillRef idx="1">
-              <a:schemeClr val="accent1"/>
-            </a:fillRef>
-            <a:effectRef idx="0">
-              <a:schemeClr val="accent1"/>
-            </a:effectRef>
-            <a:fontRef idx="minor">
-              <a:schemeClr val="lt1"/>
-            </a:fontRef>
-          </p:style>
-          <p:txBody>
-            <a:bodyPr rtlCol="0" anchor="ctr"/>
-            <a:lstStyle/>
-            <a:p>
-              <a:pPr algn="ctr"/>
-              <a:endParaRPr lang="ko-KR" altLang="en-US"/>
-            </a:p>
-          </p:txBody>
-        </p:sp>
-      </p:grpSp>
-      <p:grpSp>
-        <p:nvGrpSpPr>
-          <p:cNvPr id="30" name="그룹 29"/>
-          <p:cNvGrpSpPr/>
-          <p:nvPr/>
-        </p:nvGrpSpPr>
-        <p:grpSpPr>
-          <a:xfrm>
-            <a:off x="6090515" y="5650444"/>
-            <a:ext cx="323273" cy="323273"/>
-            <a:chOff x="2826327" y="5237018"/>
-            <a:chExt cx="323273" cy="323273"/>
-          </a:xfrm>
-        </p:grpSpPr>
-        <p:sp>
-          <p:nvSpPr>
-            <p:cNvPr id="31" name="타원 30"/>
-            <p:cNvSpPr/>
-            <p:nvPr/>
-          </p:nvSpPr>
-          <p:spPr>
-            <a:xfrm>
-              <a:off x="2826327" y="5237018"/>
-              <a:ext cx="323273" cy="323273"/>
-            </a:xfrm>
-            <a:prstGeom prst="ellipse">
-              <a:avLst/>
-            </a:prstGeom>
-            <a:noFill/>
-            <a:ln>
-              <a:solidFill>
-                <a:schemeClr val="tx1"/>
-              </a:solidFill>
-            </a:ln>
-          </p:spPr>
-          <p:style>
-            <a:lnRef idx="2">
-              <a:schemeClr val="accent1">
-                <a:shade val="50000"/>
-              </a:schemeClr>
-            </a:lnRef>
-            <a:fillRef idx="1">
-              <a:schemeClr val="accent1"/>
-            </a:fillRef>
-            <a:effectRef idx="0">
-              <a:schemeClr val="accent1"/>
-            </a:effectRef>
-            <a:fontRef idx="minor">
-              <a:schemeClr val="lt1"/>
-            </a:fontRef>
-          </p:style>
-          <p:txBody>
-            <a:bodyPr rtlCol="0" anchor="ctr"/>
-            <a:lstStyle/>
-            <a:p>
-              <a:pPr algn="ctr"/>
-              <a:endParaRPr lang="ko-KR" altLang="en-US"/>
-            </a:p>
-          </p:txBody>
-        </p:sp>
-        <p:sp>
-          <p:nvSpPr>
-            <p:cNvPr id="32" name="타원 31"/>
-            <p:cNvSpPr/>
-            <p:nvPr/>
-          </p:nvSpPr>
-          <p:spPr>
-            <a:xfrm>
-              <a:off x="2902526" y="5313217"/>
-              <a:ext cx="170873" cy="170873"/>
-            </a:xfrm>
-            <a:prstGeom prst="ellipse">
-              <a:avLst/>
-            </a:prstGeom>
-            <a:noFill/>
-            <a:ln>
-              <a:solidFill>
-                <a:schemeClr val="tx1"/>
-              </a:solidFill>
-            </a:ln>
-          </p:spPr>
-          <p:style>
-            <a:lnRef idx="2">
-              <a:schemeClr val="accent1">
-                <a:shade val="50000"/>
-              </a:schemeClr>
-            </a:lnRef>
-            <a:fillRef idx="1">
-              <a:schemeClr val="accent1"/>
-            </a:fillRef>
-            <a:effectRef idx="0">
-              <a:schemeClr val="accent1"/>
-            </a:effectRef>
-            <a:fontRef idx="minor">
-              <a:schemeClr val="lt1"/>
-            </a:fontRef>
-          </p:style>
-          <p:txBody>
-            <a:bodyPr rtlCol="0" anchor="ctr"/>
-            <a:lstStyle/>
-            <a:p>
-              <a:pPr algn="ctr"/>
-              <a:endParaRPr lang="ko-KR" altLang="en-US"/>
-            </a:p>
-          </p:txBody>
-        </p:sp>
-      </p:grpSp>
-      <p:grpSp>
-        <p:nvGrpSpPr>
-          <p:cNvPr id="33" name="그룹 32"/>
-          <p:cNvGrpSpPr/>
-          <p:nvPr/>
-        </p:nvGrpSpPr>
-        <p:grpSpPr>
-          <a:xfrm>
-            <a:off x="2750701" y="3237433"/>
-            <a:ext cx="323273" cy="323273"/>
-            <a:chOff x="2826327" y="5237018"/>
-            <a:chExt cx="323273" cy="323273"/>
-          </a:xfrm>
-        </p:grpSpPr>
-        <p:sp>
-          <p:nvSpPr>
-            <p:cNvPr id="34" name="타원 33"/>
-            <p:cNvSpPr/>
-            <p:nvPr/>
-          </p:nvSpPr>
-          <p:spPr>
-            <a:xfrm>
-              <a:off x="2826327" y="5237018"/>
-              <a:ext cx="323273" cy="323273"/>
-            </a:xfrm>
-            <a:prstGeom prst="ellipse">
-              <a:avLst/>
-            </a:prstGeom>
-            <a:noFill/>
-            <a:ln>
-              <a:solidFill>
-                <a:schemeClr val="tx1"/>
-              </a:solidFill>
-            </a:ln>
-          </p:spPr>
-          <p:style>
-            <a:lnRef idx="2">
-              <a:schemeClr val="accent1">
-                <a:shade val="50000"/>
-              </a:schemeClr>
-            </a:lnRef>
-            <a:fillRef idx="1">
-              <a:schemeClr val="accent1"/>
-            </a:fillRef>
-            <a:effectRef idx="0">
-              <a:schemeClr val="accent1"/>
-            </a:effectRef>
-            <a:fontRef idx="minor">
-              <a:schemeClr val="lt1"/>
-            </a:fontRef>
-          </p:style>
-          <p:txBody>
-            <a:bodyPr rtlCol="0" anchor="ctr"/>
-            <a:lstStyle/>
-            <a:p>
-              <a:pPr algn="ctr"/>
-              <a:endParaRPr lang="ko-KR" altLang="en-US"/>
-            </a:p>
-          </p:txBody>
-        </p:sp>
-        <p:sp>
-          <p:nvSpPr>
-            <p:cNvPr id="35" name="타원 34"/>
-            <p:cNvSpPr/>
-            <p:nvPr/>
-          </p:nvSpPr>
-          <p:spPr>
-            <a:xfrm>
-              <a:off x="2902526" y="5313217"/>
-              <a:ext cx="170873" cy="170873"/>
-            </a:xfrm>
-            <a:prstGeom prst="ellipse">
-              <a:avLst/>
-            </a:prstGeom>
-            <a:noFill/>
-            <a:ln>
-              <a:solidFill>
-                <a:schemeClr val="tx1"/>
-              </a:solidFill>
-            </a:ln>
-          </p:spPr>
-          <p:style>
-            <a:lnRef idx="2">
-              <a:schemeClr val="accent1">
-                <a:shade val="50000"/>
-              </a:schemeClr>
-            </a:lnRef>
-            <a:fillRef idx="1">
-              <a:schemeClr val="accent1"/>
-            </a:fillRef>
-            <a:effectRef idx="0">
-              <a:schemeClr val="accent1"/>
-            </a:effectRef>
-            <a:fontRef idx="minor">
-              <a:schemeClr val="lt1"/>
-            </a:fontRef>
-          </p:style>
-          <p:txBody>
-            <a:bodyPr rtlCol="0" anchor="ctr"/>
-            <a:lstStyle/>
-            <a:p>
-              <a:pPr algn="ctr"/>
-              <a:endParaRPr lang="ko-KR" altLang="en-US"/>
-            </a:p>
-          </p:txBody>
-        </p:sp>
-      </p:grpSp>
-      <p:sp>
-        <p:nvSpPr>
-          <p:cNvPr id="36" name="TextBox 35"/>
-          <p:cNvSpPr txBox="1"/>
-          <p:nvPr/>
-        </p:nvSpPr>
-        <p:spPr>
-          <a:xfrm>
-            <a:off x="3561760" y="2633204"/>
-            <a:ext cx="2020477" cy="646331"/>
-          </a:xfrm>
-          <a:prstGeom prst="rect">
-            <a:avLst/>
-          </a:prstGeom>
-          <a:noFill/>
-        </p:spPr>
-        <p:txBody>
-          <a:bodyPr wrap="square" rtlCol="0">
-            <a:spAutoFit/>
-          </a:bodyPr>
-          <a:lstStyle/>
-          <a:p>
-            <a:r>
-              <a:rPr lang="en-US" altLang="ko-KR" dirty="0" smtClean="0"/>
-              <a:t>Function Generator</a:t>
-            </a:r>
-          </a:p>
-          <a:p>
-            <a:r>
-              <a:rPr lang="en-US" altLang="ko-KR" dirty="0" smtClean="0"/>
-              <a:t>(External reference)</a:t>
-            </a:r>
-          </a:p>
-        </p:txBody>
-      </p:sp>
-      <p:sp>
-        <p:nvSpPr>
-          <p:cNvPr id="37" name="TextBox 36"/>
-          <p:cNvSpPr txBox="1"/>
-          <p:nvPr/>
-        </p:nvSpPr>
-        <p:spPr>
-          <a:xfrm>
-            <a:off x="4025609" y="4826524"/>
-            <a:ext cx="1415485" cy="369332"/>
-          </a:xfrm>
-          <a:prstGeom prst="rect">
-            <a:avLst/>
-          </a:prstGeom>
-          <a:noFill/>
-        </p:spPr>
-        <p:txBody>
-          <a:bodyPr wrap="square" rtlCol="0">
-            <a:spAutoFit/>
-          </a:bodyPr>
-          <a:lstStyle/>
-          <a:p>
-            <a:r>
-              <a:rPr lang="en-US" altLang="ko-KR" dirty="0" smtClean="0"/>
-              <a:t>Zurich HF2LI</a:t>
-            </a:r>
-          </a:p>
-        </p:txBody>
-      </p:sp>
-      <p:cxnSp>
-        <p:nvCxnSpPr>
-          <p:cNvPr id="10" name="직선 연결선 9"/>
-          <p:cNvCxnSpPr/>
-          <p:nvPr/>
-        </p:nvCxnSpPr>
-        <p:spPr>
-          <a:xfrm>
-            <a:off x="2629113" y="3398059"/>
-            <a:ext cx="285537" cy="2428066"/>
-          </a:xfrm>
-          <a:prstGeom prst="line">
-            <a:avLst/>
-          </a:prstGeom>
-          <a:ln w="57150">
-            <a:solidFill>
-              <a:schemeClr val="tx1"/>
-            </a:solidFill>
-          </a:ln>
-        </p:spPr>
-        <p:style>
-          <a:lnRef idx="1">
-            <a:schemeClr val="accent1"/>
-          </a:lnRef>
-          <a:fillRef idx="0">
-            <a:schemeClr val="accent1"/>
-          </a:fillRef>
-          <a:effectRef idx="0">
-            <a:schemeClr val="accent1"/>
-          </a:effectRef>
-          <a:fontRef idx="minor">
-            <a:schemeClr val="tx1"/>
-          </a:fontRef>
-        </p:style>
-      </p:cxnSp>
-      <p:sp>
-        <p:nvSpPr>
-          <p:cNvPr id="38" name="TextBox 37"/>
-          <p:cNvSpPr txBox="1"/>
-          <p:nvPr/>
-        </p:nvSpPr>
-        <p:spPr>
-          <a:xfrm>
-            <a:off x="2609725" y="2936996"/>
-            <a:ext cx="605221" cy="261610"/>
-          </a:xfrm>
-          <a:prstGeom prst="rect">
-            <a:avLst/>
-          </a:prstGeom>
-          <a:noFill/>
-        </p:spPr>
-        <p:txBody>
-          <a:bodyPr wrap="square" rtlCol="0">
-            <a:spAutoFit/>
-          </a:bodyPr>
-          <a:lstStyle/>
-          <a:p>
-            <a:r>
-              <a:rPr lang="en-US" altLang="ko-KR" sz="1100" dirty="0" smtClean="0"/>
-              <a:t>output</a:t>
-            </a:r>
-          </a:p>
-        </p:txBody>
-      </p:sp>
-      <p:sp>
-        <p:nvSpPr>
-          <p:cNvPr id="39" name="TextBox 38"/>
-          <p:cNvSpPr txBox="1"/>
-          <p:nvPr/>
-        </p:nvSpPr>
-        <p:spPr>
-          <a:xfrm>
-            <a:off x="2268433" y="5426934"/>
-            <a:ext cx="605221" cy="261610"/>
-          </a:xfrm>
-          <a:prstGeom prst="rect">
-            <a:avLst/>
-          </a:prstGeom>
-          <a:noFill/>
-        </p:spPr>
-        <p:txBody>
-          <a:bodyPr wrap="square" rtlCol="0">
-            <a:spAutoFit/>
-          </a:bodyPr>
-          <a:lstStyle/>
-          <a:p>
-            <a:r>
-              <a:rPr lang="en-US" altLang="ko-KR" sz="1100" dirty="0" smtClean="0"/>
-              <a:t>Input 1</a:t>
-            </a:r>
-          </a:p>
-        </p:txBody>
-      </p:sp>
-      <p:sp>
-        <p:nvSpPr>
-          <p:cNvPr id="42" name="TextBox 41"/>
-          <p:cNvSpPr txBox="1"/>
-          <p:nvPr/>
-        </p:nvSpPr>
-        <p:spPr>
-          <a:xfrm>
-            <a:off x="3722998" y="5984906"/>
-            <a:ext cx="605221" cy="261610"/>
-          </a:xfrm>
-          <a:prstGeom prst="rect">
-            <a:avLst/>
-          </a:prstGeom>
-          <a:noFill/>
-        </p:spPr>
-        <p:txBody>
-          <a:bodyPr wrap="square" rtlCol="0">
-            <a:spAutoFit/>
-          </a:bodyPr>
-          <a:lstStyle/>
-          <a:p>
-            <a:r>
-              <a:rPr lang="en-US" altLang="ko-KR" sz="1100" dirty="0" smtClean="0"/>
-              <a:t>Input 2</a:t>
-            </a:r>
-          </a:p>
-        </p:txBody>
-      </p:sp>
-      <p:sp>
-        <p:nvSpPr>
-          <p:cNvPr id="43" name="TextBox 42"/>
-          <p:cNvSpPr txBox="1"/>
-          <p:nvPr/>
-        </p:nvSpPr>
-        <p:spPr>
-          <a:xfrm>
-            <a:off x="4398867" y="5431302"/>
-            <a:ext cx="746364" cy="261610"/>
-          </a:xfrm>
-          <a:prstGeom prst="rect">
-            <a:avLst/>
-          </a:prstGeom>
-          <a:noFill/>
-        </p:spPr>
-        <p:txBody>
-          <a:bodyPr wrap="square" rtlCol="0">
-            <a:spAutoFit/>
-          </a:bodyPr>
-          <a:lstStyle/>
-          <a:p>
-            <a:r>
-              <a:rPr lang="en-US" altLang="ko-KR" sz="1100" dirty="0" smtClean="0"/>
-              <a:t>Output 1</a:t>
-            </a:r>
-          </a:p>
-        </p:txBody>
-      </p:sp>
-      <p:sp>
-        <p:nvSpPr>
-          <p:cNvPr id="44" name="TextBox 43"/>
-          <p:cNvSpPr txBox="1"/>
-          <p:nvPr/>
-        </p:nvSpPr>
-        <p:spPr>
-          <a:xfrm>
-            <a:off x="5878968" y="5984906"/>
-            <a:ext cx="746364" cy="261610"/>
-          </a:xfrm>
-          <a:prstGeom prst="rect">
-            <a:avLst/>
-          </a:prstGeom>
-          <a:noFill/>
-        </p:spPr>
-        <p:txBody>
-          <a:bodyPr wrap="square" rtlCol="0">
-            <a:spAutoFit/>
-          </a:bodyPr>
-          <a:lstStyle/>
-          <a:p>
-            <a:r>
-              <a:rPr lang="en-US" altLang="ko-KR" sz="1100" dirty="0" smtClean="0"/>
-              <a:t>Output 2</a:t>
-            </a:r>
-          </a:p>
-        </p:txBody>
-      </p:sp>
-      <p:sp>
-        <p:nvSpPr>
-          <p:cNvPr id="60" name="TextBox 59"/>
-          <p:cNvSpPr txBox="1"/>
-          <p:nvPr/>
-        </p:nvSpPr>
-        <p:spPr>
-          <a:xfrm>
-            <a:off x="720968" y="1210366"/>
-            <a:ext cx="7496106" cy="369332"/>
-          </a:xfrm>
-          <a:prstGeom prst="rect">
-            <a:avLst/>
-          </a:prstGeom>
-          <a:noFill/>
-        </p:spPr>
-        <p:txBody>
-          <a:bodyPr wrap="square" rtlCol="0">
-            <a:spAutoFit/>
-          </a:bodyPr>
-          <a:lstStyle/>
-          <a:p>
-            <a:r>
-              <a:rPr lang="en-US" altLang="ko-KR" dirty="0" smtClean="0"/>
-              <a:t>Function generator</a:t>
-            </a:r>
-            <a:r>
-              <a:rPr lang="ko-KR" altLang="en-US" dirty="0" smtClean="0"/>
-              <a:t>로 </a:t>
-            </a:r>
-            <a:r>
-              <a:rPr lang="en-US" altLang="ko-KR" dirty="0" smtClean="0"/>
-              <a:t>ext. reference</a:t>
-            </a:r>
-            <a:r>
-              <a:rPr lang="ko-KR" altLang="en-US" dirty="0" smtClean="0"/>
-              <a:t>와 </a:t>
-            </a:r>
-            <a:r>
-              <a:rPr lang="en-US" altLang="ko-KR" dirty="0" smtClean="0"/>
-              <a:t>input signal</a:t>
-            </a:r>
-            <a:r>
-              <a:rPr lang="ko-KR" altLang="en-US" dirty="0" smtClean="0"/>
-              <a:t>을 구현</a:t>
-            </a:r>
-            <a:endParaRPr lang="en-US" altLang="ko-KR" dirty="0" smtClean="0"/>
-          </a:p>
-        </p:txBody>
-      </p:sp>
-      <p:cxnSp>
-        <p:nvCxnSpPr>
-          <p:cNvPr id="40" name="직선 연결선 39"/>
-          <p:cNvCxnSpPr/>
-          <p:nvPr/>
-        </p:nvCxnSpPr>
-        <p:spPr>
-          <a:xfrm>
-            <a:off x="2609727" y="3398059"/>
-            <a:ext cx="605219" cy="0"/>
-          </a:xfrm>
-          <a:prstGeom prst="line">
-            <a:avLst/>
-          </a:prstGeom>
-          <a:ln w="57150">
-            <a:solidFill>
-              <a:schemeClr val="tx1"/>
-            </a:solidFill>
-          </a:ln>
-        </p:spPr>
-        <p:style>
-          <a:lnRef idx="1">
-            <a:schemeClr val="accent1"/>
-          </a:lnRef>
-          <a:fillRef idx="0">
-            <a:schemeClr val="accent1"/>
-          </a:fillRef>
-          <a:effectRef idx="0">
-            <a:schemeClr val="accent1"/>
-          </a:effectRef>
-          <a:fontRef idx="minor">
-            <a:schemeClr val="tx1"/>
-          </a:fontRef>
-        </p:style>
-      </p:cxnSp>
-      <p:cxnSp>
-        <p:nvCxnSpPr>
-          <p:cNvPr id="41" name="직선 연결선 40"/>
-          <p:cNvCxnSpPr/>
-          <p:nvPr/>
-        </p:nvCxnSpPr>
-        <p:spPr>
-          <a:xfrm>
-            <a:off x="3195562" y="3384013"/>
-            <a:ext cx="830046" cy="2442112"/>
-          </a:xfrm>
-          <a:prstGeom prst="line">
-            <a:avLst/>
-          </a:prstGeom>
-          <a:ln w="57150">
-            <a:solidFill>
-              <a:schemeClr val="tx1"/>
-            </a:solidFill>
-          </a:ln>
-        </p:spPr>
-        <p:style>
-          <a:lnRef idx="1">
-            <a:schemeClr val="accent1"/>
-          </a:lnRef>
-          <a:fillRef idx="0">
-            <a:schemeClr val="accent1"/>
-          </a:fillRef>
-          <a:effectRef idx="0">
-            <a:schemeClr val="accent1"/>
-          </a:effectRef>
-          <a:fontRef idx="minor">
-            <a:schemeClr val="tx1"/>
-          </a:fontRef>
-        </p:style>
-      </p:cxnSp>
-      <p:sp>
-        <p:nvSpPr>
-          <p:cNvPr id="46" name="TextBox 45"/>
-          <p:cNvSpPr txBox="1"/>
-          <p:nvPr/>
-        </p:nvSpPr>
-        <p:spPr>
-          <a:xfrm>
-            <a:off x="2221124" y="4749580"/>
-            <a:ext cx="529577" cy="261610"/>
-          </a:xfrm>
-          <a:prstGeom prst="rect">
-            <a:avLst/>
-          </a:prstGeom>
-          <a:noFill/>
-        </p:spPr>
-        <p:txBody>
-          <a:bodyPr wrap="square" rtlCol="0">
-            <a:spAutoFit/>
-          </a:bodyPr>
-          <a:lstStyle/>
-          <a:p>
-            <a:r>
-              <a:rPr lang="en-US" altLang="ko-KR" sz="1100" dirty="0" smtClean="0">
-                <a:solidFill>
-                  <a:srgbClr val="3333FF"/>
-                </a:solidFill>
-              </a:rPr>
-              <a:t>Signal</a:t>
-            </a:r>
-          </a:p>
-        </p:txBody>
-      </p:sp>
-      <p:sp>
-        <p:nvSpPr>
-          <p:cNvPr id="47" name="TextBox 46"/>
-          <p:cNvSpPr txBox="1"/>
-          <p:nvPr/>
-        </p:nvSpPr>
-        <p:spPr>
-          <a:xfrm>
-            <a:off x="3102430" y="5175867"/>
-            <a:ext cx="810662" cy="430887"/>
-          </a:xfrm>
-          <a:prstGeom prst="rect">
-            <a:avLst/>
-          </a:prstGeom>
-          <a:noFill/>
-        </p:spPr>
-        <p:txBody>
-          <a:bodyPr wrap="square" rtlCol="0">
-            <a:spAutoFit/>
-          </a:bodyPr>
-          <a:lstStyle/>
-          <a:p>
-            <a:r>
-              <a:rPr lang="en-US" altLang="ko-KR" sz="1100" dirty="0" smtClean="0">
-                <a:solidFill>
-                  <a:srgbClr val="3333FF"/>
-                </a:solidFill>
-              </a:rPr>
-              <a:t>Ext.</a:t>
-            </a:r>
-          </a:p>
-          <a:p>
-            <a:r>
-              <a:rPr lang="en-US" altLang="ko-KR" sz="1100" dirty="0" smtClean="0">
-                <a:solidFill>
-                  <a:srgbClr val="3333FF"/>
-                </a:solidFill>
-              </a:rPr>
-              <a:t>Reference</a:t>
-            </a:r>
-          </a:p>
-        </p:txBody>
-      </p:sp>
-      <p:sp>
-        <p:nvSpPr>
-          <p:cNvPr id="45" name="TextBox 44"/>
-          <p:cNvSpPr txBox="1"/>
-          <p:nvPr/>
-        </p:nvSpPr>
-        <p:spPr>
-          <a:xfrm>
-            <a:off x="3453784" y="3677864"/>
-            <a:ext cx="874435" cy="261610"/>
-          </a:xfrm>
-          <a:prstGeom prst="rect">
-            <a:avLst/>
-          </a:prstGeom>
-          <a:noFill/>
-        </p:spPr>
-        <p:txBody>
-          <a:bodyPr wrap="square" rtlCol="0">
-            <a:spAutoFit/>
-          </a:bodyPr>
-          <a:lstStyle/>
-          <a:p>
-            <a:r>
-              <a:rPr lang="en-US" altLang="ko-KR" sz="1100" dirty="0" smtClean="0">
-                <a:solidFill>
-                  <a:srgbClr val="3333FF"/>
-                </a:solidFill>
-              </a:rPr>
-              <a:t>1Vpp 1MHz</a:t>
-            </a:r>
-          </a:p>
-        </p:txBody>
-      </p:sp>
     </p:spTree>
     <p:extLst>
       <p:ext uri="{BB962C8B-B14F-4D97-AF65-F5344CB8AC3E}">
-        <p14:creationId xmlns:p14="http://schemas.microsoft.com/office/powerpoint/2010/main" val="3237123940"/>
+        <p14:creationId xmlns:p14="http://schemas.microsoft.com/office/powerpoint/2010/main" val="4215852657"/>
       </p:ext>
     </p:extLst>
   </p:cSld>
@@ -6178,7 +4700,16 @@
                 </a:solidFill>
                 <a:latin typeface="Arial" panose="020B0604020202020204" pitchFamily="34" charset="0"/>
               </a:rPr>
-              <a:t>Single Lock-In</a:t>
+              <a:t>Dual </a:t>
+            </a:r>
+            <a:r>
+              <a:rPr lang="en-US" altLang="ko-KR" sz="2800" dirty="0" smtClean="0">
+                <a:solidFill>
+                  <a:schemeClr val="bg1"/>
+                </a:solidFill>
+                <a:latin typeface="Arial" panose="020B0604020202020204" pitchFamily="34" charset="0"/>
+              </a:rPr>
+              <a:t>Lock-In</a:t>
             </a:r>
           </a:p>
         </p:txBody>
@@ -6200,7 +4731,7 @@
           <a:p>
             <a:fld id="{53646E5C-8775-44A9-9523-40B6CCA06789}" type="datetime1">
               <a:rPr lang="ko-KR" altLang="en-US" smtClean="0"/>
-              <a:t>2018-06-14</a:t>
+              <a:t>2018-06-15</a:t>
             </a:fld>
             <a:endParaRPr lang="ko-KR" altLang="en-US"/>
           </a:p>
@@ -6231,34 +4762,71 @@
       </p:sp>
       <p:sp>
         <p:nvSpPr>
-          <p:cNvPr id="16" name="TextBox 15"/>
-          <p:cNvSpPr txBox="1"/>
+          <p:cNvPr id="48" name="직사각형 47"/>
+          <p:cNvSpPr/>
           <p:nvPr/>
         </p:nvSpPr>
         <p:spPr>
           <a:xfrm>
-            <a:off x="720969" y="810256"/>
-            <a:ext cx="2853504" cy="400110"/>
+            <a:off x="720968" y="6280551"/>
+            <a:ext cx="7990769" cy="230832"/>
           </a:xfrm>
           <a:prstGeom prst="rect">
             <a:avLst/>
           </a:prstGeom>
-          <a:noFill/>
         </p:spPr>
         <p:txBody>
-          <a:bodyPr wrap="square" rtlCol="0">
+          <a:bodyPr wrap="square">
             <a:spAutoFit/>
           </a:bodyPr>
           <a:lstStyle/>
           <a:p>
             <a:r>
-              <a:rPr lang="en-US" altLang="ko-KR" sz="2000" dirty="0" smtClean="0">
-                <a:solidFill>
-                  <a:srgbClr val="3333FF"/>
-                </a:solidFill>
+              <a:rPr lang="en-US" altLang="ko-KR" sz="900" i="1" dirty="0" err="1">
+                <a:latin typeface="Times New Roman" panose="02020603050405020304" pitchFamily="18" charset="0"/>
+                <a:cs typeface="Times New Roman" panose="02020603050405020304" pitchFamily="18" charset="0"/>
               </a:rPr>
-              <a:t>Diagram</a:t>
-            </a:r>
+              <a:t>Mickan</a:t>
+            </a:r>
+            <a:r>
+              <a:rPr lang="en-US" altLang="ko-KR" sz="900" i="1" dirty="0">
+                <a:latin typeface="Times New Roman" panose="02020603050405020304" pitchFamily="18" charset="0"/>
+                <a:cs typeface="Times New Roman" panose="02020603050405020304" pitchFamily="18" charset="0"/>
+              </a:rPr>
+              <a:t>, S. P.; </a:t>
+            </a:r>
+            <a:r>
+              <a:rPr lang="en-US" altLang="ko-KR" sz="900" i="1" dirty="0" err="1">
+                <a:latin typeface="Times New Roman" panose="02020603050405020304" pitchFamily="18" charset="0"/>
+                <a:cs typeface="Times New Roman" panose="02020603050405020304" pitchFamily="18" charset="0"/>
+              </a:rPr>
+              <a:t>Shvartsman</a:t>
+            </a:r>
+            <a:r>
+              <a:rPr lang="en-US" altLang="ko-KR" sz="900" i="1" dirty="0">
+                <a:latin typeface="Times New Roman" panose="02020603050405020304" pitchFamily="18" charset="0"/>
+                <a:cs typeface="Times New Roman" panose="02020603050405020304" pitchFamily="18" charset="0"/>
+              </a:rPr>
+              <a:t>, R.; Munch, J.; Zhang, X.-C.; Abbott, D. Journal of Optics B: Quantum and </a:t>
+            </a:r>
+            <a:r>
+              <a:rPr lang="en-US" altLang="ko-KR" sz="900" i="1" dirty="0" err="1">
+                <a:latin typeface="Times New Roman" panose="02020603050405020304" pitchFamily="18" charset="0"/>
+                <a:cs typeface="Times New Roman" panose="02020603050405020304" pitchFamily="18" charset="0"/>
+              </a:rPr>
+              <a:t>Semiclassical</a:t>
+            </a:r>
+            <a:r>
+              <a:rPr lang="en-US" altLang="ko-KR" sz="900" i="1" dirty="0">
+                <a:latin typeface="Times New Roman" panose="02020603050405020304" pitchFamily="18" charset="0"/>
+                <a:cs typeface="Times New Roman" panose="02020603050405020304" pitchFamily="18" charset="0"/>
+              </a:rPr>
+              <a:t> Optics 2004, 6 (8).</a:t>
+            </a:r>
+            <a:endParaRPr lang="ko-KR" altLang="en-US" sz="900" i="1" dirty="0">
+              <a:latin typeface="Times New Roman" panose="02020603050405020304" pitchFamily="18" charset="0"/>
+              <a:cs typeface="Times New Roman" panose="02020603050405020304" pitchFamily="18" charset="0"/>
+            </a:endParaRPr>
           </a:p>
         </p:txBody>
       </p:sp>
@@ -6270,187 +4838,74 @@
           </p:cNvPicPr>
           <p:nvPr/>
         </p:nvPicPr>
-        <p:blipFill rotWithShape="1">
+        <p:blipFill>
           <a:blip r:embed="rId3"/>
-          <a:srcRect l="7551" t="13333" r="2890" b="55690"/>
-          <a:stretch/>
+          <a:stretch>
+            <a:fillRect/>
+          </a:stretch>
         </p:blipFill>
         <p:spPr>
           <a:xfrm>
-            <a:off x="577272" y="1525259"/>
-            <a:ext cx="7989455" cy="2124364"/>
+            <a:off x="379268" y="2002239"/>
+            <a:ext cx="4298342" cy="3044022"/>
           </a:xfrm>
           <a:prstGeom prst="rect">
             <a:avLst/>
           </a:prstGeom>
         </p:spPr>
       </p:pic>
-      <p:sp>
-        <p:nvSpPr>
-          <p:cNvPr id="7" name="곱셈 기호 6"/>
-          <p:cNvSpPr/>
+      <p:pic>
+        <p:nvPicPr>
+          <p:cNvPr id="7" name="그림 6"/>
+          <p:cNvPicPr>
+            <a:picLocks noChangeAspect="1"/>
+          </p:cNvPicPr>
           <p:nvPr/>
-        </p:nvSpPr>
+        </p:nvPicPr>
+        <p:blipFill>
+          <a:blip r:embed="rId4"/>
+          <a:stretch>
+            <a:fillRect/>
+          </a:stretch>
+        </p:blipFill>
         <p:spPr>
           <a:xfrm>
-            <a:off x="5181600" y="2587441"/>
-            <a:ext cx="4082473" cy="1062182"/>
-          </a:xfrm>
-          <a:prstGeom prst="mathMultiply">
-            <a:avLst>
-              <a:gd name="adj1" fmla="val 24390"/>
-            </a:avLst>
-          </a:prstGeom>
-          <a:solidFill>
-            <a:srgbClr val="FF0000"/>
-          </a:solidFill>
-          <a:ln>
-            <a:noFill/>
-          </a:ln>
-        </p:spPr>
-        <p:style>
-          <a:lnRef idx="2">
-            <a:schemeClr val="accent1">
-              <a:shade val="50000"/>
-            </a:schemeClr>
-          </a:lnRef>
-          <a:fillRef idx="1">
-            <a:schemeClr val="accent1"/>
-          </a:fillRef>
-          <a:effectRef idx="0">
-            <a:schemeClr val="accent1"/>
-          </a:effectRef>
-          <a:fontRef idx="minor">
-            <a:schemeClr val="lt1"/>
-          </a:fontRef>
-        </p:style>
-        <p:txBody>
-          <a:bodyPr rtlCol="0" anchor="ctr"/>
-          <a:lstStyle/>
-          <a:p>
-            <a:pPr algn="ctr"/>
-            <a:endParaRPr lang="ko-KR" altLang="en-US"/>
-          </a:p>
-        </p:txBody>
-      </p:sp>
-      <p:sp>
-        <p:nvSpPr>
-          <p:cNvPr id="8" name="직사각형 7"/>
-          <p:cNvSpPr/>
-          <p:nvPr/>
-        </p:nvSpPr>
-        <p:spPr>
-          <a:xfrm>
-            <a:off x="1515608" y="3384937"/>
-            <a:ext cx="246689" cy="243401"/>
+            <a:off x="4828220" y="1677418"/>
+            <a:ext cx="3894773" cy="948030"/>
           </a:xfrm>
           <a:prstGeom prst="rect">
             <a:avLst/>
           </a:prstGeom>
-          <a:noFill/>
-          <a:ln w="38100">
-            <a:solidFill>
-              <a:srgbClr val="FF0000"/>
-            </a:solidFill>
-          </a:ln>
         </p:spPr>
-        <p:style>
-          <a:lnRef idx="2">
-            <a:schemeClr val="accent1">
-              <a:shade val="50000"/>
-            </a:schemeClr>
-          </a:lnRef>
-          <a:fillRef idx="1">
-            <a:schemeClr val="accent1"/>
-          </a:fillRef>
-          <a:effectRef idx="0">
-            <a:schemeClr val="accent1"/>
-          </a:effectRef>
-          <a:fontRef idx="minor">
-            <a:schemeClr val="lt1"/>
-          </a:fontRef>
-        </p:style>
-        <p:txBody>
-          <a:bodyPr rtlCol="0" anchor="ctr"/>
-          <a:lstStyle/>
-          <a:p>
-            <a:pPr algn="ctr"/>
-            <a:endParaRPr lang="ko-KR" altLang="en-US"/>
-          </a:p>
-        </p:txBody>
-      </p:sp>
-      <p:sp>
-        <p:nvSpPr>
-          <p:cNvPr id="9" name="TextBox 8"/>
-          <p:cNvSpPr txBox="1"/>
+      </p:pic>
+      <p:pic>
+        <p:nvPicPr>
+          <p:cNvPr id="8" name="그림 7"/>
+          <p:cNvPicPr>
+            <a:picLocks noChangeAspect="1"/>
+          </p:cNvPicPr>
           <p:nvPr/>
-        </p:nvSpPr>
+        </p:nvPicPr>
+        <p:blipFill>
+          <a:blip r:embed="rId5"/>
+          <a:stretch>
+            <a:fillRect/>
+          </a:stretch>
+        </p:blipFill>
         <p:spPr>
           <a:xfrm>
-            <a:off x="1762297" y="3779850"/>
-            <a:ext cx="2106194" cy="369332"/>
+            <a:off x="4816964" y="2980484"/>
+            <a:ext cx="3917287" cy="1967810"/>
           </a:xfrm>
           <a:prstGeom prst="rect">
             <a:avLst/>
           </a:prstGeom>
-          <a:noFill/>
         </p:spPr>
-        <p:txBody>
-          <a:bodyPr wrap="square" rtlCol="0">
-            <a:spAutoFit/>
-          </a:bodyPr>
-          <a:lstStyle/>
-          <a:p>
-            <a:r>
-              <a:rPr lang="en-US" altLang="ko-KR" dirty="0" smtClean="0">
-                <a:sym typeface="Wingdings" panose="05000000000000000000" pitchFamily="2" charset="2"/>
-              </a:rPr>
-              <a:t>Phase Lock Indicator</a:t>
-            </a:r>
-            <a:endParaRPr lang="en-US" altLang="ko-KR" dirty="0" smtClean="0"/>
-          </a:p>
-        </p:txBody>
-      </p:sp>
-      <p:cxnSp>
-        <p:nvCxnSpPr>
-          <p:cNvPr id="4" name="꺾인 연결선 3"/>
-          <p:cNvCxnSpPr>
-            <a:stCxn id="9" idx="1"/>
-            <a:endCxn id="8" idx="2"/>
-          </p:cNvCxnSpPr>
-          <p:nvPr/>
-        </p:nvCxnSpPr>
-        <p:spPr>
-          <a:xfrm rot="10800000">
-            <a:off x="1638953" y="3628338"/>
-            <a:ext cx="123344" cy="336178"/>
-          </a:xfrm>
-          <a:prstGeom prst="bentConnector2">
-            <a:avLst/>
-          </a:prstGeom>
-          <a:ln>
-            <a:tailEnd type="triangle"/>
-          </a:ln>
-        </p:spPr>
-        <p:style>
-          <a:lnRef idx="1">
-            <a:schemeClr val="dk1"/>
-          </a:lnRef>
-          <a:fillRef idx="0">
-            <a:schemeClr val="dk1"/>
-          </a:fillRef>
-          <a:effectRef idx="0">
-            <a:schemeClr val="dk1"/>
-          </a:effectRef>
-          <a:fontRef idx="minor">
-            <a:schemeClr val="tx1"/>
-          </a:fontRef>
-        </p:style>
-      </p:cxnSp>
+      </p:pic>
     </p:spTree>
     <p:extLst>
       <p:ext uri="{BB962C8B-B14F-4D97-AF65-F5344CB8AC3E}">
-        <p14:creationId xmlns:p14="http://schemas.microsoft.com/office/powerpoint/2010/main" val="3538997728"/>
+        <p14:creationId xmlns:p14="http://schemas.microsoft.com/office/powerpoint/2010/main" val="3237123940"/>
       </p:ext>
     </p:extLst>
   </p:cSld>
@@ -6541,8 +4996,14 @@
                 </a:solidFill>
                 <a:latin typeface="Arial" panose="020B0604020202020204" pitchFamily="34" charset="0"/>
               </a:rPr>
-              <a:t>Single Lock-In (LabVIEW)</a:t>
-            </a:r>
+              <a:t>Design</a:t>
+            </a:r>
+            <a:endParaRPr lang="en-US" altLang="ko-KR" sz="2800" dirty="0" smtClean="0">
+              <a:solidFill>
+                <a:schemeClr val="bg1"/>
+              </a:solidFill>
+              <a:latin typeface="Arial" panose="020B0604020202020204" pitchFamily="34" charset="0"/>
+            </a:endParaRPr>
           </a:p>
         </p:txBody>
       </p:sp>
@@ -6563,7 +5024,7 @@
           <a:p>
             <a:fld id="{53646E5C-8775-44A9-9523-40B6CCA06789}" type="datetime1">
               <a:rPr lang="ko-KR" altLang="en-US" smtClean="0"/>
-              <a:t>2018-06-14</a:t>
+              <a:t>2018-06-15</a:t>
             </a:fld>
             <a:endParaRPr lang="ko-KR" altLang="en-US"/>
           </a:p>
@@ -6587,622 +5048,6 @@
             <a:fld id="{8765F8EB-1186-4395-8E70-F957669279DD}" type="slidenum">
               <a:rPr lang="ko-KR" altLang="en-US" smtClean="0"/>
               <a:t>5</a:t>
-            </a:fld>
-            <a:endParaRPr lang="ko-KR" altLang="en-US"/>
-          </a:p>
-        </p:txBody>
-      </p:sp>
-      <p:pic>
-        <p:nvPicPr>
-          <p:cNvPr id="7" name="그림 6"/>
-          <p:cNvPicPr>
-            <a:picLocks noChangeAspect="1"/>
-          </p:cNvPicPr>
-          <p:nvPr/>
-        </p:nvPicPr>
-        <p:blipFill rotWithShape="1">
-          <a:blip r:embed="rId3"/>
-          <a:srcRect l="3763" t="13291" r="18336" b="3207"/>
-          <a:stretch/>
-        </p:blipFill>
-        <p:spPr>
-          <a:xfrm>
-            <a:off x="1099127" y="729243"/>
-            <a:ext cx="6945746" cy="5726546"/>
-          </a:xfrm>
-          <a:prstGeom prst="rect">
-            <a:avLst/>
-          </a:prstGeom>
-        </p:spPr>
-      </p:pic>
-    </p:spTree>
-    <p:extLst>
-      <p:ext uri="{BB962C8B-B14F-4D97-AF65-F5344CB8AC3E}">
-        <p14:creationId xmlns:p14="http://schemas.microsoft.com/office/powerpoint/2010/main" val="3596248998"/>
-      </p:ext>
-    </p:extLst>
-  </p:cSld>
-  <p:clrMapOvr>
-    <a:masterClrMapping/>
-  </p:clrMapOvr>
-  <p:timing>
-    <p:tnLst>
-      <p:par>
-        <p:cTn id="1" dur="indefinite" restart="never" nodeType="tmRoot"/>
-      </p:par>
-    </p:tnLst>
-  </p:timing>
-</p:sld>
-</file>
-
-<file path=ppt/slides/slide6.xml><?xml version="1.0" encoding="utf-8"?>
-<p:sld xmlns:a="http://schemas.openxmlformats.org/drawingml/2006/main" xmlns:r="http://schemas.openxmlformats.org/officeDocument/2006/relationships" xmlns:p="http://schemas.openxmlformats.org/presentationml/2006/main">
-  <p:cSld>
-    <p:spTree>
-      <p:nvGrpSpPr>
-        <p:cNvPr id="1" name=""/>
-        <p:cNvGrpSpPr/>
-        <p:nvPr/>
-      </p:nvGrpSpPr>
-      <p:grpSpPr>
-        <a:xfrm>
-          <a:off x="0" y="0"/>
-          <a:ext cx="0" cy="0"/>
-          <a:chOff x="0" y="0"/>
-          <a:chExt cx="0" cy="0"/>
-        </a:xfrm>
-      </p:grpSpPr>
-      <p:sp>
-        <p:nvSpPr>
-          <p:cNvPr id="6199" name="Rectangle 55"/>
-          <p:cNvSpPr>
-            <a:spLocks noChangeArrowheads="1"/>
-          </p:cNvSpPr>
-          <p:nvPr/>
-        </p:nvSpPr>
-        <p:spPr bwMode="auto">
-          <a:xfrm>
-            <a:off x="0" y="0"/>
-            <a:ext cx="9144000" cy="692150"/>
-          </a:xfrm>
-          <a:prstGeom prst="rect">
-            <a:avLst/>
-          </a:prstGeom>
-          <a:solidFill>
-            <a:srgbClr val="3333FF"/>
-          </a:solidFill>
-          <a:ln>
-            <a:noFill/>
-          </a:ln>
-          <a:effectLst/>
-          <a:extLst>
-            <a:ext uri="{91240B29-F687-4F45-9708-019B960494DF}">
-              <a14:hiddenLine xmlns:a14="http://schemas.microsoft.com/office/drawing/2010/main" w="9525">
-                <a:solidFill>
-                  <a:schemeClr val="tx1"/>
-                </a:solidFill>
-                <a:miter lim="800000"/>
-                <a:headEnd/>
-                <a:tailEnd/>
-              </a14:hiddenLine>
-            </a:ext>
-            <a:ext uri="{AF507438-7753-43E0-B8FC-AC1667EBCBE1}">
-              <a14:hiddenEffects xmlns:a14="http://schemas.microsoft.com/office/drawing/2010/main">
-                <a:effectLst>
-                  <a:outerShdw dist="35921" dir="2700000" algn="ctr" rotWithShape="0">
-                    <a:schemeClr val="bg2"/>
-                  </a:outerShdw>
-                </a:effectLst>
-              </a14:hiddenEffects>
-            </a:ext>
-          </a:extLst>
-        </p:spPr>
-        <p:txBody>
-          <a:bodyPr wrap="none" anchor="ctr"/>
-          <a:lstStyle/>
-          <a:p>
-            <a:pPr algn="ctr"/>
-            <a:r>
-              <a:rPr lang="en-US" altLang="ko-KR" sz="2800" dirty="0" smtClean="0">
-                <a:solidFill>
-                  <a:schemeClr val="bg1"/>
-                </a:solidFill>
-                <a:latin typeface="Arial" panose="020B0604020202020204" pitchFamily="34" charset="0"/>
-              </a:rPr>
-              <a:t>Single Lock-In (LabVIEW)</a:t>
-            </a:r>
-          </a:p>
-        </p:txBody>
-      </p:sp>
-      <p:sp>
-        <p:nvSpPr>
-          <p:cNvPr id="2" name="날짜 개체 틀 1"/>
-          <p:cNvSpPr>
-            <a:spLocks noGrp="1"/>
-          </p:cNvSpPr>
-          <p:nvPr>
-            <p:ph type="dt" sz="half" idx="10"/>
-          </p:nvPr>
-        </p:nvSpPr>
-        <p:spPr/>
-        <p:txBody>
-          <a:bodyPr/>
-          <a:lstStyle/>
-          <a:p>
-            <a:fld id="{53646E5C-8775-44A9-9523-40B6CCA06789}" type="datetime1">
-              <a:rPr lang="ko-KR" altLang="en-US" smtClean="0"/>
-              <a:t>2018-06-14</a:t>
-            </a:fld>
-            <a:endParaRPr lang="ko-KR" altLang="en-US"/>
-          </a:p>
-        </p:txBody>
-      </p:sp>
-      <p:sp>
-        <p:nvSpPr>
-          <p:cNvPr id="15" name="슬라이드 번호 개체 틀 14"/>
-          <p:cNvSpPr>
-            <a:spLocks noGrp="1"/>
-          </p:cNvSpPr>
-          <p:nvPr>
-            <p:ph type="sldNum" sz="quarter" idx="12"/>
-          </p:nvPr>
-        </p:nvSpPr>
-        <p:spPr/>
-        <p:txBody>
-          <a:bodyPr/>
-          <a:lstStyle/>
-          <a:p>
-            <a:fld id="{8765F8EB-1186-4395-8E70-F957669279DD}" type="slidenum">
-              <a:rPr lang="ko-KR" altLang="en-US" smtClean="0"/>
-              <a:t>6</a:t>
-            </a:fld>
-            <a:endParaRPr lang="ko-KR" altLang="en-US"/>
-          </a:p>
-        </p:txBody>
-      </p:sp>
-      <p:pic>
-        <p:nvPicPr>
-          <p:cNvPr id="4" name="그림 3"/>
-          <p:cNvPicPr>
-            <a:picLocks noChangeAspect="1"/>
-          </p:cNvPicPr>
-          <p:nvPr/>
-        </p:nvPicPr>
-        <p:blipFill rotWithShape="1">
-          <a:blip r:embed="rId3"/>
-          <a:srcRect l="6405" t="25051" r="77321" b="64309"/>
-          <a:stretch/>
-        </p:blipFill>
-        <p:spPr>
-          <a:xfrm>
-            <a:off x="863866" y="1328472"/>
-            <a:ext cx="1265382" cy="729672"/>
-          </a:xfrm>
-          <a:prstGeom prst="rect">
-            <a:avLst/>
-          </a:prstGeom>
-        </p:spPr>
-      </p:pic>
-      <p:pic>
-        <p:nvPicPr>
-          <p:cNvPr id="5" name="그림 4"/>
-          <p:cNvPicPr>
-            <a:picLocks noChangeAspect="1"/>
-          </p:cNvPicPr>
-          <p:nvPr/>
-        </p:nvPicPr>
-        <p:blipFill rotWithShape="1">
-          <a:blip r:embed="rId4"/>
-          <a:srcRect l="5930" t="49293" r="61997" b="11919"/>
-          <a:stretch/>
-        </p:blipFill>
-        <p:spPr>
-          <a:xfrm>
-            <a:off x="882339" y="3178061"/>
-            <a:ext cx="2493818" cy="2660074"/>
-          </a:xfrm>
-          <a:prstGeom prst="rect">
-            <a:avLst/>
-          </a:prstGeom>
-        </p:spPr>
-      </p:pic>
-      <p:pic>
-        <p:nvPicPr>
-          <p:cNvPr id="6" name="그림 5"/>
-          <p:cNvPicPr>
-            <a:picLocks noChangeAspect="1"/>
-          </p:cNvPicPr>
-          <p:nvPr/>
-        </p:nvPicPr>
-        <p:blipFill rotWithShape="1">
-          <a:blip r:embed="rId5"/>
-          <a:srcRect l="39072" t="49024" r="40378" b="11381"/>
-          <a:stretch/>
-        </p:blipFill>
-        <p:spPr>
-          <a:xfrm>
-            <a:off x="4128655" y="1375496"/>
-            <a:ext cx="1597891" cy="2715491"/>
-          </a:xfrm>
-          <a:prstGeom prst="rect">
-            <a:avLst/>
-          </a:prstGeom>
-        </p:spPr>
-      </p:pic>
-      <p:pic>
-        <p:nvPicPr>
-          <p:cNvPr id="8" name="그림 7"/>
-          <p:cNvPicPr>
-            <a:picLocks noChangeAspect="1"/>
-          </p:cNvPicPr>
-          <p:nvPr/>
-        </p:nvPicPr>
-        <p:blipFill rotWithShape="1">
-          <a:blip r:embed="rId6"/>
-          <a:srcRect l="47981" t="53909" r="41699" b="26091"/>
-          <a:stretch/>
-        </p:blipFill>
-        <p:spPr>
-          <a:xfrm>
-            <a:off x="5657307" y="1722702"/>
-            <a:ext cx="802433" cy="1371601"/>
-          </a:xfrm>
-          <a:prstGeom prst="rect">
-            <a:avLst/>
-          </a:prstGeom>
-        </p:spPr>
-      </p:pic>
-      <p:pic>
-        <p:nvPicPr>
-          <p:cNvPr id="9" name="그림 8"/>
-          <p:cNvPicPr>
-            <a:picLocks noChangeAspect="1"/>
-          </p:cNvPicPr>
-          <p:nvPr/>
-        </p:nvPicPr>
-        <p:blipFill rotWithShape="1">
-          <a:blip r:embed="rId7"/>
-          <a:srcRect l="43704" t="49158" r="14364" b="25111"/>
-          <a:stretch/>
-        </p:blipFill>
-        <p:spPr>
-          <a:xfrm>
-            <a:off x="4110181" y="4774334"/>
-            <a:ext cx="3260437" cy="1764579"/>
-          </a:xfrm>
-          <a:prstGeom prst="rect">
-            <a:avLst/>
-          </a:prstGeom>
-        </p:spPr>
-      </p:pic>
-      <p:sp>
-        <p:nvSpPr>
-          <p:cNvPr id="14" name="TextBox 13"/>
-          <p:cNvSpPr txBox="1"/>
-          <p:nvPr/>
-        </p:nvSpPr>
-        <p:spPr>
-          <a:xfrm>
-            <a:off x="720969" y="810256"/>
-            <a:ext cx="2853504" cy="400110"/>
-          </a:xfrm>
-          <a:prstGeom prst="rect">
-            <a:avLst/>
-          </a:prstGeom>
-          <a:noFill/>
-        </p:spPr>
-        <p:txBody>
-          <a:bodyPr wrap="square" rtlCol="0">
-            <a:spAutoFit/>
-          </a:bodyPr>
-          <a:lstStyle/>
-          <a:p>
-            <a:r>
-              <a:rPr lang="en-US" altLang="ko-KR" sz="2000" dirty="0" smtClean="0">
-                <a:solidFill>
-                  <a:srgbClr val="3333FF"/>
-                </a:solidFill>
-              </a:rPr>
-              <a:t>Display Settings</a:t>
-            </a:r>
-          </a:p>
-        </p:txBody>
-      </p:sp>
-      <p:sp>
-        <p:nvSpPr>
-          <p:cNvPr id="16" name="TextBox 15"/>
-          <p:cNvSpPr txBox="1"/>
-          <p:nvPr/>
-        </p:nvSpPr>
-        <p:spPr>
-          <a:xfrm>
-            <a:off x="720969" y="2724625"/>
-            <a:ext cx="2853504" cy="400110"/>
-          </a:xfrm>
-          <a:prstGeom prst="rect">
-            <a:avLst/>
-          </a:prstGeom>
-          <a:noFill/>
-        </p:spPr>
-        <p:txBody>
-          <a:bodyPr wrap="square" rtlCol="0">
-            <a:spAutoFit/>
-          </a:bodyPr>
-          <a:lstStyle/>
-          <a:p>
-            <a:r>
-              <a:rPr lang="en-US" altLang="ko-KR" sz="2000" dirty="0" smtClean="0">
-                <a:solidFill>
-                  <a:srgbClr val="3333FF"/>
-                </a:solidFill>
-              </a:rPr>
-              <a:t>PLL Settings</a:t>
-            </a:r>
-          </a:p>
-        </p:txBody>
-      </p:sp>
-      <p:sp>
-        <p:nvSpPr>
-          <p:cNvPr id="17" name="TextBox 16"/>
-          <p:cNvSpPr txBox="1"/>
-          <p:nvPr/>
-        </p:nvSpPr>
-        <p:spPr>
-          <a:xfrm>
-            <a:off x="4018351" y="810256"/>
-            <a:ext cx="2853504" cy="400110"/>
-          </a:xfrm>
-          <a:prstGeom prst="rect">
-            <a:avLst/>
-          </a:prstGeom>
-          <a:noFill/>
-        </p:spPr>
-        <p:txBody>
-          <a:bodyPr wrap="square" rtlCol="0">
-            <a:spAutoFit/>
-          </a:bodyPr>
-          <a:lstStyle/>
-          <a:p>
-            <a:r>
-              <a:rPr lang="en-US" altLang="ko-KR" sz="2000" dirty="0" smtClean="0">
-                <a:solidFill>
-                  <a:srgbClr val="3333FF"/>
-                </a:solidFill>
-              </a:rPr>
-              <a:t>Demodulator Settings</a:t>
-            </a:r>
-          </a:p>
-        </p:txBody>
-      </p:sp>
-      <p:sp>
-        <p:nvSpPr>
-          <p:cNvPr id="18" name="TextBox 17"/>
-          <p:cNvSpPr txBox="1"/>
-          <p:nvPr/>
-        </p:nvSpPr>
-        <p:spPr>
-          <a:xfrm>
-            <a:off x="4018351" y="4190486"/>
-            <a:ext cx="2853504" cy="400110"/>
-          </a:xfrm>
-          <a:prstGeom prst="rect">
-            <a:avLst/>
-          </a:prstGeom>
-          <a:noFill/>
-        </p:spPr>
-        <p:txBody>
-          <a:bodyPr wrap="square" rtlCol="0">
-            <a:spAutoFit/>
-          </a:bodyPr>
-          <a:lstStyle/>
-          <a:p>
-            <a:r>
-              <a:rPr lang="en-US" altLang="ko-KR" sz="2000" dirty="0" smtClean="0">
-                <a:solidFill>
-                  <a:srgbClr val="3333FF"/>
-                </a:solidFill>
-              </a:rPr>
-              <a:t>Input Settings</a:t>
-            </a:r>
-          </a:p>
-        </p:txBody>
-      </p:sp>
-      <p:pic>
-        <p:nvPicPr>
-          <p:cNvPr id="10" name="그림 9"/>
-          <p:cNvPicPr>
-            <a:picLocks noChangeAspect="1"/>
-          </p:cNvPicPr>
-          <p:nvPr/>
-        </p:nvPicPr>
-        <p:blipFill rotWithShape="1">
-          <a:blip r:embed="rId8"/>
-          <a:srcRect l="10088" t="28148" r="73994" b="38048"/>
-          <a:stretch/>
-        </p:blipFill>
-        <p:spPr>
-          <a:xfrm>
-            <a:off x="7165755" y="1330269"/>
-            <a:ext cx="1237673" cy="2318327"/>
-          </a:xfrm>
-          <a:prstGeom prst="rect">
-            <a:avLst/>
-          </a:prstGeom>
-        </p:spPr>
-      </p:pic>
-      <p:sp>
-        <p:nvSpPr>
-          <p:cNvPr id="19" name="TextBox 18"/>
-          <p:cNvSpPr txBox="1"/>
-          <p:nvPr/>
-        </p:nvSpPr>
-        <p:spPr>
-          <a:xfrm>
-            <a:off x="7107116" y="810256"/>
-            <a:ext cx="972302" cy="400110"/>
-          </a:xfrm>
-          <a:prstGeom prst="rect">
-            <a:avLst/>
-          </a:prstGeom>
-          <a:noFill/>
-        </p:spPr>
-        <p:txBody>
-          <a:bodyPr wrap="square" rtlCol="0">
-            <a:spAutoFit/>
-          </a:bodyPr>
-          <a:lstStyle/>
-          <a:p>
-            <a:r>
-              <a:rPr lang="en-US" altLang="ko-KR" sz="2000" dirty="0" smtClean="0">
-                <a:solidFill>
-                  <a:srgbClr val="3333FF"/>
-                </a:solidFill>
-              </a:rPr>
-              <a:t>Output</a:t>
-            </a:r>
-          </a:p>
-        </p:txBody>
-      </p:sp>
-    </p:spTree>
-    <p:extLst>
-      <p:ext uri="{BB962C8B-B14F-4D97-AF65-F5344CB8AC3E}">
-        <p14:creationId xmlns:p14="http://schemas.microsoft.com/office/powerpoint/2010/main" val="536386331"/>
-      </p:ext>
-    </p:extLst>
-  </p:cSld>
-  <p:clrMapOvr>
-    <a:masterClrMapping/>
-  </p:clrMapOvr>
-  <p:timing>
-    <p:tnLst>
-      <p:par>
-        <p:cTn id="1" dur="indefinite" restart="never" nodeType="tmRoot"/>
-      </p:par>
-    </p:tnLst>
-  </p:timing>
-</p:sld>
-</file>
-
-<file path=ppt/slides/slide7.xml><?xml version="1.0" encoding="utf-8"?>
-<p:sld xmlns:a="http://schemas.openxmlformats.org/drawingml/2006/main" xmlns:r="http://schemas.openxmlformats.org/officeDocument/2006/relationships" xmlns:p="http://schemas.openxmlformats.org/presentationml/2006/main">
-  <p:cSld>
-    <p:spTree>
-      <p:nvGrpSpPr>
-        <p:cNvPr id="1" name=""/>
-        <p:cNvGrpSpPr/>
-        <p:nvPr/>
-      </p:nvGrpSpPr>
-      <p:grpSpPr>
-        <a:xfrm>
-          <a:off x="0" y="0"/>
-          <a:ext cx="0" cy="0"/>
-          <a:chOff x="0" y="0"/>
-          <a:chExt cx="0" cy="0"/>
-        </a:xfrm>
-      </p:grpSpPr>
-      <p:sp>
-        <p:nvSpPr>
-          <p:cNvPr id="6199" name="Rectangle 55"/>
-          <p:cNvSpPr>
-            <a:spLocks noChangeArrowheads="1"/>
-          </p:cNvSpPr>
-          <p:nvPr/>
-        </p:nvSpPr>
-        <p:spPr bwMode="auto">
-          <a:xfrm>
-            <a:off x="0" y="0"/>
-            <a:ext cx="9144000" cy="692150"/>
-          </a:xfrm>
-          <a:prstGeom prst="rect">
-            <a:avLst/>
-          </a:prstGeom>
-          <a:solidFill>
-            <a:srgbClr val="3333FF"/>
-          </a:solidFill>
-          <a:ln>
-            <a:noFill/>
-          </a:ln>
-          <a:effectLst/>
-          <a:extLst>
-            <a:ext uri="{91240B29-F687-4F45-9708-019B960494DF}">
-              <a14:hiddenLine xmlns:a14="http://schemas.microsoft.com/office/drawing/2010/main" w="9525">
-                <a:solidFill>
-                  <a:schemeClr val="tx1"/>
-                </a:solidFill>
-                <a:miter lim="800000"/>
-                <a:headEnd/>
-                <a:tailEnd/>
-              </a14:hiddenLine>
-            </a:ext>
-            <a:ext uri="{AF507438-7753-43E0-B8FC-AC1667EBCBE1}">
-              <a14:hiddenEffects xmlns:a14="http://schemas.microsoft.com/office/drawing/2010/main">
-                <a:effectLst>
-                  <a:outerShdw dist="35921" dir="2700000" algn="ctr" rotWithShape="0">
-                    <a:schemeClr val="bg2"/>
-                  </a:outerShdw>
-                </a:effectLst>
-              </a14:hiddenEffects>
-            </a:ext>
-          </a:extLst>
-        </p:spPr>
-        <p:txBody>
-          <a:bodyPr wrap="none" anchor="ctr"/>
-          <a:lstStyle/>
-          <a:p>
-            <a:pPr algn="ctr"/>
-            <a:r>
-              <a:rPr lang="en-US" altLang="ko-KR" sz="2800" dirty="0" smtClean="0">
-                <a:solidFill>
-                  <a:schemeClr val="bg1"/>
-                </a:solidFill>
-                <a:latin typeface="Arial" panose="020B0604020202020204" pitchFamily="34" charset="0"/>
-              </a:rPr>
-              <a:t>Dual Lock-In Design</a:t>
-            </a:r>
-          </a:p>
-        </p:txBody>
-      </p:sp>
-      <p:sp>
-        <p:nvSpPr>
-          <p:cNvPr id="2" name="날짜 개체 틀 1"/>
-          <p:cNvSpPr>
-            <a:spLocks noGrp="1"/>
-          </p:cNvSpPr>
-          <p:nvPr>
-            <p:ph type="dt" sz="half" idx="10"/>
-          </p:nvPr>
-        </p:nvSpPr>
-        <p:spPr/>
-        <p:txBody>
-          <a:bodyPr/>
-          <a:lstStyle/>
-          <a:p>
-            <a:fld id="{53646E5C-8775-44A9-9523-40B6CCA06789}" type="datetime1">
-              <a:rPr lang="ko-KR" altLang="en-US" smtClean="0"/>
-              <a:t>2018-06-14</a:t>
-            </a:fld>
-            <a:endParaRPr lang="ko-KR" altLang="en-US"/>
-          </a:p>
-        </p:txBody>
-      </p:sp>
-      <p:sp>
-        <p:nvSpPr>
-          <p:cNvPr id="15" name="슬라이드 번호 개체 틀 14"/>
-          <p:cNvSpPr>
-            <a:spLocks noGrp="1"/>
-          </p:cNvSpPr>
-          <p:nvPr>
-            <p:ph type="sldNum" sz="quarter" idx="12"/>
-          </p:nvPr>
-        </p:nvSpPr>
-        <p:spPr/>
-        <p:txBody>
-          <a:bodyPr/>
-          <a:lstStyle/>
-          <a:p>
-            <a:fld id="{8765F8EB-1186-4395-8E70-F957669279DD}" type="slidenum">
-              <a:rPr lang="ko-KR" altLang="en-US" smtClean="0"/>
-              <a:t>7</a:t>
             </a:fld>
             <a:endParaRPr lang="ko-KR" altLang="en-US"/>
           </a:p>
@@ -7440,7 +5285,7 @@
 </p:sld>
 </file>
 
-<file path=ppt/slides/slide8.xml><?xml version="1.0" encoding="utf-8"?>
+<file path=ppt/slides/slide6.xml><?xml version="1.0" encoding="utf-8"?>
 <p:sld xmlns:a="http://schemas.openxmlformats.org/drawingml/2006/main" xmlns:r="http://schemas.openxmlformats.org/officeDocument/2006/relationships" xmlns:p="http://schemas.openxmlformats.org/presentationml/2006/main">
   <p:cSld>
     <p:spTree>
@@ -7508,505 +5353,6 @@
           <a:p>
             <a:pPr algn="ctr"/>
             <a:r>
-              <a:rPr lang="en-US" altLang="ko-KR" sz="2800" dirty="0" err="1" smtClean="0">
-                <a:solidFill>
-                  <a:schemeClr val="bg1"/>
-                </a:solidFill>
-                <a:latin typeface="Arial" panose="020B0604020202020204" pitchFamily="34" charset="0"/>
-              </a:rPr>
-              <a:t>SKhynix</a:t>
-            </a:r>
-            <a:endParaRPr lang="en-US" altLang="ko-KR" sz="2800" dirty="0" smtClean="0">
-              <a:solidFill>
-                <a:schemeClr val="bg1"/>
-              </a:solidFill>
-              <a:latin typeface="Arial" panose="020B0604020202020204" pitchFamily="34" charset="0"/>
-            </a:endParaRPr>
-          </a:p>
-        </p:txBody>
-      </p:sp>
-      <p:sp>
-        <p:nvSpPr>
-          <p:cNvPr id="2" name="날짜 개체 틀 1"/>
-          <p:cNvSpPr>
-            <a:spLocks noGrp="1"/>
-          </p:cNvSpPr>
-          <p:nvPr>
-            <p:ph type="dt" sz="half" idx="10"/>
-          </p:nvPr>
-        </p:nvSpPr>
-        <p:spPr/>
-        <p:txBody>
-          <a:bodyPr/>
-          <a:lstStyle/>
-          <a:p>
-            <a:fld id="{53646E5C-8775-44A9-9523-40B6CCA06789}" type="datetime1">
-              <a:rPr lang="ko-KR" altLang="en-US" smtClean="0"/>
-              <a:t>2018-06-14</a:t>
-            </a:fld>
-            <a:endParaRPr lang="ko-KR" altLang="en-US"/>
-          </a:p>
-        </p:txBody>
-      </p:sp>
-      <p:sp>
-        <p:nvSpPr>
-          <p:cNvPr id="15" name="슬라이드 번호 개체 틀 14"/>
-          <p:cNvSpPr>
-            <a:spLocks noGrp="1"/>
-          </p:cNvSpPr>
-          <p:nvPr>
-            <p:ph type="sldNum" sz="quarter" idx="12"/>
-          </p:nvPr>
-        </p:nvSpPr>
-        <p:spPr/>
-        <p:txBody>
-          <a:bodyPr/>
-          <a:lstStyle/>
-          <a:p>
-            <a:fld id="{8765F8EB-1186-4395-8E70-F957669279DD}" type="slidenum">
-              <a:rPr lang="ko-KR" altLang="en-US" smtClean="0"/>
-              <a:t>8</a:t>
-            </a:fld>
-            <a:endParaRPr lang="ko-KR" altLang="en-US"/>
-          </a:p>
-        </p:txBody>
-      </p:sp>
-      <p:sp>
-        <p:nvSpPr>
-          <p:cNvPr id="8" name="직사각형 7"/>
-          <p:cNvSpPr/>
-          <p:nvPr/>
-        </p:nvSpPr>
-        <p:spPr>
-          <a:xfrm>
-            <a:off x="720968" y="6172900"/>
-            <a:ext cx="7990769" cy="369332"/>
-          </a:xfrm>
-          <a:prstGeom prst="rect">
-            <a:avLst/>
-          </a:prstGeom>
-        </p:spPr>
-        <p:txBody>
-          <a:bodyPr wrap="square">
-            <a:spAutoFit/>
-          </a:bodyPr>
-          <a:lstStyle/>
-          <a:p>
-            <a:r>
-              <a:rPr lang="en-US" altLang="ko-KR" sz="900" i="1" dirty="0">
-                <a:latin typeface="Times New Roman" panose="02020603050405020304" pitchFamily="18" charset="0"/>
-                <a:cs typeface="Times New Roman" panose="02020603050405020304" pitchFamily="18" charset="0"/>
-              </a:rPr>
-              <a:t>Vishal </a:t>
-            </a:r>
-            <a:r>
-              <a:rPr lang="en-US" altLang="ko-KR" sz="900" i="1" dirty="0" err="1">
-                <a:latin typeface="Times New Roman" panose="02020603050405020304" pitchFamily="18" charset="0"/>
-                <a:cs typeface="Times New Roman" panose="02020603050405020304" pitchFamily="18" charset="0"/>
-              </a:rPr>
-              <a:t>Vashistha</a:t>
-            </a:r>
-            <a:r>
-              <a:rPr lang="en-US" altLang="ko-KR" sz="900" i="1" dirty="0">
-                <a:latin typeface="Times New Roman" panose="02020603050405020304" pitchFamily="18" charset="0"/>
-                <a:cs typeface="Times New Roman" panose="02020603050405020304" pitchFamily="18" charset="0"/>
-              </a:rPr>
-              <a:t>, </a:t>
-            </a:r>
-            <a:r>
-              <a:rPr lang="en-US" altLang="ko-KR" sz="900" i="1" dirty="0" err="1">
-                <a:latin typeface="Times New Roman" panose="02020603050405020304" pitchFamily="18" charset="0"/>
-                <a:cs typeface="Times New Roman" panose="02020603050405020304" pitchFamily="18" charset="0"/>
-              </a:rPr>
-              <a:t>Gayatri</a:t>
-            </a:r>
-            <a:r>
-              <a:rPr lang="en-US" altLang="ko-KR" sz="900" i="1" dirty="0">
-                <a:latin typeface="Times New Roman" panose="02020603050405020304" pitchFamily="18" charset="0"/>
-                <a:cs typeface="Times New Roman" panose="02020603050405020304" pitchFamily="18" charset="0"/>
-              </a:rPr>
-              <a:t> Vaidya, Ravi S. </a:t>
-            </a:r>
-            <a:r>
-              <a:rPr lang="en-US" altLang="ko-KR" sz="900" i="1" dirty="0" err="1">
-                <a:latin typeface="Times New Roman" panose="02020603050405020304" pitchFamily="18" charset="0"/>
-                <a:cs typeface="Times New Roman" panose="02020603050405020304" pitchFamily="18" charset="0"/>
-              </a:rPr>
-              <a:t>Hegde</a:t>
-            </a:r>
-            <a:r>
-              <a:rPr lang="en-US" altLang="ko-KR" sz="900" i="1" dirty="0">
-                <a:latin typeface="Times New Roman" panose="02020603050405020304" pitchFamily="18" charset="0"/>
-                <a:cs typeface="Times New Roman" panose="02020603050405020304" pitchFamily="18" charset="0"/>
-              </a:rPr>
-              <a:t>, </a:t>
-            </a:r>
-            <a:r>
-              <a:rPr lang="en-US" altLang="ko-KR" sz="900" i="1" dirty="0" err="1">
-                <a:latin typeface="Times New Roman" panose="02020603050405020304" pitchFamily="18" charset="0"/>
-                <a:cs typeface="Times New Roman" panose="02020603050405020304" pitchFamily="18" charset="0"/>
-              </a:rPr>
-              <a:t>Andriy</a:t>
-            </a:r>
-            <a:r>
-              <a:rPr lang="en-US" altLang="ko-KR" sz="900" i="1" dirty="0">
-                <a:latin typeface="Times New Roman" panose="02020603050405020304" pitchFamily="18" charset="0"/>
-                <a:cs typeface="Times New Roman" panose="02020603050405020304" pitchFamily="18" charset="0"/>
-              </a:rPr>
-              <a:t> E </a:t>
-            </a:r>
-            <a:r>
-              <a:rPr lang="en-US" altLang="ko-KR" sz="900" i="1" dirty="0" err="1">
-                <a:latin typeface="Times New Roman" panose="02020603050405020304" pitchFamily="18" charset="0"/>
-                <a:cs typeface="Times New Roman" panose="02020603050405020304" pitchFamily="18" charset="0"/>
-              </a:rPr>
-              <a:t>Serebryannikov</a:t>
-            </a:r>
-            <a:r>
-              <a:rPr lang="en-US" altLang="ko-KR" sz="900" i="1" dirty="0">
-                <a:latin typeface="Times New Roman" panose="02020603050405020304" pitchFamily="18" charset="0"/>
-                <a:cs typeface="Times New Roman" panose="02020603050405020304" pitchFamily="18" charset="0"/>
-              </a:rPr>
-              <a:t>, Nicolas </a:t>
-            </a:r>
-            <a:r>
-              <a:rPr lang="en-US" altLang="ko-KR" sz="900" i="1" dirty="0" err="1">
-                <a:latin typeface="Times New Roman" panose="02020603050405020304" pitchFamily="18" charset="0"/>
-                <a:cs typeface="Times New Roman" panose="02020603050405020304" pitchFamily="18" charset="0"/>
-              </a:rPr>
-              <a:t>Bonod</a:t>
-            </a:r>
-            <a:r>
-              <a:rPr lang="en-US" altLang="ko-KR" sz="900" i="1" dirty="0">
-                <a:latin typeface="Times New Roman" panose="02020603050405020304" pitchFamily="18" charset="0"/>
-                <a:cs typeface="Times New Roman" panose="02020603050405020304" pitchFamily="18" charset="0"/>
-              </a:rPr>
-              <a:t>, and </a:t>
-            </a:r>
-            <a:r>
-              <a:rPr lang="en-US" altLang="ko-KR" sz="900" i="1" dirty="0" err="1">
-                <a:latin typeface="Times New Roman" panose="02020603050405020304" pitchFamily="18" charset="0"/>
-                <a:cs typeface="Times New Roman" panose="02020603050405020304" pitchFamily="18" charset="0"/>
-              </a:rPr>
-              <a:t>Maciej</a:t>
-            </a:r>
-            <a:r>
-              <a:rPr lang="en-US" altLang="ko-KR" sz="900" i="1" dirty="0">
-                <a:latin typeface="Times New Roman" panose="02020603050405020304" pitchFamily="18" charset="0"/>
-                <a:cs typeface="Times New Roman" panose="02020603050405020304" pitchFamily="18" charset="0"/>
-              </a:rPr>
-              <a:t> </a:t>
-            </a:r>
-            <a:r>
-              <a:rPr lang="en-US" altLang="ko-KR" sz="900" i="1" dirty="0" err="1">
-                <a:latin typeface="Times New Roman" panose="02020603050405020304" pitchFamily="18" charset="0"/>
-                <a:cs typeface="Times New Roman" panose="02020603050405020304" pitchFamily="18" charset="0"/>
-              </a:rPr>
-              <a:t>Krawczyk</a:t>
-            </a:r>
-            <a:r>
-              <a:rPr lang="en-US" altLang="ko-KR" sz="900" i="1" dirty="0">
-                <a:latin typeface="Times New Roman" panose="02020603050405020304" pitchFamily="18" charset="0"/>
-                <a:cs typeface="Times New Roman" panose="02020603050405020304" pitchFamily="18" charset="0"/>
-              </a:rPr>
-              <a:t> </a:t>
-            </a:r>
-            <a:r>
-              <a:rPr lang="en-US" altLang="ko-KR" sz="900" i="1" dirty="0" smtClean="0">
-                <a:latin typeface="Times New Roman" panose="02020603050405020304" pitchFamily="18" charset="0"/>
-                <a:cs typeface="Times New Roman" panose="02020603050405020304" pitchFamily="18" charset="0"/>
-              </a:rPr>
-              <a:t>. All-Dielectric </a:t>
-            </a:r>
-            <a:r>
-              <a:rPr lang="en-US" altLang="ko-KR" sz="900" i="1" dirty="0" err="1">
-                <a:latin typeface="Times New Roman" panose="02020603050405020304" pitchFamily="18" charset="0"/>
-                <a:cs typeface="Times New Roman" panose="02020603050405020304" pitchFamily="18" charset="0"/>
-              </a:rPr>
-              <a:t>Metasurfaces</a:t>
-            </a:r>
-            <a:r>
-              <a:rPr lang="en-US" altLang="ko-KR" sz="900" i="1" dirty="0">
-                <a:latin typeface="Times New Roman" panose="02020603050405020304" pitchFamily="18" charset="0"/>
-                <a:cs typeface="Times New Roman" panose="02020603050405020304" pitchFamily="18" charset="0"/>
-              </a:rPr>
-              <a:t> Based on Cross-Shaped Resonators for Color Pixels with Extended </a:t>
-            </a:r>
-            <a:r>
-              <a:rPr lang="en-US" altLang="ko-KR" sz="900" i="1" dirty="0" smtClean="0">
-                <a:latin typeface="Times New Roman" panose="02020603050405020304" pitchFamily="18" charset="0"/>
-                <a:cs typeface="Times New Roman" panose="02020603050405020304" pitchFamily="18" charset="0"/>
-              </a:rPr>
-              <a:t>Gamut ACS </a:t>
-            </a:r>
-            <a:r>
-              <a:rPr lang="en-US" altLang="ko-KR" sz="900" i="1" dirty="0">
-                <a:latin typeface="Times New Roman" panose="02020603050405020304" pitchFamily="18" charset="0"/>
-                <a:cs typeface="Times New Roman" panose="02020603050405020304" pitchFamily="18" charset="0"/>
-              </a:rPr>
-              <a:t>Photonics 2017 4 (5), </a:t>
-            </a:r>
-            <a:r>
-              <a:rPr lang="en-US" altLang="ko-KR" sz="900" i="1" dirty="0" smtClean="0">
-                <a:latin typeface="Times New Roman" panose="02020603050405020304" pitchFamily="18" charset="0"/>
-                <a:cs typeface="Times New Roman" panose="02020603050405020304" pitchFamily="18" charset="0"/>
-              </a:rPr>
-              <a:t>1076-1082. DOI</a:t>
-            </a:r>
-            <a:r>
-              <a:rPr lang="en-US" altLang="ko-KR" sz="900" i="1" dirty="0">
-                <a:latin typeface="Times New Roman" panose="02020603050405020304" pitchFamily="18" charset="0"/>
-                <a:cs typeface="Times New Roman" panose="02020603050405020304" pitchFamily="18" charset="0"/>
-              </a:rPr>
-              <a:t>: 10.1021/acsphotonics.6b00853</a:t>
-            </a:r>
-            <a:endParaRPr lang="ko-KR" altLang="en-US" sz="900" i="1" dirty="0">
-              <a:latin typeface="Times New Roman" panose="02020603050405020304" pitchFamily="18" charset="0"/>
-              <a:cs typeface="Times New Roman" panose="02020603050405020304" pitchFamily="18" charset="0"/>
-            </a:endParaRPr>
-          </a:p>
-        </p:txBody>
-      </p:sp>
-      <p:sp>
-        <p:nvSpPr>
-          <p:cNvPr id="9" name="TextBox 8"/>
-          <p:cNvSpPr txBox="1"/>
-          <p:nvPr/>
-        </p:nvSpPr>
-        <p:spPr>
-          <a:xfrm>
-            <a:off x="720969" y="855128"/>
-            <a:ext cx="2853504" cy="400110"/>
-          </a:xfrm>
-          <a:prstGeom prst="rect">
-            <a:avLst/>
-          </a:prstGeom>
-          <a:noFill/>
-        </p:spPr>
-        <p:txBody>
-          <a:bodyPr wrap="square" rtlCol="0">
-            <a:spAutoFit/>
-          </a:bodyPr>
-          <a:lstStyle/>
-          <a:p>
-            <a:r>
-              <a:rPr lang="en-US" altLang="ko-KR" sz="2000" dirty="0" smtClean="0">
-                <a:solidFill>
-                  <a:srgbClr val="3333FF"/>
-                </a:solidFill>
-              </a:rPr>
-              <a:t>Paper</a:t>
-            </a:r>
-          </a:p>
-        </p:txBody>
-      </p:sp>
-      <p:sp>
-        <p:nvSpPr>
-          <p:cNvPr id="11" name="TextBox 10"/>
-          <p:cNvSpPr txBox="1"/>
-          <p:nvPr/>
-        </p:nvSpPr>
-        <p:spPr>
-          <a:xfrm>
-            <a:off x="3574473" y="4408334"/>
-            <a:ext cx="4835971" cy="923330"/>
-          </a:xfrm>
-          <a:prstGeom prst="rect">
-            <a:avLst/>
-          </a:prstGeom>
-          <a:noFill/>
-        </p:spPr>
-        <p:txBody>
-          <a:bodyPr wrap="square" rtlCol="0">
-            <a:spAutoFit/>
-          </a:bodyPr>
-          <a:lstStyle/>
-          <a:p>
-            <a:pPr marL="400050" indent="-400050">
-              <a:buAutoNum type="romanLcParenBoth"/>
-            </a:pPr>
-            <a:r>
-              <a:rPr lang="en-US" altLang="ko-KR" dirty="0" smtClean="0"/>
-              <a:t>L </a:t>
-            </a:r>
-            <a:r>
-              <a:rPr lang="en-US" altLang="ko-KR" dirty="0"/>
-              <a:t>= 85 nm and W = 46 nm for blue </a:t>
-            </a:r>
-            <a:r>
-              <a:rPr lang="en-US" altLang="ko-KR" dirty="0" smtClean="0"/>
-              <a:t>color</a:t>
-            </a:r>
-          </a:p>
-          <a:p>
-            <a:pPr marL="400050" indent="-400050">
-              <a:buAutoNum type="romanLcParenBoth"/>
-            </a:pPr>
-            <a:r>
-              <a:rPr lang="en-US" altLang="ko-KR" dirty="0" smtClean="0"/>
-              <a:t>L </a:t>
-            </a:r>
-            <a:r>
-              <a:rPr lang="en-US" altLang="ko-KR" dirty="0"/>
-              <a:t>= 114 nm and W = 62 nm for green </a:t>
-            </a:r>
-            <a:r>
-              <a:rPr lang="en-US" altLang="ko-KR" dirty="0" smtClean="0"/>
-              <a:t>color</a:t>
-            </a:r>
-          </a:p>
-          <a:p>
-            <a:pPr marL="400050" indent="-400050">
-              <a:buAutoNum type="romanLcParenBoth"/>
-            </a:pPr>
-            <a:r>
-              <a:rPr lang="en-US" altLang="ko-KR" dirty="0" smtClean="0"/>
-              <a:t>L </a:t>
-            </a:r>
-            <a:r>
-              <a:rPr lang="en-US" altLang="ko-KR" dirty="0"/>
-              <a:t>= 215 nm and W = 116 nm for red color.</a:t>
-            </a:r>
-            <a:endParaRPr lang="en-US" altLang="ko-KR" dirty="0" smtClean="0"/>
-          </a:p>
-        </p:txBody>
-      </p:sp>
-      <p:pic>
-        <p:nvPicPr>
-          <p:cNvPr id="3" name="그림 2"/>
-          <p:cNvPicPr>
-            <a:picLocks noChangeAspect="1"/>
-          </p:cNvPicPr>
-          <p:nvPr/>
-        </p:nvPicPr>
-        <p:blipFill>
-          <a:blip r:embed="rId3"/>
-          <a:stretch>
-            <a:fillRect/>
-          </a:stretch>
-        </p:blipFill>
-        <p:spPr>
-          <a:xfrm>
-            <a:off x="1574227" y="1219373"/>
-            <a:ext cx="6284249" cy="3009717"/>
-          </a:xfrm>
-          <a:prstGeom prst="rect">
-            <a:avLst/>
-          </a:prstGeom>
-        </p:spPr>
-      </p:pic>
-      <p:pic>
-        <p:nvPicPr>
-          <p:cNvPr id="6" name="그림 5"/>
-          <p:cNvPicPr>
-            <a:picLocks noChangeAspect="1"/>
-          </p:cNvPicPr>
-          <p:nvPr/>
-        </p:nvPicPr>
-        <p:blipFill>
-          <a:blip r:embed="rId4"/>
-          <a:stretch>
-            <a:fillRect/>
-          </a:stretch>
-        </p:blipFill>
-        <p:spPr>
-          <a:xfrm>
-            <a:off x="720968" y="4408334"/>
-            <a:ext cx="2252582" cy="1538619"/>
-          </a:xfrm>
-          <a:prstGeom prst="rect">
-            <a:avLst/>
-          </a:prstGeom>
-        </p:spPr>
-      </p:pic>
-    </p:spTree>
-    <p:extLst>
-      <p:ext uri="{BB962C8B-B14F-4D97-AF65-F5344CB8AC3E}">
-        <p14:creationId xmlns:p14="http://schemas.microsoft.com/office/powerpoint/2010/main" val="986351571"/>
-      </p:ext>
-    </p:extLst>
-  </p:cSld>
-  <p:clrMapOvr>
-    <a:masterClrMapping/>
-  </p:clrMapOvr>
-  <p:timing>
-    <p:tnLst>
-      <p:par>
-        <p:cTn id="1" dur="indefinite" restart="never" nodeType="tmRoot"/>
-      </p:par>
-    </p:tnLst>
-  </p:timing>
-</p:sld>
-</file>
-
-<file path=ppt/slides/slide9.xml><?xml version="1.0" encoding="utf-8"?>
-<p:sld xmlns:a="http://schemas.openxmlformats.org/drawingml/2006/main" xmlns:r="http://schemas.openxmlformats.org/officeDocument/2006/relationships" xmlns:p="http://schemas.openxmlformats.org/presentationml/2006/main">
-  <p:cSld>
-    <p:spTree>
-      <p:nvGrpSpPr>
-        <p:cNvPr id="1" name=""/>
-        <p:cNvGrpSpPr/>
-        <p:nvPr/>
-      </p:nvGrpSpPr>
-      <p:grpSpPr>
-        <a:xfrm>
-          <a:off x="0" y="0"/>
-          <a:ext cx="0" cy="0"/>
-          <a:chOff x="0" y="0"/>
-          <a:chExt cx="0" cy="0"/>
-        </a:xfrm>
-      </p:grpSpPr>
-      <p:sp>
-        <p:nvSpPr>
-          <p:cNvPr id="6199" name="Rectangle 55"/>
-          <p:cNvSpPr>
-            <a:spLocks noChangeArrowheads="1"/>
-          </p:cNvSpPr>
-          <p:nvPr/>
-        </p:nvSpPr>
-        <p:spPr bwMode="auto">
-          <a:xfrm>
-            <a:off x="0" y="0"/>
-            <a:ext cx="9144000" cy="692150"/>
-          </a:xfrm>
-          <a:prstGeom prst="rect">
-            <a:avLst/>
-          </a:prstGeom>
-          <a:solidFill>
-            <a:srgbClr val="3333FF"/>
-          </a:solidFill>
-          <a:ln>
-            <a:noFill/>
-          </a:ln>
-          <a:effectLst/>
-          <a:extLst>
-            <a:ext uri="{91240B29-F687-4F45-9708-019B960494DF}">
-              <a14:hiddenLine xmlns:a14="http://schemas.microsoft.com/office/drawing/2010/main" w="9525">
-                <a:solidFill>
-                  <a:schemeClr val="tx1"/>
-                </a:solidFill>
-                <a:miter lim="800000"/>
-                <a:headEnd/>
-                <a:tailEnd/>
-              </a14:hiddenLine>
-            </a:ext>
-            <a:ext uri="{AF507438-7753-43E0-B8FC-AC1667EBCBE1}">
-              <a14:hiddenEffects xmlns:a14="http://schemas.microsoft.com/office/drawing/2010/main">
-                <a:effectLst>
-                  <a:outerShdw dist="35921" dir="2700000" algn="ctr" rotWithShape="0">
-                    <a:schemeClr val="bg2"/>
-                  </a:outerShdw>
-                </a:effectLst>
-              </a14:hiddenEffects>
-            </a:ext>
-          </a:extLst>
-        </p:spPr>
-        <p:txBody>
-          <a:bodyPr wrap="none" anchor="ctr"/>
-          <a:lstStyle/>
-          <a:p>
-            <a:pPr algn="ctr"/>
-            <a:r>
               <a:rPr lang="en-US" altLang="ko-KR" sz="2800" dirty="0" smtClean="0">
                 <a:solidFill>
                   <a:schemeClr val="bg1"/>
@@ -8035,7 +5381,7 @@
           <a:p>
             <a:fld id="{53646E5C-8775-44A9-9523-40B6CCA06789}" type="datetime1">
               <a:rPr lang="ko-KR" altLang="en-US" smtClean="0"/>
-              <a:t>2018-06-14</a:t>
+              <a:t>2018-06-15</a:t>
             </a:fld>
             <a:endParaRPr lang="ko-KR" altLang="en-US"/>
           </a:p>
@@ -8058,7 +5404,7 @@
           <a:p>
             <a:fld id="{8765F8EB-1186-4395-8E70-F957669279DD}" type="slidenum">
               <a:rPr lang="ko-KR" altLang="en-US" smtClean="0"/>
-              <a:t>9</a:t>
+              <a:t>6</a:t>
             </a:fld>
             <a:endParaRPr lang="ko-KR" altLang="en-US" dirty="0"/>
           </a:p>

--- a/랩미팅/201806/180614 Zurich Lock-In(Jong).pptx
+++ b/랩미팅/201806/180614 Zurich Lock-In(Jong).pptx
@@ -202,7 +202,7 @@
           <a:p>
             <a:fld id="{A9D6DECA-6E4E-4D09-9277-E151A2E3F74C}" type="datetimeFigureOut">
               <a:rPr lang="ko-KR" altLang="en-US" smtClean="0"/>
-              <a:t>2018-06-15</a:t>
+              <a:t>2018-06-17</a:t>
             </a:fld>
             <a:endParaRPr lang="ko-KR" altLang="en-US"/>
           </a:p>
@@ -1105,7 +1105,7 @@
           <a:p>
             <a:fld id="{78E89258-A40F-4400-BA1A-638141289729}" type="datetime1">
               <a:rPr lang="ko-KR" altLang="en-US" smtClean="0"/>
-              <a:t>2018-06-15</a:t>
+              <a:t>2018-06-17</a:t>
             </a:fld>
             <a:endParaRPr lang="ko-KR" altLang="en-US"/>
           </a:p>
@@ -1282,7 +1282,7 @@
           <a:p>
             <a:fld id="{CD116CEF-802E-43F7-8932-78519DF2A264}" type="datetime1">
               <a:rPr lang="ko-KR" altLang="en-US" smtClean="0"/>
-              <a:t>2018-06-15</a:t>
+              <a:t>2018-06-17</a:t>
             </a:fld>
             <a:endParaRPr lang="ko-KR" altLang="en-US"/>
           </a:p>
@@ -1462,7 +1462,7 @@
           <a:p>
             <a:fld id="{EFD9D7C3-1982-427D-BFA7-1AF9687AAB0F}" type="datetime1">
               <a:rPr lang="ko-KR" altLang="en-US" smtClean="0"/>
-              <a:t>2018-06-15</a:t>
+              <a:t>2018-06-17</a:t>
             </a:fld>
             <a:endParaRPr lang="ko-KR" altLang="en-US"/>
           </a:p>
@@ -1632,7 +1632,7 @@
           <a:p>
             <a:fld id="{EDD93E7F-B437-40E5-8ACB-B79696783EFA}" type="datetime1">
               <a:rPr lang="ko-KR" altLang="en-US" smtClean="0"/>
-              <a:t>2018-06-15</a:t>
+              <a:t>2018-06-17</a:t>
             </a:fld>
             <a:endParaRPr lang="ko-KR" altLang="en-US"/>
           </a:p>
@@ -1876,7 +1876,7 @@
           <a:p>
             <a:fld id="{DB249950-0BD4-4F6E-BE3F-CB53B7E2FD06}" type="datetime1">
               <a:rPr lang="ko-KR" altLang="en-US" smtClean="0"/>
-              <a:t>2018-06-15</a:t>
+              <a:t>2018-06-17</a:t>
             </a:fld>
             <a:endParaRPr lang="ko-KR" altLang="en-US"/>
           </a:p>
@@ -2108,7 +2108,7 @@
           <a:p>
             <a:fld id="{7B016D7E-32C0-4DB3-B6B3-0506A62840FB}" type="datetime1">
               <a:rPr lang="ko-KR" altLang="en-US" smtClean="0"/>
-              <a:t>2018-06-15</a:t>
+              <a:t>2018-06-17</a:t>
             </a:fld>
             <a:endParaRPr lang="ko-KR" altLang="en-US"/>
           </a:p>
@@ -2475,7 +2475,7 @@
           <a:p>
             <a:fld id="{B246672D-B3FD-4B2E-92C0-4A80DA670927}" type="datetime1">
               <a:rPr lang="ko-KR" altLang="en-US" smtClean="0"/>
-              <a:t>2018-06-15</a:t>
+              <a:t>2018-06-17</a:t>
             </a:fld>
             <a:endParaRPr lang="ko-KR" altLang="en-US"/>
           </a:p>
@@ -2593,7 +2593,7 @@
           <a:p>
             <a:fld id="{9B9B7D2E-B202-4D7A-9519-0C490A04EB9C}" type="datetime1">
               <a:rPr lang="ko-KR" altLang="en-US" smtClean="0"/>
-              <a:t>2018-06-15</a:t>
+              <a:t>2018-06-17</a:t>
             </a:fld>
             <a:endParaRPr lang="ko-KR" altLang="en-US"/>
           </a:p>
@@ -2688,7 +2688,7 @@
           <a:p>
             <a:fld id="{12FB9327-987E-47D6-AE2D-63CED8A79494}" type="datetime1">
               <a:rPr lang="ko-KR" altLang="en-US" smtClean="0"/>
-              <a:t>2018-06-15</a:t>
+              <a:t>2018-06-17</a:t>
             </a:fld>
             <a:endParaRPr lang="ko-KR" altLang="en-US"/>
           </a:p>
@@ -2965,7 +2965,7 @@
           <a:p>
             <a:fld id="{D8D87011-7294-4632-A156-4F695AB9E41C}" type="datetime1">
               <a:rPr lang="ko-KR" altLang="en-US" smtClean="0"/>
-              <a:t>2018-06-15</a:t>
+              <a:t>2018-06-17</a:t>
             </a:fld>
             <a:endParaRPr lang="ko-KR" altLang="en-US"/>
           </a:p>
@@ -3222,7 +3222,7 @@
           <a:p>
             <a:fld id="{1BDC7FDB-72DE-4D65-AF4F-510496DAF70F}" type="datetime1">
               <a:rPr lang="ko-KR" altLang="en-US" smtClean="0"/>
-              <a:t>2018-06-15</a:t>
+              <a:t>2018-06-17</a:t>
             </a:fld>
             <a:endParaRPr lang="ko-KR" altLang="en-US"/>
           </a:p>
@@ -3435,7 +3435,7 @@
           <a:p>
             <a:fld id="{9A286DBF-DB43-470A-A903-26374CB6EF47}" type="datetime1">
               <a:rPr lang="ko-KR" altLang="en-US" smtClean="0"/>
-              <a:t>2018-06-15</a:t>
+              <a:t>2018-06-17</a:t>
             </a:fld>
             <a:endParaRPr lang="ko-KR" altLang="en-US"/>
           </a:p>
@@ -4020,7 +4020,7 @@
           <a:p>
             <a:fld id="{32C03489-23FC-4021-B9AB-958EFB3C0FE7}" type="datetime1">
               <a:rPr lang="ko-KR" altLang="en-US" smtClean="0"/>
-              <a:t>2018-06-15</a:t>
+              <a:t>2018-06-17</a:t>
             </a:fld>
             <a:endParaRPr lang="ko-KR" altLang="en-US"/>
           </a:p>
@@ -4171,7 +4171,7 @@
           <a:p>
             <a:fld id="{53646E5C-8775-44A9-9523-40B6CCA06789}" type="datetime1">
               <a:rPr lang="ko-KR" altLang="en-US" smtClean="0"/>
-              <a:t>2018-06-15</a:t>
+              <a:t>2018-06-17</a:t>
             </a:fld>
             <a:endParaRPr lang="ko-KR" altLang="en-US"/>
           </a:p>
@@ -4317,16 +4317,7 @@
                 </a:solidFill>
                 <a:latin typeface="Arial" panose="020B0604020202020204" pitchFamily="34" charset="0"/>
               </a:rPr>
-              <a:t>Dual </a:t>
-            </a:r>
-            <a:r>
-              <a:rPr lang="en-US" altLang="ko-KR" sz="2800" dirty="0" smtClean="0">
-                <a:solidFill>
-                  <a:schemeClr val="bg1"/>
-                </a:solidFill>
-                <a:latin typeface="Arial" panose="020B0604020202020204" pitchFamily="34" charset="0"/>
-              </a:rPr>
-              <a:t>Lock-In</a:t>
+              <a:t>Dual Lock-In</a:t>
             </a:r>
           </a:p>
         </p:txBody>
@@ -4348,7 +4339,7 @@
           <a:p>
             <a:fld id="{53646E5C-8775-44A9-9523-40B6CCA06789}" type="datetime1">
               <a:rPr lang="ko-KR" altLang="en-US" smtClean="0"/>
-              <a:t>2018-06-15</a:t>
+              <a:t>2018-06-17</a:t>
             </a:fld>
             <a:endParaRPr lang="ko-KR" altLang="en-US"/>
           </a:p>
@@ -4700,16 +4691,7 @@
                 </a:solidFill>
                 <a:latin typeface="Arial" panose="020B0604020202020204" pitchFamily="34" charset="0"/>
               </a:rPr>
-              <a:t>Dual </a:t>
-            </a:r>
-            <a:r>
-              <a:rPr lang="en-US" altLang="ko-KR" sz="2800" dirty="0" smtClean="0">
-                <a:solidFill>
-                  <a:schemeClr val="bg1"/>
-                </a:solidFill>
-                <a:latin typeface="Arial" panose="020B0604020202020204" pitchFamily="34" charset="0"/>
-              </a:rPr>
-              <a:t>Lock-In</a:t>
+              <a:t>Dual Lock-In</a:t>
             </a:r>
           </a:p>
         </p:txBody>
@@ -4731,7 +4713,7 @@
           <a:p>
             <a:fld id="{53646E5C-8775-44A9-9523-40B6CCA06789}" type="datetime1">
               <a:rPr lang="ko-KR" altLang="en-US" smtClean="0"/>
-              <a:t>2018-06-15</a:t>
+              <a:t>2018-06-17</a:t>
             </a:fld>
             <a:endParaRPr lang="ko-KR" altLang="en-US"/>
           </a:p>
@@ -4998,12 +4980,6 @@
               </a:rPr>
               <a:t>Design</a:t>
             </a:r>
-            <a:endParaRPr lang="en-US" altLang="ko-KR" sz="2800" dirty="0" smtClean="0">
-              <a:solidFill>
-                <a:schemeClr val="bg1"/>
-              </a:solidFill>
-              <a:latin typeface="Arial" panose="020B0604020202020204" pitchFamily="34" charset="0"/>
-            </a:endParaRPr>
           </a:p>
         </p:txBody>
       </p:sp>
@@ -5024,7 +5000,7 @@
           <a:p>
             <a:fld id="{53646E5C-8775-44A9-9523-40B6CCA06789}" type="datetime1">
               <a:rPr lang="ko-KR" altLang="en-US" smtClean="0"/>
-              <a:t>2018-06-15</a:t>
+              <a:t>2018-06-17</a:t>
             </a:fld>
             <a:endParaRPr lang="ko-KR" altLang="en-US"/>
           </a:p>
@@ -5381,7 +5357,7 @@
           <a:p>
             <a:fld id="{53646E5C-8775-44A9-9523-40B6CCA06789}" type="datetime1">
               <a:rPr lang="ko-KR" altLang="en-US" smtClean="0"/>
-              <a:t>2018-06-15</a:t>
+              <a:t>2018-06-17</a:t>
             </a:fld>
             <a:endParaRPr lang="ko-KR" altLang="en-US"/>
           </a:p>
@@ -5410,2312 +5386,84 @@
           </a:p>
         </p:txBody>
       </p:sp>
-      <p:graphicFrame>
-        <p:nvGraphicFramePr>
-          <p:cNvPr id="5" name="표 4"/>
-          <p:cNvGraphicFramePr>
-            <a:graphicFrameLocks noGrp="1"/>
-          </p:cNvGraphicFramePr>
-          <p:nvPr>
-            <p:extLst>
-              <p:ext uri="{D42A27DB-BD31-4B8C-83A1-F6EECF244321}">
-                <p14:modId xmlns:p14="http://schemas.microsoft.com/office/powerpoint/2010/main" val="2881611113"/>
-              </p:ext>
-            </p:extLst>
-          </p:nvPr>
-        </p:nvGraphicFramePr>
-        <p:xfrm>
-          <a:off x="1152396" y="1396998"/>
-          <a:ext cx="7089731" cy="3230117"/>
-        </p:xfrm>
-        <a:graphic>
-          <a:graphicData uri="http://schemas.openxmlformats.org/drawingml/2006/table">
-            <a:tbl>
-              <a:tblPr firstRow="1" bandRow="1">
-                <a:tableStyleId>{2D5ABB26-0587-4C30-8999-92F81FD0307C}</a:tableStyleId>
-              </a:tblPr>
-              <a:tblGrid>
-                <a:gridCol w="1490596">
-                  <a:extLst>
-                    <a:ext uri="{9D8B030D-6E8A-4147-A177-3AD203B41FA5}">
-                      <a16:colId xmlns:a16="http://schemas.microsoft.com/office/drawing/2014/main" val="3751341464"/>
-                    </a:ext>
-                  </a:extLst>
-                </a:gridCol>
-                <a:gridCol w="1119827">
-                  <a:extLst>
-                    <a:ext uri="{9D8B030D-6E8A-4147-A177-3AD203B41FA5}">
-                      <a16:colId xmlns:a16="http://schemas.microsoft.com/office/drawing/2014/main" val="4090605972"/>
-                    </a:ext>
-                  </a:extLst>
-                </a:gridCol>
-                <a:gridCol w="1119827">
-                  <a:extLst>
-                    <a:ext uri="{9D8B030D-6E8A-4147-A177-3AD203B41FA5}">
-                      <a16:colId xmlns:a16="http://schemas.microsoft.com/office/drawing/2014/main" val="3510855832"/>
-                    </a:ext>
-                  </a:extLst>
-                </a:gridCol>
-                <a:gridCol w="1119827">
-                  <a:extLst>
-                    <a:ext uri="{9D8B030D-6E8A-4147-A177-3AD203B41FA5}">
-                      <a16:colId xmlns:a16="http://schemas.microsoft.com/office/drawing/2014/main" val="835025531"/>
-                    </a:ext>
-                  </a:extLst>
-                </a:gridCol>
-                <a:gridCol w="1119827">
-                  <a:extLst>
-                    <a:ext uri="{9D8B030D-6E8A-4147-A177-3AD203B41FA5}">
-                      <a16:colId xmlns:a16="http://schemas.microsoft.com/office/drawing/2014/main" val="4005027411"/>
-                    </a:ext>
-                  </a:extLst>
-                </a:gridCol>
-                <a:gridCol w="1119827">
-                  <a:extLst>
-                    <a:ext uri="{9D8B030D-6E8A-4147-A177-3AD203B41FA5}">
-                      <a16:colId xmlns:a16="http://schemas.microsoft.com/office/drawing/2014/main" val="2760397003"/>
-                    </a:ext>
-                  </a:extLst>
-                </a:gridCol>
-              </a:tblGrid>
-              <a:tr h="669797">
-                <a:tc>
-                  <a:txBody>
-                    <a:bodyPr/>
-                    <a:lstStyle/>
-                    <a:p>
-                      <a:pPr algn="ctr" latinLnBrk="1"/>
-                      <a:endParaRPr lang="ko-KR" altLang="en-US" dirty="0">
-                        <a:solidFill>
-                          <a:schemeClr val="bg1"/>
-                        </a:solidFill>
-                      </a:endParaRPr>
-                    </a:p>
-                  </a:txBody>
-                  <a:tcPr anchor="ctr">
-                    <a:lnL w="12700" cap="flat" cmpd="sng" algn="ctr">
-                      <a:solidFill>
-                        <a:schemeClr val="tx1"/>
-                      </a:solidFill>
-                      <a:prstDash val="solid"/>
-                      <a:round/>
-                      <a:headEnd type="none" w="med" len="med"/>
-                      <a:tailEnd type="none" w="med" len="med"/>
-                    </a:lnL>
-                    <a:lnR w="12700" cap="flat" cmpd="sng" algn="ctr">
-                      <a:solidFill>
-                        <a:schemeClr val="tx1"/>
-                      </a:solidFill>
-                      <a:prstDash val="solid"/>
-                      <a:round/>
-                      <a:headEnd type="none" w="med" len="med"/>
-                      <a:tailEnd type="none" w="med" len="med"/>
-                    </a:lnR>
-                    <a:lnT w="12700" cap="flat" cmpd="sng" algn="ctr">
-                      <a:solidFill>
-                        <a:schemeClr val="tx1"/>
-                      </a:solidFill>
-                      <a:prstDash val="solid"/>
-                      <a:round/>
-                      <a:headEnd type="none" w="med" len="med"/>
-                      <a:tailEnd type="none" w="med" len="med"/>
-                    </a:lnT>
-                    <a:lnB w="12700" cap="flat" cmpd="sng" algn="ctr">
-                      <a:solidFill>
-                        <a:schemeClr val="tx1"/>
-                      </a:solidFill>
-                      <a:prstDash val="solid"/>
-                      <a:round/>
-                      <a:headEnd type="none" w="med" len="med"/>
-                      <a:tailEnd type="none" w="med" len="med"/>
-                    </a:lnB>
-                    <a:lnTlToBr w="12700" cmpd="sng">
-                      <a:noFill/>
-                      <a:prstDash val="solid"/>
-                    </a:lnTlToBr>
-                    <a:lnBlToTr w="12700" cmpd="sng">
-                      <a:noFill/>
-                      <a:prstDash val="solid"/>
-                    </a:lnBlToTr>
-                    <a:solidFill>
-                      <a:srgbClr val="3333FF"/>
-                    </a:solidFill>
-                  </a:tcPr>
-                </a:tc>
-                <a:tc>
-                  <a:txBody>
-                    <a:bodyPr/>
-                    <a:lstStyle/>
-                    <a:p>
-                      <a:pPr algn="ctr" latinLnBrk="1"/>
-                      <a:r>
-                        <a:rPr lang="en-US" altLang="ko-KR" dirty="0" smtClean="0">
-                          <a:solidFill>
-                            <a:schemeClr val="bg1"/>
-                          </a:solidFill>
-                        </a:rPr>
-                        <a:t>May</a:t>
-                      </a:r>
-                      <a:endParaRPr lang="en-US" altLang="ko-KR" baseline="0" dirty="0" smtClean="0">
-                        <a:solidFill>
-                          <a:schemeClr val="bg1"/>
-                        </a:solidFill>
-                      </a:endParaRPr>
-                    </a:p>
-                    <a:p>
-                      <a:pPr algn="ctr" latinLnBrk="1"/>
-                      <a:r>
-                        <a:rPr lang="en-US" altLang="ko-KR" baseline="0" dirty="0" smtClean="0">
-                          <a:solidFill>
-                            <a:schemeClr val="bg1"/>
-                          </a:solidFill>
-                        </a:rPr>
-                        <a:t>5</a:t>
-                      </a:r>
-                      <a:r>
-                        <a:rPr lang="en-US" altLang="ko-KR" baseline="30000" dirty="0" smtClean="0">
-                          <a:solidFill>
-                            <a:schemeClr val="bg1"/>
-                          </a:solidFill>
-                        </a:rPr>
-                        <a:t>th</a:t>
-                      </a:r>
-                      <a:r>
-                        <a:rPr lang="en-US" altLang="ko-KR" baseline="0" dirty="0" smtClean="0">
-                          <a:solidFill>
-                            <a:schemeClr val="bg1"/>
-                          </a:solidFill>
-                        </a:rPr>
-                        <a:t> wk.</a:t>
-                      </a:r>
-                      <a:endParaRPr lang="ko-KR" altLang="en-US" dirty="0">
-                        <a:solidFill>
-                          <a:schemeClr val="bg1"/>
-                        </a:solidFill>
-                      </a:endParaRPr>
-                    </a:p>
-                  </a:txBody>
-                  <a:tcPr anchor="ctr">
-                    <a:lnL w="12700" cap="flat" cmpd="sng" algn="ctr">
-                      <a:solidFill>
-                        <a:schemeClr val="tx1"/>
-                      </a:solidFill>
-                      <a:prstDash val="solid"/>
-                      <a:round/>
-                      <a:headEnd type="none" w="med" len="med"/>
-                      <a:tailEnd type="none" w="med" len="med"/>
-                    </a:lnL>
-                    <a:lnR w="12700" cap="flat" cmpd="sng" algn="ctr">
-                      <a:solidFill>
-                        <a:schemeClr val="tx1"/>
-                      </a:solidFill>
-                      <a:prstDash val="solid"/>
-                      <a:round/>
-                      <a:headEnd type="none" w="med" len="med"/>
-                      <a:tailEnd type="none" w="med" len="med"/>
-                    </a:lnR>
-                    <a:lnT w="12700" cap="flat" cmpd="sng" algn="ctr">
-                      <a:solidFill>
-                        <a:schemeClr val="tx1"/>
-                      </a:solidFill>
-                      <a:prstDash val="solid"/>
-                      <a:round/>
-                      <a:headEnd type="none" w="med" len="med"/>
-                      <a:tailEnd type="none" w="med" len="med"/>
-                    </a:lnT>
-                    <a:lnB w="12700" cap="flat" cmpd="sng" algn="ctr">
-                      <a:solidFill>
-                        <a:schemeClr val="tx1"/>
-                      </a:solidFill>
-                      <a:prstDash val="solid"/>
-                      <a:round/>
-                      <a:headEnd type="none" w="med" len="med"/>
-                      <a:tailEnd type="none" w="med" len="med"/>
-                    </a:lnB>
-                    <a:lnTlToBr w="12700" cmpd="sng">
-                      <a:noFill/>
-                      <a:prstDash val="solid"/>
-                    </a:lnTlToBr>
-                    <a:lnBlToTr w="12700" cmpd="sng">
-                      <a:noFill/>
-                      <a:prstDash val="solid"/>
-                    </a:lnBlToTr>
-                    <a:solidFill>
-                      <a:srgbClr val="3333FF"/>
-                    </a:solidFill>
-                  </a:tcPr>
-                </a:tc>
-                <a:tc>
-                  <a:txBody>
-                    <a:bodyPr/>
-                    <a:lstStyle/>
-                    <a:p>
-                      <a:pPr algn="ctr" latinLnBrk="1"/>
-                      <a:r>
-                        <a:rPr lang="en-US" altLang="ko-KR" dirty="0" smtClean="0">
-                          <a:solidFill>
-                            <a:schemeClr val="bg1"/>
-                          </a:solidFill>
-                        </a:rPr>
-                        <a:t>June</a:t>
-                      </a:r>
-                    </a:p>
-                    <a:p>
-                      <a:pPr algn="ctr" latinLnBrk="1"/>
-                      <a:r>
-                        <a:rPr lang="en-US" altLang="ko-KR" dirty="0" smtClean="0">
-                          <a:solidFill>
-                            <a:schemeClr val="bg1"/>
-                          </a:solidFill>
-                        </a:rPr>
-                        <a:t>1</a:t>
-                      </a:r>
-                      <a:r>
-                        <a:rPr lang="en-US" altLang="ko-KR" baseline="30000" dirty="0" smtClean="0">
-                          <a:solidFill>
-                            <a:schemeClr val="bg1"/>
-                          </a:solidFill>
-                        </a:rPr>
-                        <a:t>st</a:t>
-                      </a:r>
-                      <a:r>
-                        <a:rPr lang="en-US" altLang="ko-KR" dirty="0" smtClean="0">
-                          <a:solidFill>
-                            <a:schemeClr val="bg1"/>
-                          </a:solidFill>
-                        </a:rPr>
-                        <a:t> wk.</a:t>
-                      </a:r>
-                      <a:endParaRPr lang="ko-KR" altLang="en-US" dirty="0">
-                        <a:solidFill>
-                          <a:schemeClr val="bg1"/>
-                        </a:solidFill>
-                      </a:endParaRPr>
-                    </a:p>
-                  </a:txBody>
-                  <a:tcPr anchor="ctr">
-                    <a:lnL w="12700" cap="flat" cmpd="sng" algn="ctr">
-                      <a:solidFill>
-                        <a:schemeClr val="tx1"/>
-                      </a:solidFill>
-                      <a:prstDash val="solid"/>
-                      <a:round/>
-                      <a:headEnd type="none" w="med" len="med"/>
-                      <a:tailEnd type="none" w="med" len="med"/>
-                    </a:lnL>
-                    <a:lnR w="12700" cap="flat" cmpd="sng" algn="ctr">
-                      <a:solidFill>
-                        <a:schemeClr val="tx1"/>
-                      </a:solidFill>
-                      <a:prstDash val="solid"/>
-                      <a:round/>
-                      <a:headEnd type="none" w="med" len="med"/>
-                      <a:tailEnd type="none" w="med" len="med"/>
-                    </a:lnR>
-                    <a:lnT w="12700" cap="flat" cmpd="sng" algn="ctr">
-                      <a:solidFill>
-                        <a:schemeClr val="tx1"/>
-                      </a:solidFill>
-                      <a:prstDash val="solid"/>
-                      <a:round/>
-                      <a:headEnd type="none" w="med" len="med"/>
-                      <a:tailEnd type="none" w="med" len="med"/>
-                    </a:lnT>
-                    <a:lnB w="12700" cap="flat" cmpd="sng" algn="ctr">
-                      <a:solidFill>
-                        <a:schemeClr val="tx1"/>
-                      </a:solidFill>
-                      <a:prstDash val="solid"/>
-                      <a:round/>
-                      <a:headEnd type="none" w="med" len="med"/>
-                      <a:tailEnd type="none" w="med" len="med"/>
-                    </a:lnB>
-                    <a:lnTlToBr w="12700" cmpd="sng">
-                      <a:noFill/>
-                      <a:prstDash val="solid"/>
-                    </a:lnTlToBr>
-                    <a:lnBlToTr w="12700" cmpd="sng">
-                      <a:noFill/>
-                      <a:prstDash val="solid"/>
-                    </a:lnBlToTr>
-                    <a:solidFill>
-                      <a:srgbClr val="3333FF"/>
-                    </a:solidFill>
-                  </a:tcPr>
-                </a:tc>
-                <a:tc>
-                  <a:txBody>
-                    <a:bodyPr/>
-                    <a:lstStyle/>
-                    <a:p>
-                      <a:pPr algn="ctr" latinLnBrk="1"/>
-                      <a:r>
-                        <a:rPr lang="en-US" altLang="ko-KR" dirty="0" smtClean="0">
-                          <a:solidFill>
-                            <a:schemeClr val="bg1"/>
-                          </a:solidFill>
-                        </a:rPr>
-                        <a:t>June</a:t>
-                      </a:r>
-                    </a:p>
-                    <a:p>
-                      <a:pPr algn="ctr" latinLnBrk="1"/>
-                      <a:r>
-                        <a:rPr lang="en-US" altLang="ko-KR" dirty="0" smtClean="0">
-                          <a:solidFill>
-                            <a:schemeClr val="bg1"/>
-                          </a:solidFill>
-                        </a:rPr>
-                        <a:t>2</a:t>
-                      </a:r>
-                      <a:r>
-                        <a:rPr lang="en-US" altLang="ko-KR" baseline="30000" dirty="0" smtClean="0">
-                          <a:solidFill>
-                            <a:schemeClr val="bg1"/>
-                          </a:solidFill>
-                        </a:rPr>
-                        <a:t>nd</a:t>
-                      </a:r>
-                      <a:r>
-                        <a:rPr lang="en-US" altLang="ko-KR" dirty="0" smtClean="0">
-                          <a:solidFill>
-                            <a:schemeClr val="bg1"/>
-                          </a:solidFill>
-                        </a:rPr>
-                        <a:t> wk.</a:t>
-                      </a:r>
-                    </a:p>
-                  </a:txBody>
-                  <a:tcPr anchor="ctr">
-                    <a:lnL w="12700" cap="flat" cmpd="sng" algn="ctr">
-                      <a:solidFill>
-                        <a:schemeClr val="tx1"/>
-                      </a:solidFill>
-                      <a:prstDash val="solid"/>
-                      <a:round/>
-                      <a:headEnd type="none" w="med" len="med"/>
-                      <a:tailEnd type="none" w="med" len="med"/>
-                    </a:lnL>
-                    <a:lnR w="12700" cap="flat" cmpd="sng" algn="ctr">
-                      <a:solidFill>
-                        <a:schemeClr val="tx1"/>
-                      </a:solidFill>
-                      <a:prstDash val="solid"/>
-                      <a:round/>
-                      <a:headEnd type="none" w="med" len="med"/>
-                      <a:tailEnd type="none" w="med" len="med"/>
-                    </a:lnR>
-                    <a:lnT w="12700" cap="flat" cmpd="sng" algn="ctr">
-                      <a:solidFill>
-                        <a:schemeClr val="tx1"/>
-                      </a:solidFill>
-                      <a:prstDash val="solid"/>
-                      <a:round/>
-                      <a:headEnd type="none" w="med" len="med"/>
-                      <a:tailEnd type="none" w="med" len="med"/>
-                    </a:lnT>
-                    <a:lnB w="12700" cap="flat" cmpd="sng" algn="ctr">
-                      <a:solidFill>
-                        <a:schemeClr val="tx1"/>
-                      </a:solidFill>
-                      <a:prstDash val="solid"/>
-                      <a:round/>
-                      <a:headEnd type="none" w="med" len="med"/>
-                      <a:tailEnd type="none" w="med" len="med"/>
-                    </a:lnB>
-                    <a:lnTlToBr w="12700" cmpd="sng">
-                      <a:noFill/>
-                      <a:prstDash val="solid"/>
-                    </a:lnTlToBr>
-                    <a:lnBlToTr w="12700" cmpd="sng">
-                      <a:noFill/>
-                      <a:prstDash val="solid"/>
-                    </a:lnBlToTr>
-                    <a:solidFill>
-                      <a:srgbClr val="3333FF"/>
-                    </a:solidFill>
-                  </a:tcPr>
-                </a:tc>
-                <a:tc>
-                  <a:txBody>
-                    <a:bodyPr/>
-                    <a:lstStyle/>
-                    <a:p>
-                      <a:pPr algn="ctr" latinLnBrk="1"/>
-                      <a:r>
-                        <a:rPr lang="en-US" altLang="ko-KR" dirty="0" smtClean="0">
-                          <a:solidFill>
-                            <a:schemeClr val="bg1"/>
-                          </a:solidFill>
-                        </a:rPr>
-                        <a:t>June</a:t>
-                      </a:r>
-                    </a:p>
-                    <a:p>
-                      <a:pPr algn="ctr" latinLnBrk="1"/>
-                      <a:r>
-                        <a:rPr lang="en-US" altLang="ko-KR" dirty="0" smtClean="0">
-                          <a:solidFill>
-                            <a:schemeClr val="bg1"/>
-                          </a:solidFill>
-                        </a:rPr>
-                        <a:t>3</a:t>
-                      </a:r>
-                      <a:r>
-                        <a:rPr lang="en-US" altLang="ko-KR" baseline="30000" dirty="0" smtClean="0">
-                          <a:solidFill>
-                            <a:schemeClr val="bg1"/>
-                          </a:solidFill>
-                        </a:rPr>
-                        <a:t>rd</a:t>
-                      </a:r>
-                      <a:r>
-                        <a:rPr lang="en-US" altLang="ko-KR" dirty="0" smtClean="0">
-                          <a:solidFill>
-                            <a:schemeClr val="bg1"/>
-                          </a:solidFill>
-                        </a:rPr>
-                        <a:t> wk.</a:t>
-                      </a:r>
-                      <a:endParaRPr lang="ko-KR" altLang="en-US" dirty="0">
-                        <a:solidFill>
-                          <a:schemeClr val="bg1"/>
-                        </a:solidFill>
-                      </a:endParaRPr>
-                    </a:p>
-                  </a:txBody>
-                  <a:tcPr anchor="ctr">
-                    <a:lnL w="12700" cap="flat" cmpd="sng" algn="ctr">
-                      <a:solidFill>
-                        <a:schemeClr val="tx1"/>
-                      </a:solidFill>
-                      <a:prstDash val="solid"/>
-                      <a:round/>
-                      <a:headEnd type="none" w="med" len="med"/>
-                      <a:tailEnd type="none" w="med" len="med"/>
-                    </a:lnL>
-                    <a:lnR w="12700" cap="flat" cmpd="sng" algn="ctr">
-                      <a:solidFill>
-                        <a:schemeClr val="tx1"/>
-                      </a:solidFill>
-                      <a:prstDash val="solid"/>
-                      <a:round/>
-                      <a:headEnd type="none" w="med" len="med"/>
-                      <a:tailEnd type="none" w="med" len="med"/>
-                    </a:lnR>
-                    <a:lnT w="12700" cap="flat" cmpd="sng" algn="ctr">
-                      <a:solidFill>
-                        <a:schemeClr val="tx1"/>
-                      </a:solidFill>
-                      <a:prstDash val="solid"/>
-                      <a:round/>
-                      <a:headEnd type="none" w="med" len="med"/>
-                      <a:tailEnd type="none" w="med" len="med"/>
-                    </a:lnT>
-                    <a:lnB w="12700" cap="flat" cmpd="sng" algn="ctr">
-                      <a:solidFill>
-                        <a:schemeClr val="tx1"/>
-                      </a:solidFill>
-                      <a:prstDash val="solid"/>
-                      <a:round/>
-                      <a:headEnd type="none" w="med" len="med"/>
-                      <a:tailEnd type="none" w="med" len="med"/>
-                    </a:lnB>
-                    <a:lnTlToBr w="12700" cmpd="sng">
-                      <a:noFill/>
-                      <a:prstDash val="solid"/>
-                    </a:lnTlToBr>
-                    <a:lnBlToTr w="12700" cmpd="sng">
-                      <a:noFill/>
-                      <a:prstDash val="solid"/>
-                    </a:lnBlToTr>
-                    <a:solidFill>
-                      <a:srgbClr val="3333FF"/>
-                    </a:solidFill>
-                  </a:tcPr>
-                </a:tc>
-                <a:tc>
-                  <a:txBody>
-                    <a:bodyPr/>
-                    <a:lstStyle/>
-                    <a:p>
-                      <a:pPr algn="ctr" latinLnBrk="1"/>
-                      <a:r>
-                        <a:rPr lang="en-US" altLang="ko-KR" dirty="0" smtClean="0">
-                          <a:solidFill>
-                            <a:schemeClr val="bg1"/>
-                          </a:solidFill>
-                        </a:rPr>
-                        <a:t>June</a:t>
-                      </a:r>
-                    </a:p>
-                    <a:p>
-                      <a:pPr algn="ctr" latinLnBrk="1"/>
-                      <a:r>
-                        <a:rPr lang="en-US" altLang="ko-KR" dirty="0" smtClean="0">
-                          <a:solidFill>
-                            <a:schemeClr val="bg1"/>
-                          </a:solidFill>
-                        </a:rPr>
-                        <a:t>4</a:t>
-                      </a:r>
-                      <a:r>
-                        <a:rPr lang="en-US" altLang="ko-KR" baseline="30000" dirty="0" smtClean="0">
-                          <a:solidFill>
-                            <a:schemeClr val="bg1"/>
-                          </a:solidFill>
-                        </a:rPr>
-                        <a:t>th</a:t>
-                      </a:r>
-                      <a:r>
-                        <a:rPr lang="en-US" altLang="ko-KR" dirty="0" smtClean="0">
-                          <a:solidFill>
-                            <a:schemeClr val="bg1"/>
-                          </a:solidFill>
-                        </a:rPr>
-                        <a:t> wk.</a:t>
-                      </a:r>
-                      <a:endParaRPr lang="ko-KR" altLang="en-US" dirty="0">
-                        <a:solidFill>
-                          <a:schemeClr val="bg1"/>
-                        </a:solidFill>
-                      </a:endParaRPr>
-                    </a:p>
-                  </a:txBody>
-                  <a:tcPr anchor="ctr">
-                    <a:lnL w="12700" cap="flat" cmpd="sng" algn="ctr">
-                      <a:solidFill>
-                        <a:schemeClr val="tx1"/>
-                      </a:solidFill>
-                      <a:prstDash val="solid"/>
-                      <a:round/>
-                      <a:headEnd type="none" w="med" len="med"/>
-                      <a:tailEnd type="none" w="med" len="med"/>
-                    </a:lnL>
-                    <a:lnR w="12700" cap="flat" cmpd="sng" algn="ctr">
-                      <a:solidFill>
-                        <a:schemeClr val="tx1"/>
-                      </a:solidFill>
-                      <a:prstDash val="solid"/>
-                      <a:round/>
-                      <a:headEnd type="none" w="med" len="med"/>
-                      <a:tailEnd type="none" w="med" len="med"/>
-                    </a:lnR>
-                    <a:lnT w="12700" cap="flat" cmpd="sng" algn="ctr">
-                      <a:solidFill>
-                        <a:schemeClr val="tx1"/>
-                      </a:solidFill>
-                      <a:prstDash val="solid"/>
-                      <a:round/>
-                      <a:headEnd type="none" w="med" len="med"/>
-                      <a:tailEnd type="none" w="med" len="med"/>
-                    </a:lnT>
-                    <a:lnB w="12700" cap="flat" cmpd="sng" algn="ctr">
-                      <a:solidFill>
-                        <a:schemeClr val="tx1"/>
-                      </a:solidFill>
-                      <a:prstDash val="solid"/>
-                      <a:round/>
-                      <a:headEnd type="none" w="med" len="med"/>
-                      <a:tailEnd type="none" w="med" len="med"/>
-                    </a:lnB>
-                    <a:lnTlToBr w="12700" cmpd="sng">
-                      <a:noFill/>
-                      <a:prstDash val="solid"/>
-                    </a:lnTlToBr>
-                    <a:lnBlToTr w="12700" cmpd="sng">
-                      <a:noFill/>
-                      <a:prstDash val="solid"/>
-                    </a:lnBlToTr>
-                    <a:solidFill>
-                      <a:srgbClr val="3333FF"/>
-                    </a:solidFill>
-                  </a:tcPr>
-                </a:tc>
-                <a:extLst>
-                  <a:ext uri="{0D108BD9-81ED-4DB2-BD59-A6C34878D82A}">
-                    <a16:rowId xmlns:a16="http://schemas.microsoft.com/office/drawing/2014/main" val="4057196349"/>
-                  </a:ext>
-                </a:extLst>
-              </a:tr>
-              <a:tr h="640080">
-                <a:tc>
-                  <a:txBody>
-                    <a:bodyPr/>
-                    <a:lstStyle/>
-                    <a:p>
-                      <a:pPr algn="ctr" latinLnBrk="1"/>
-                      <a:r>
-                        <a:rPr lang="en-US" altLang="ko-KR" dirty="0" smtClean="0"/>
-                        <a:t>PLL</a:t>
-                      </a:r>
-                      <a:endParaRPr lang="ko-KR" altLang="en-US" dirty="0"/>
-                    </a:p>
-                  </a:txBody>
-                  <a:tcPr anchor="ctr">
-                    <a:lnL w="12700" cap="flat" cmpd="sng" algn="ctr">
-                      <a:solidFill>
-                        <a:schemeClr val="tx1"/>
-                      </a:solidFill>
-                      <a:prstDash val="solid"/>
-                      <a:round/>
-                      <a:headEnd type="none" w="med" len="med"/>
-                      <a:tailEnd type="none" w="med" len="med"/>
-                    </a:lnL>
-                    <a:lnR w="12700" cap="flat" cmpd="sng" algn="ctr">
-                      <a:solidFill>
-                        <a:schemeClr val="tx1"/>
-                      </a:solidFill>
-                      <a:prstDash val="solid"/>
-                      <a:round/>
-                      <a:headEnd type="none" w="med" len="med"/>
-                      <a:tailEnd type="none" w="med" len="med"/>
-                    </a:lnR>
-                    <a:lnT w="12700" cap="flat" cmpd="sng" algn="ctr">
-                      <a:solidFill>
-                        <a:schemeClr val="tx1"/>
-                      </a:solidFill>
-                      <a:prstDash val="solid"/>
-                      <a:round/>
-                      <a:headEnd type="none" w="med" len="med"/>
-                      <a:tailEnd type="none" w="med" len="med"/>
-                    </a:lnT>
-                    <a:lnB w="12700" cap="flat" cmpd="sng" algn="ctr">
-                      <a:solidFill>
-                        <a:schemeClr val="tx1"/>
-                      </a:solidFill>
-                      <a:prstDash val="solid"/>
-                      <a:round/>
-                      <a:headEnd type="none" w="med" len="med"/>
-                      <a:tailEnd type="none" w="med" len="med"/>
-                    </a:lnB>
-                    <a:lnTlToBr w="12700" cmpd="sng">
-                      <a:noFill/>
-                      <a:prstDash val="solid"/>
-                    </a:lnTlToBr>
-                    <a:lnBlToTr w="12700" cmpd="sng">
-                      <a:noFill/>
-                      <a:prstDash val="solid"/>
-                    </a:lnBlToTr>
-                  </a:tcPr>
-                </a:tc>
-                <a:tc>
-                  <a:txBody>
-                    <a:bodyPr/>
-                    <a:lstStyle/>
-                    <a:p>
-                      <a:pPr algn="ctr" latinLnBrk="1"/>
-                      <a:endParaRPr lang="ko-KR" altLang="en-US" dirty="0"/>
-                    </a:p>
-                  </a:txBody>
-                  <a:tcPr anchor="ctr">
-                    <a:lnL w="12700" cap="flat" cmpd="sng" algn="ctr">
-                      <a:solidFill>
-                        <a:schemeClr val="tx1"/>
-                      </a:solidFill>
-                      <a:prstDash val="solid"/>
-                      <a:round/>
-                      <a:headEnd type="none" w="med" len="med"/>
-                      <a:tailEnd type="none" w="med" len="med"/>
-                    </a:lnL>
-                    <a:lnR w="12700" cap="flat" cmpd="sng" algn="ctr">
-                      <a:solidFill>
-                        <a:schemeClr val="tx1"/>
-                      </a:solidFill>
-                      <a:prstDash val="solid"/>
-                      <a:round/>
-                      <a:headEnd type="none" w="med" len="med"/>
-                      <a:tailEnd type="none" w="med" len="med"/>
-                    </a:lnR>
-                    <a:lnT w="12700" cap="flat" cmpd="sng" algn="ctr">
-                      <a:solidFill>
-                        <a:schemeClr val="tx1"/>
-                      </a:solidFill>
-                      <a:prstDash val="solid"/>
-                      <a:round/>
-                      <a:headEnd type="none" w="med" len="med"/>
-                      <a:tailEnd type="none" w="med" len="med"/>
-                    </a:lnT>
-                    <a:lnB w="12700" cap="flat" cmpd="sng" algn="ctr">
-                      <a:solidFill>
-                        <a:schemeClr val="tx1"/>
-                      </a:solidFill>
-                      <a:prstDash val="solid"/>
-                      <a:round/>
-                      <a:headEnd type="none" w="med" len="med"/>
-                      <a:tailEnd type="none" w="med" len="med"/>
-                    </a:lnB>
-                    <a:lnTlToBr w="12700" cmpd="sng">
-                      <a:noFill/>
-                      <a:prstDash val="solid"/>
-                    </a:lnTlToBr>
-                    <a:lnBlToTr w="12700" cmpd="sng">
-                      <a:noFill/>
-                      <a:prstDash val="solid"/>
-                    </a:lnBlToTr>
-                  </a:tcPr>
-                </a:tc>
-                <a:tc>
-                  <a:txBody>
-                    <a:bodyPr/>
-                    <a:lstStyle/>
-                    <a:p>
-                      <a:pPr algn="ctr" latinLnBrk="1"/>
-                      <a:endParaRPr lang="ko-KR" altLang="en-US" dirty="0"/>
-                    </a:p>
-                  </a:txBody>
-                  <a:tcPr anchor="ctr">
-                    <a:lnL w="12700" cap="flat" cmpd="sng" algn="ctr">
-                      <a:solidFill>
-                        <a:schemeClr val="tx1"/>
-                      </a:solidFill>
-                      <a:prstDash val="solid"/>
-                      <a:round/>
-                      <a:headEnd type="none" w="med" len="med"/>
-                      <a:tailEnd type="none" w="med" len="med"/>
-                    </a:lnL>
-                    <a:lnR w="12700" cap="flat" cmpd="sng" algn="ctr">
-                      <a:solidFill>
-                        <a:schemeClr val="tx1"/>
-                      </a:solidFill>
-                      <a:prstDash val="solid"/>
-                      <a:round/>
-                      <a:headEnd type="none" w="med" len="med"/>
-                      <a:tailEnd type="none" w="med" len="med"/>
-                    </a:lnR>
-                    <a:lnT w="12700" cap="flat" cmpd="sng" algn="ctr">
-                      <a:solidFill>
-                        <a:schemeClr val="tx1"/>
-                      </a:solidFill>
-                      <a:prstDash val="solid"/>
-                      <a:round/>
-                      <a:headEnd type="none" w="med" len="med"/>
-                      <a:tailEnd type="none" w="med" len="med"/>
-                    </a:lnT>
-                    <a:lnB w="12700" cap="flat" cmpd="sng" algn="ctr">
-                      <a:solidFill>
-                        <a:schemeClr val="tx1"/>
-                      </a:solidFill>
-                      <a:prstDash val="solid"/>
-                      <a:round/>
-                      <a:headEnd type="none" w="med" len="med"/>
-                      <a:tailEnd type="none" w="med" len="med"/>
-                    </a:lnB>
-                    <a:lnTlToBr w="12700" cmpd="sng">
-                      <a:noFill/>
-                      <a:prstDash val="solid"/>
-                    </a:lnTlToBr>
-                    <a:lnBlToTr w="12700" cmpd="sng">
-                      <a:noFill/>
-                      <a:prstDash val="solid"/>
-                    </a:lnBlToTr>
-                  </a:tcPr>
-                </a:tc>
-                <a:tc>
-                  <a:txBody>
-                    <a:bodyPr/>
-                    <a:lstStyle/>
-                    <a:p>
-                      <a:pPr algn="ctr" latinLnBrk="1"/>
-                      <a:endParaRPr lang="ko-KR" altLang="en-US" dirty="0"/>
-                    </a:p>
-                  </a:txBody>
-                  <a:tcPr anchor="ctr">
-                    <a:lnL w="12700" cap="flat" cmpd="sng" algn="ctr">
-                      <a:solidFill>
-                        <a:schemeClr val="tx1"/>
-                      </a:solidFill>
-                      <a:prstDash val="solid"/>
-                      <a:round/>
-                      <a:headEnd type="none" w="med" len="med"/>
-                      <a:tailEnd type="none" w="med" len="med"/>
-                    </a:lnL>
-                    <a:lnR w="12700" cap="flat" cmpd="sng" algn="ctr">
-                      <a:solidFill>
-                        <a:schemeClr val="tx1"/>
-                      </a:solidFill>
-                      <a:prstDash val="solid"/>
-                      <a:round/>
-                      <a:headEnd type="none" w="med" len="med"/>
-                      <a:tailEnd type="none" w="med" len="med"/>
-                    </a:lnR>
-                    <a:lnT w="12700" cap="flat" cmpd="sng" algn="ctr">
-                      <a:solidFill>
-                        <a:schemeClr val="tx1"/>
-                      </a:solidFill>
-                      <a:prstDash val="solid"/>
-                      <a:round/>
-                      <a:headEnd type="none" w="med" len="med"/>
-                      <a:tailEnd type="none" w="med" len="med"/>
-                    </a:lnT>
-                    <a:lnB w="12700" cap="flat" cmpd="sng" algn="ctr">
-                      <a:solidFill>
-                        <a:schemeClr val="tx1"/>
-                      </a:solidFill>
-                      <a:prstDash val="solid"/>
-                      <a:round/>
-                      <a:headEnd type="none" w="med" len="med"/>
-                      <a:tailEnd type="none" w="med" len="med"/>
-                    </a:lnB>
-                    <a:lnTlToBr w="12700" cmpd="sng">
-                      <a:noFill/>
-                      <a:prstDash val="solid"/>
-                    </a:lnTlToBr>
-                    <a:lnBlToTr w="12700" cmpd="sng">
-                      <a:noFill/>
-                      <a:prstDash val="solid"/>
-                    </a:lnBlToTr>
-                  </a:tcPr>
-                </a:tc>
-                <a:tc>
-                  <a:txBody>
-                    <a:bodyPr/>
-                    <a:lstStyle/>
-                    <a:p>
-                      <a:pPr algn="ctr" latinLnBrk="1"/>
-                      <a:endParaRPr lang="ko-KR" altLang="en-US" dirty="0"/>
-                    </a:p>
-                  </a:txBody>
-                  <a:tcPr anchor="ctr">
-                    <a:lnL w="12700" cap="flat" cmpd="sng" algn="ctr">
-                      <a:solidFill>
-                        <a:schemeClr val="tx1"/>
-                      </a:solidFill>
-                      <a:prstDash val="solid"/>
-                      <a:round/>
-                      <a:headEnd type="none" w="med" len="med"/>
-                      <a:tailEnd type="none" w="med" len="med"/>
-                    </a:lnL>
-                    <a:lnR w="12700" cap="flat" cmpd="sng" algn="ctr">
-                      <a:solidFill>
-                        <a:schemeClr val="tx1"/>
-                      </a:solidFill>
-                      <a:prstDash val="solid"/>
-                      <a:round/>
-                      <a:headEnd type="none" w="med" len="med"/>
-                      <a:tailEnd type="none" w="med" len="med"/>
-                    </a:lnR>
-                    <a:lnT w="12700" cap="flat" cmpd="sng" algn="ctr">
-                      <a:solidFill>
-                        <a:schemeClr val="tx1"/>
-                      </a:solidFill>
-                      <a:prstDash val="solid"/>
-                      <a:round/>
-                      <a:headEnd type="none" w="med" len="med"/>
-                      <a:tailEnd type="none" w="med" len="med"/>
-                    </a:lnT>
-                    <a:lnB w="12700" cap="flat" cmpd="sng" algn="ctr">
-                      <a:solidFill>
-                        <a:schemeClr val="tx1"/>
-                      </a:solidFill>
-                      <a:prstDash val="solid"/>
-                      <a:round/>
-                      <a:headEnd type="none" w="med" len="med"/>
-                      <a:tailEnd type="none" w="med" len="med"/>
-                    </a:lnB>
-                    <a:lnTlToBr w="12700" cmpd="sng">
-                      <a:noFill/>
-                      <a:prstDash val="solid"/>
-                    </a:lnTlToBr>
-                    <a:lnBlToTr w="12700" cmpd="sng">
-                      <a:noFill/>
-                      <a:prstDash val="solid"/>
-                    </a:lnBlToTr>
-                  </a:tcPr>
-                </a:tc>
-                <a:tc>
-                  <a:txBody>
-                    <a:bodyPr/>
-                    <a:lstStyle/>
-                    <a:p>
-                      <a:pPr algn="ctr" latinLnBrk="1"/>
-                      <a:endParaRPr lang="ko-KR" altLang="en-US"/>
-                    </a:p>
-                  </a:txBody>
-                  <a:tcPr anchor="ctr">
-                    <a:lnL w="12700" cap="flat" cmpd="sng" algn="ctr">
-                      <a:solidFill>
-                        <a:schemeClr val="tx1"/>
-                      </a:solidFill>
-                      <a:prstDash val="solid"/>
-                      <a:round/>
-                      <a:headEnd type="none" w="med" len="med"/>
-                      <a:tailEnd type="none" w="med" len="med"/>
-                    </a:lnL>
-                    <a:lnR w="12700" cap="flat" cmpd="sng" algn="ctr">
-                      <a:solidFill>
-                        <a:schemeClr val="tx1"/>
-                      </a:solidFill>
-                      <a:prstDash val="solid"/>
-                      <a:round/>
-                      <a:headEnd type="none" w="med" len="med"/>
-                      <a:tailEnd type="none" w="med" len="med"/>
-                    </a:lnR>
-                    <a:lnT w="12700" cap="flat" cmpd="sng" algn="ctr">
-                      <a:solidFill>
-                        <a:schemeClr val="tx1"/>
-                      </a:solidFill>
-                      <a:prstDash val="solid"/>
-                      <a:round/>
-                      <a:headEnd type="none" w="med" len="med"/>
-                      <a:tailEnd type="none" w="med" len="med"/>
-                    </a:lnT>
-                    <a:lnB w="12700" cap="flat" cmpd="sng" algn="ctr">
-                      <a:solidFill>
-                        <a:schemeClr val="tx1"/>
-                      </a:solidFill>
-                      <a:prstDash val="solid"/>
-                      <a:round/>
-                      <a:headEnd type="none" w="med" len="med"/>
-                      <a:tailEnd type="none" w="med" len="med"/>
-                    </a:lnB>
-                    <a:lnTlToBr w="12700" cmpd="sng">
-                      <a:noFill/>
-                      <a:prstDash val="solid"/>
-                    </a:lnTlToBr>
-                    <a:lnBlToTr w="12700" cmpd="sng">
-                      <a:noFill/>
-                      <a:prstDash val="solid"/>
-                    </a:lnBlToTr>
-                  </a:tcPr>
-                </a:tc>
-                <a:extLst>
-                  <a:ext uri="{0D108BD9-81ED-4DB2-BD59-A6C34878D82A}">
-                    <a16:rowId xmlns:a16="http://schemas.microsoft.com/office/drawing/2014/main" val="124231198"/>
-                  </a:ext>
-                </a:extLst>
-              </a:tr>
-              <a:tr h="640080">
-                <a:tc>
-                  <a:txBody>
-                    <a:bodyPr/>
-                    <a:lstStyle/>
-                    <a:p>
-                      <a:pPr algn="ctr" latinLnBrk="1"/>
-                      <a:r>
-                        <a:rPr lang="en-US" altLang="ko-KR" dirty="0" smtClean="0"/>
-                        <a:t>Single LI</a:t>
-                      </a:r>
-                    </a:p>
-                    <a:p>
-                      <a:pPr algn="ctr" latinLnBrk="1"/>
-                      <a:r>
-                        <a:rPr lang="en-US" altLang="ko-KR" baseline="0" dirty="0" smtClean="0"/>
-                        <a:t>Scope &amp; Test</a:t>
-                      </a:r>
-                      <a:endParaRPr lang="ko-KR" altLang="en-US" dirty="0"/>
-                    </a:p>
-                  </a:txBody>
-                  <a:tcPr anchor="ctr">
-                    <a:lnL w="12700" cap="flat" cmpd="sng" algn="ctr">
-                      <a:solidFill>
-                        <a:schemeClr val="tx1"/>
-                      </a:solidFill>
-                      <a:prstDash val="solid"/>
-                      <a:round/>
-                      <a:headEnd type="none" w="med" len="med"/>
-                      <a:tailEnd type="none" w="med" len="med"/>
-                    </a:lnL>
-                    <a:lnR w="12700" cap="flat" cmpd="sng" algn="ctr">
-                      <a:solidFill>
-                        <a:schemeClr val="tx1"/>
-                      </a:solidFill>
-                      <a:prstDash val="solid"/>
-                      <a:round/>
-                      <a:headEnd type="none" w="med" len="med"/>
-                      <a:tailEnd type="none" w="med" len="med"/>
-                    </a:lnR>
-                    <a:lnT w="12700" cap="flat" cmpd="sng" algn="ctr">
-                      <a:solidFill>
-                        <a:schemeClr val="tx1"/>
-                      </a:solidFill>
-                      <a:prstDash val="solid"/>
-                      <a:round/>
-                      <a:headEnd type="none" w="med" len="med"/>
-                      <a:tailEnd type="none" w="med" len="med"/>
-                    </a:lnT>
-                    <a:lnB w="12700" cap="flat" cmpd="sng" algn="ctr">
-                      <a:solidFill>
-                        <a:schemeClr val="tx1"/>
-                      </a:solidFill>
-                      <a:prstDash val="solid"/>
-                      <a:round/>
-                      <a:headEnd type="none" w="med" len="med"/>
-                      <a:tailEnd type="none" w="med" len="med"/>
-                    </a:lnB>
-                    <a:lnTlToBr w="12700" cmpd="sng">
-                      <a:noFill/>
-                      <a:prstDash val="solid"/>
-                    </a:lnTlToBr>
-                    <a:lnBlToTr w="12700" cmpd="sng">
-                      <a:noFill/>
-                      <a:prstDash val="solid"/>
-                    </a:lnBlToTr>
-                  </a:tcPr>
-                </a:tc>
-                <a:tc>
-                  <a:txBody>
-                    <a:bodyPr/>
-                    <a:lstStyle/>
-                    <a:p>
-                      <a:pPr algn="ctr" latinLnBrk="1"/>
-                      <a:endParaRPr lang="ko-KR" altLang="en-US" dirty="0"/>
-                    </a:p>
-                  </a:txBody>
-                  <a:tcPr anchor="ctr">
-                    <a:lnL w="12700" cap="flat" cmpd="sng" algn="ctr">
-                      <a:solidFill>
-                        <a:schemeClr val="tx1"/>
-                      </a:solidFill>
-                      <a:prstDash val="solid"/>
-                      <a:round/>
-                      <a:headEnd type="none" w="med" len="med"/>
-                      <a:tailEnd type="none" w="med" len="med"/>
-                    </a:lnL>
-                    <a:lnR w="12700" cap="flat" cmpd="sng" algn="ctr">
-                      <a:solidFill>
-                        <a:schemeClr val="tx1"/>
-                      </a:solidFill>
-                      <a:prstDash val="solid"/>
-                      <a:round/>
-                      <a:headEnd type="none" w="med" len="med"/>
-                      <a:tailEnd type="none" w="med" len="med"/>
-                    </a:lnR>
-                    <a:lnT w="12700" cap="flat" cmpd="sng" algn="ctr">
-                      <a:solidFill>
-                        <a:schemeClr val="tx1"/>
-                      </a:solidFill>
-                      <a:prstDash val="solid"/>
-                      <a:round/>
-                      <a:headEnd type="none" w="med" len="med"/>
-                      <a:tailEnd type="none" w="med" len="med"/>
-                    </a:lnT>
-                    <a:lnB w="12700" cap="flat" cmpd="sng" algn="ctr">
-                      <a:solidFill>
-                        <a:schemeClr val="tx1"/>
-                      </a:solidFill>
-                      <a:prstDash val="solid"/>
-                      <a:round/>
-                      <a:headEnd type="none" w="med" len="med"/>
-                      <a:tailEnd type="none" w="med" len="med"/>
-                    </a:lnB>
-                    <a:lnTlToBr w="12700" cmpd="sng">
-                      <a:noFill/>
-                      <a:prstDash val="solid"/>
-                    </a:lnTlToBr>
-                    <a:lnBlToTr w="12700" cmpd="sng">
-                      <a:noFill/>
-                      <a:prstDash val="solid"/>
-                    </a:lnBlToTr>
-                  </a:tcPr>
-                </a:tc>
-                <a:tc>
-                  <a:txBody>
-                    <a:bodyPr/>
-                    <a:lstStyle/>
-                    <a:p>
-                      <a:pPr algn="ctr" latinLnBrk="1"/>
-                      <a:endParaRPr lang="ko-KR" altLang="en-US" dirty="0"/>
-                    </a:p>
-                  </a:txBody>
-                  <a:tcPr anchor="ctr">
-                    <a:lnL w="12700" cap="flat" cmpd="sng" algn="ctr">
-                      <a:solidFill>
-                        <a:schemeClr val="tx1"/>
-                      </a:solidFill>
-                      <a:prstDash val="solid"/>
-                      <a:round/>
-                      <a:headEnd type="none" w="med" len="med"/>
-                      <a:tailEnd type="none" w="med" len="med"/>
-                    </a:lnL>
-                    <a:lnR w="12700" cap="flat" cmpd="sng" algn="ctr">
-                      <a:solidFill>
-                        <a:schemeClr val="tx1"/>
-                      </a:solidFill>
-                      <a:prstDash val="solid"/>
-                      <a:round/>
-                      <a:headEnd type="none" w="med" len="med"/>
-                      <a:tailEnd type="none" w="med" len="med"/>
-                    </a:lnR>
-                    <a:lnT w="12700" cap="flat" cmpd="sng" algn="ctr">
-                      <a:solidFill>
-                        <a:schemeClr val="tx1"/>
-                      </a:solidFill>
-                      <a:prstDash val="solid"/>
-                      <a:round/>
-                      <a:headEnd type="none" w="med" len="med"/>
-                      <a:tailEnd type="none" w="med" len="med"/>
-                    </a:lnT>
-                    <a:lnB w="12700" cap="flat" cmpd="sng" algn="ctr">
-                      <a:solidFill>
-                        <a:schemeClr val="tx1"/>
-                      </a:solidFill>
-                      <a:prstDash val="solid"/>
-                      <a:round/>
-                      <a:headEnd type="none" w="med" len="med"/>
-                      <a:tailEnd type="none" w="med" len="med"/>
-                    </a:lnB>
-                    <a:lnTlToBr w="12700" cmpd="sng">
-                      <a:noFill/>
-                      <a:prstDash val="solid"/>
-                    </a:lnTlToBr>
-                    <a:lnBlToTr w="12700" cmpd="sng">
-                      <a:noFill/>
-                      <a:prstDash val="solid"/>
-                    </a:lnBlToTr>
-                  </a:tcPr>
-                </a:tc>
-                <a:tc>
-                  <a:txBody>
-                    <a:bodyPr/>
-                    <a:lstStyle/>
-                    <a:p>
-                      <a:pPr algn="ctr" latinLnBrk="1"/>
-                      <a:endParaRPr lang="ko-KR" altLang="en-US"/>
-                    </a:p>
-                  </a:txBody>
-                  <a:tcPr anchor="ctr">
-                    <a:lnL w="12700" cap="flat" cmpd="sng" algn="ctr">
-                      <a:solidFill>
-                        <a:schemeClr val="tx1"/>
-                      </a:solidFill>
-                      <a:prstDash val="solid"/>
-                      <a:round/>
-                      <a:headEnd type="none" w="med" len="med"/>
-                      <a:tailEnd type="none" w="med" len="med"/>
-                    </a:lnL>
-                    <a:lnR w="12700" cap="flat" cmpd="sng" algn="ctr">
-                      <a:solidFill>
-                        <a:schemeClr val="tx1"/>
-                      </a:solidFill>
-                      <a:prstDash val="solid"/>
-                      <a:round/>
-                      <a:headEnd type="none" w="med" len="med"/>
-                      <a:tailEnd type="none" w="med" len="med"/>
-                    </a:lnR>
-                    <a:lnT w="12700" cap="flat" cmpd="sng" algn="ctr">
-                      <a:solidFill>
-                        <a:schemeClr val="tx1"/>
-                      </a:solidFill>
-                      <a:prstDash val="solid"/>
-                      <a:round/>
-                      <a:headEnd type="none" w="med" len="med"/>
-                      <a:tailEnd type="none" w="med" len="med"/>
-                    </a:lnT>
-                    <a:lnB w="12700" cap="flat" cmpd="sng" algn="ctr">
-                      <a:solidFill>
-                        <a:schemeClr val="tx1"/>
-                      </a:solidFill>
-                      <a:prstDash val="solid"/>
-                      <a:round/>
-                      <a:headEnd type="none" w="med" len="med"/>
-                      <a:tailEnd type="none" w="med" len="med"/>
-                    </a:lnB>
-                    <a:lnTlToBr w="12700" cmpd="sng">
-                      <a:noFill/>
-                      <a:prstDash val="solid"/>
-                    </a:lnTlToBr>
-                    <a:lnBlToTr w="12700" cmpd="sng">
-                      <a:noFill/>
-                      <a:prstDash val="solid"/>
-                    </a:lnBlToTr>
-                  </a:tcPr>
-                </a:tc>
-                <a:tc>
-                  <a:txBody>
-                    <a:bodyPr/>
-                    <a:lstStyle/>
-                    <a:p>
-                      <a:pPr algn="ctr" latinLnBrk="1"/>
-                      <a:endParaRPr lang="ko-KR" altLang="en-US" dirty="0"/>
-                    </a:p>
-                  </a:txBody>
-                  <a:tcPr anchor="ctr">
-                    <a:lnL w="12700" cap="flat" cmpd="sng" algn="ctr">
-                      <a:solidFill>
-                        <a:schemeClr val="tx1"/>
-                      </a:solidFill>
-                      <a:prstDash val="solid"/>
-                      <a:round/>
-                      <a:headEnd type="none" w="med" len="med"/>
-                      <a:tailEnd type="none" w="med" len="med"/>
-                    </a:lnL>
-                    <a:lnR w="12700" cap="flat" cmpd="sng" algn="ctr">
-                      <a:solidFill>
-                        <a:schemeClr val="tx1"/>
-                      </a:solidFill>
-                      <a:prstDash val="solid"/>
-                      <a:round/>
-                      <a:headEnd type="none" w="med" len="med"/>
-                      <a:tailEnd type="none" w="med" len="med"/>
-                    </a:lnR>
-                    <a:lnT w="12700" cap="flat" cmpd="sng" algn="ctr">
-                      <a:solidFill>
-                        <a:schemeClr val="tx1"/>
-                      </a:solidFill>
-                      <a:prstDash val="solid"/>
-                      <a:round/>
-                      <a:headEnd type="none" w="med" len="med"/>
-                      <a:tailEnd type="none" w="med" len="med"/>
-                    </a:lnT>
-                    <a:lnB w="12700" cap="flat" cmpd="sng" algn="ctr">
-                      <a:solidFill>
-                        <a:schemeClr val="tx1"/>
-                      </a:solidFill>
-                      <a:prstDash val="solid"/>
-                      <a:round/>
-                      <a:headEnd type="none" w="med" len="med"/>
-                      <a:tailEnd type="none" w="med" len="med"/>
-                    </a:lnB>
-                    <a:lnTlToBr w="12700" cmpd="sng">
-                      <a:noFill/>
-                      <a:prstDash val="solid"/>
-                    </a:lnTlToBr>
-                    <a:lnBlToTr w="12700" cmpd="sng">
-                      <a:noFill/>
-                      <a:prstDash val="solid"/>
-                    </a:lnBlToTr>
-                  </a:tcPr>
-                </a:tc>
-                <a:tc>
-                  <a:txBody>
-                    <a:bodyPr/>
-                    <a:lstStyle/>
-                    <a:p>
-                      <a:pPr algn="ctr" latinLnBrk="1"/>
-                      <a:endParaRPr lang="ko-KR" altLang="en-US"/>
-                    </a:p>
-                  </a:txBody>
-                  <a:tcPr anchor="ctr">
-                    <a:lnL w="12700" cap="flat" cmpd="sng" algn="ctr">
-                      <a:solidFill>
-                        <a:schemeClr val="tx1"/>
-                      </a:solidFill>
-                      <a:prstDash val="solid"/>
-                      <a:round/>
-                      <a:headEnd type="none" w="med" len="med"/>
-                      <a:tailEnd type="none" w="med" len="med"/>
-                    </a:lnL>
-                    <a:lnR w="12700" cap="flat" cmpd="sng" algn="ctr">
-                      <a:solidFill>
-                        <a:schemeClr val="tx1"/>
-                      </a:solidFill>
-                      <a:prstDash val="solid"/>
-                      <a:round/>
-                      <a:headEnd type="none" w="med" len="med"/>
-                      <a:tailEnd type="none" w="med" len="med"/>
-                    </a:lnR>
-                    <a:lnT w="12700" cap="flat" cmpd="sng" algn="ctr">
-                      <a:solidFill>
-                        <a:schemeClr val="tx1"/>
-                      </a:solidFill>
-                      <a:prstDash val="solid"/>
-                      <a:round/>
-                      <a:headEnd type="none" w="med" len="med"/>
-                      <a:tailEnd type="none" w="med" len="med"/>
-                    </a:lnT>
-                    <a:lnB w="12700" cap="flat" cmpd="sng" algn="ctr">
-                      <a:solidFill>
-                        <a:schemeClr val="tx1"/>
-                      </a:solidFill>
-                      <a:prstDash val="solid"/>
-                      <a:round/>
-                      <a:headEnd type="none" w="med" len="med"/>
-                      <a:tailEnd type="none" w="med" len="med"/>
-                    </a:lnB>
-                    <a:lnTlToBr w="12700" cmpd="sng">
-                      <a:noFill/>
-                      <a:prstDash val="solid"/>
-                    </a:lnTlToBr>
-                    <a:lnBlToTr w="12700" cmpd="sng">
-                      <a:noFill/>
-                      <a:prstDash val="solid"/>
-                    </a:lnBlToTr>
-                  </a:tcPr>
-                </a:tc>
-                <a:extLst>
-                  <a:ext uri="{0D108BD9-81ED-4DB2-BD59-A6C34878D82A}">
-                    <a16:rowId xmlns:a16="http://schemas.microsoft.com/office/drawing/2014/main" val="1389960326"/>
-                  </a:ext>
-                </a:extLst>
-              </a:tr>
-              <a:tr h="640080">
-                <a:tc>
-                  <a:txBody>
-                    <a:bodyPr/>
-                    <a:lstStyle/>
-                    <a:p>
-                      <a:pPr algn="ctr" latinLnBrk="1"/>
-                      <a:r>
-                        <a:rPr lang="en-US" altLang="ko-KR" dirty="0" smtClean="0"/>
-                        <a:t>Dual LI</a:t>
-                      </a:r>
-                    </a:p>
-                    <a:p>
-                      <a:pPr algn="ctr" latinLnBrk="1"/>
-                      <a:r>
-                        <a:rPr lang="en-US" altLang="ko-KR" dirty="0" smtClean="0"/>
-                        <a:t>Mixer</a:t>
-                      </a:r>
-                      <a:r>
-                        <a:rPr lang="en-US" altLang="ko-KR" baseline="0" dirty="0" smtClean="0"/>
-                        <a:t> Design</a:t>
-                      </a:r>
-                      <a:endParaRPr lang="ko-KR" altLang="en-US" dirty="0"/>
-                    </a:p>
-                  </a:txBody>
-                  <a:tcPr anchor="ctr">
-                    <a:lnL w="12700" cap="flat" cmpd="sng" algn="ctr">
-                      <a:solidFill>
-                        <a:schemeClr val="tx1"/>
-                      </a:solidFill>
-                      <a:prstDash val="solid"/>
-                      <a:round/>
-                      <a:headEnd type="none" w="med" len="med"/>
-                      <a:tailEnd type="none" w="med" len="med"/>
-                    </a:lnL>
-                    <a:lnR w="12700" cap="flat" cmpd="sng" algn="ctr">
-                      <a:solidFill>
-                        <a:schemeClr val="tx1"/>
-                      </a:solidFill>
-                      <a:prstDash val="solid"/>
-                      <a:round/>
-                      <a:headEnd type="none" w="med" len="med"/>
-                      <a:tailEnd type="none" w="med" len="med"/>
-                    </a:lnR>
-                    <a:lnT w="12700" cap="flat" cmpd="sng" algn="ctr">
-                      <a:solidFill>
-                        <a:schemeClr val="tx1"/>
-                      </a:solidFill>
-                      <a:prstDash val="solid"/>
-                      <a:round/>
-                      <a:headEnd type="none" w="med" len="med"/>
-                      <a:tailEnd type="none" w="med" len="med"/>
-                    </a:lnT>
-                    <a:lnB w="12700" cap="flat" cmpd="sng" algn="ctr">
-                      <a:solidFill>
-                        <a:schemeClr val="tx1"/>
-                      </a:solidFill>
-                      <a:prstDash val="solid"/>
-                      <a:round/>
-                      <a:headEnd type="none" w="med" len="med"/>
-                      <a:tailEnd type="none" w="med" len="med"/>
-                    </a:lnB>
-                    <a:lnTlToBr w="12700" cmpd="sng">
-                      <a:noFill/>
-                      <a:prstDash val="solid"/>
-                    </a:lnTlToBr>
-                    <a:lnBlToTr w="12700" cmpd="sng">
-                      <a:noFill/>
-                      <a:prstDash val="solid"/>
-                    </a:lnBlToTr>
-                  </a:tcPr>
-                </a:tc>
-                <a:tc>
-                  <a:txBody>
-                    <a:bodyPr/>
-                    <a:lstStyle/>
-                    <a:p>
-                      <a:pPr algn="ctr" latinLnBrk="1"/>
-                      <a:endParaRPr lang="ko-KR" altLang="en-US" dirty="0"/>
-                    </a:p>
-                  </a:txBody>
-                  <a:tcPr anchor="ctr">
-                    <a:lnL w="12700" cap="flat" cmpd="sng" algn="ctr">
-                      <a:solidFill>
-                        <a:schemeClr val="tx1"/>
-                      </a:solidFill>
-                      <a:prstDash val="solid"/>
-                      <a:round/>
-                      <a:headEnd type="none" w="med" len="med"/>
-                      <a:tailEnd type="none" w="med" len="med"/>
-                    </a:lnL>
-                    <a:lnR w="12700" cap="flat" cmpd="sng" algn="ctr">
-                      <a:solidFill>
-                        <a:schemeClr val="tx1"/>
-                      </a:solidFill>
-                      <a:prstDash val="solid"/>
-                      <a:round/>
-                      <a:headEnd type="none" w="med" len="med"/>
-                      <a:tailEnd type="none" w="med" len="med"/>
-                    </a:lnR>
-                    <a:lnT w="12700" cap="flat" cmpd="sng" algn="ctr">
-                      <a:solidFill>
-                        <a:schemeClr val="tx1"/>
-                      </a:solidFill>
-                      <a:prstDash val="solid"/>
-                      <a:round/>
-                      <a:headEnd type="none" w="med" len="med"/>
-                      <a:tailEnd type="none" w="med" len="med"/>
-                    </a:lnT>
-                    <a:lnB w="12700" cap="flat" cmpd="sng" algn="ctr">
-                      <a:solidFill>
-                        <a:schemeClr val="tx1"/>
-                      </a:solidFill>
-                      <a:prstDash val="solid"/>
-                      <a:round/>
-                      <a:headEnd type="none" w="med" len="med"/>
-                      <a:tailEnd type="none" w="med" len="med"/>
-                    </a:lnB>
-                    <a:lnTlToBr w="12700" cmpd="sng">
-                      <a:noFill/>
-                      <a:prstDash val="solid"/>
-                    </a:lnTlToBr>
-                    <a:lnBlToTr w="12700" cmpd="sng">
-                      <a:noFill/>
-                      <a:prstDash val="solid"/>
-                    </a:lnBlToTr>
-                  </a:tcPr>
-                </a:tc>
-                <a:tc>
-                  <a:txBody>
-                    <a:bodyPr/>
-                    <a:lstStyle/>
-                    <a:p>
-                      <a:pPr algn="ctr" latinLnBrk="1"/>
-                      <a:endParaRPr lang="ko-KR" altLang="en-US" dirty="0"/>
-                    </a:p>
-                  </a:txBody>
-                  <a:tcPr anchor="ctr">
-                    <a:lnL w="12700" cap="flat" cmpd="sng" algn="ctr">
-                      <a:solidFill>
-                        <a:schemeClr val="tx1"/>
-                      </a:solidFill>
-                      <a:prstDash val="solid"/>
-                      <a:round/>
-                      <a:headEnd type="none" w="med" len="med"/>
-                      <a:tailEnd type="none" w="med" len="med"/>
-                    </a:lnL>
-                    <a:lnR w="12700" cap="flat" cmpd="sng" algn="ctr">
-                      <a:solidFill>
-                        <a:schemeClr val="tx1"/>
-                      </a:solidFill>
-                      <a:prstDash val="solid"/>
-                      <a:round/>
-                      <a:headEnd type="none" w="med" len="med"/>
-                      <a:tailEnd type="none" w="med" len="med"/>
-                    </a:lnR>
-                    <a:lnT w="12700" cap="flat" cmpd="sng" algn="ctr">
-                      <a:solidFill>
-                        <a:schemeClr val="tx1"/>
-                      </a:solidFill>
-                      <a:prstDash val="solid"/>
-                      <a:round/>
-                      <a:headEnd type="none" w="med" len="med"/>
-                      <a:tailEnd type="none" w="med" len="med"/>
-                    </a:lnT>
-                    <a:lnB w="12700" cap="flat" cmpd="sng" algn="ctr">
-                      <a:solidFill>
-                        <a:schemeClr val="tx1"/>
-                      </a:solidFill>
-                      <a:prstDash val="solid"/>
-                      <a:round/>
-                      <a:headEnd type="none" w="med" len="med"/>
-                      <a:tailEnd type="none" w="med" len="med"/>
-                    </a:lnB>
-                    <a:lnTlToBr w="12700" cmpd="sng">
-                      <a:noFill/>
-                      <a:prstDash val="solid"/>
-                    </a:lnTlToBr>
-                    <a:lnBlToTr w="12700" cmpd="sng">
-                      <a:noFill/>
-                      <a:prstDash val="solid"/>
-                    </a:lnBlToTr>
-                  </a:tcPr>
-                </a:tc>
-                <a:tc>
-                  <a:txBody>
-                    <a:bodyPr/>
-                    <a:lstStyle/>
-                    <a:p>
-                      <a:pPr algn="ctr" latinLnBrk="1"/>
-                      <a:endParaRPr lang="ko-KR" altLang="en-US" dirty="0"/>
-                    </a:p>
-                  </a:txBody>
-                  <a:tcPr anchor="ctr">
-                    <a:lnL w="12700" cap="flat" cmpd="sng" algn="ctr">
-                      <a:solidFill>
-                        <a:schemeClr val="tx1"/>
-                      </a:solidFill>
-                      <a:prstDash val="solid"/>
-                      <a:round/>
-                      <a:headEnd type="none" w="med" len="med"/>
-                      <a:tailEnd type="none" w="med" len="med"/>
-                    </a:lnL>
-                    <a:lnR w="12700" cap="flat" cmpd="sng" algn="ctr">
-                      <a:solidFill>
-                        <a:schemeClr val="tx1"/>
-                      </a:solidFill>
-                      <a:prstDash val="solid"/>
-                      <a:round/>
-                      <a:headEnd type="none" w="med" len="med"/>
-                      <a:tailEnd type="none" w="med" len="med"/>
-                    </a:lnR>
-                    <a:lnT w="12700" cap="flat" cmpd="sng" algn="ctr">
-                      <a:solidFill>
-                        <a:schemeClr val="tx1"/>
-                      </a:solidFill>
-                      <a:prstDash val="solid"/>
-                      <a:round/>
-                      <a:headEnd type="none" w="med" len="med"/>
-                      <a:tailEnd type="none" w="med" len="med"/>
-                    </a:lnT>
-                    <a:lnB w="12700" cap="flat" cmpd="sng" algn="ctr">
-                      <a:solidFill>
-                        <a:schemeClr val="tx1"/>
-                      </a:solidFill>
-                      <a:prstDash val="solid"/>
-                      <a:round/>
-                      <a:headEnd type="none" w="med" len="med"/>
-                      <a:tailEnd type="none" w="med" len="med"/>
-                    </a:lnB>
-                    <a:lnTlToBr w="12700" cmpd="sng">
-                      <a:noFill/>
-                      <a:prstDash val="solid"/>
-                    </a:lnTlToBr>
-                    <a:lnBlToTr w="12700" cmpd="sng">
-                      <a:noFill/>
-                      <a:prstDash val="solid"/>
-                    </a:lnBlToTr>
-                  </a:tcPr>
-                </a:tc>
-                <a:tc>
-                  <a:txBody>
-                    <a:bodyPr/>
-                    <a:lstStyle/>
-                    <a:p>
-                      <a:pPr algn="ctr" latinLnBrk="1"/>
-                      <a:endParaRPr lang="ko-KR" altLang="en-US"/>
-                    </a:p>
-                  </a:txBody>
-                  <a:tcPr anchor="ctr">
-                    <a:lnL w="12700" cap="flat" cmpd="sng" algn="ctr">
-                      <a:solidFill>
-                        <a:schemeClr val="tx1"/>
-                      </a:solidFill>
-                      <a:prstDash val="solid"/>
-                      <a:round/>
-                      <a:headEnd type="none" w="med" len="med"/>
-                      <a:tailEnd type="none" w="med" len="med"/>
-                    </a:lnL>
-                    <a:lnR w="12700" cap="flat" cmpd="sng" algn="ctr">
-                      <a:solidFill>
-                        <a:schemeClr val="tx1"/>
-                      </a:solidFill>
-                      <a:prstDash val="solid"/>
-                      <a:round/>
-                      <a:headEnd type="none" w="med" len="med"/>
-                      <a:tailEnd type="none" w="med" len="med"/>
-                    </a:lnR>
-                    <a:lnT w="12700" cap="flat" cmpd="sng" algn="ctr">
-                      <a:solidFill>
-                        <a:schemeClr val="tx1"/>
-                      </a:solidFill>
-                      <a:prstDash val="solid"/>
-                      <a:round/>
-                      <a:headEnd type="none" w="med" len="med"/>
-                      <a:tailEnd type="none" w="med" len="med"/>
-                    </a:lnT>
-                    <a:lnB w="12700" cap="flat" cmpd="sng" algn="ctr">
-                      <a:solidFill>
-                        <a:schemeClr val="tx1"/>
-                      </a:solidFill>
-                      <a:prstDash val="solid"/>
-                      <a:round/>
-                      <a:headEnd type="none" w="med" len="med"/>
-                      <a:tailEnd type="none" w="med" len="med"/>
-                    </a:lnB>
-                    <a:lnTlToBr w="12700" cmpd="sng">
-                      <a:noFill/>
-                      <a:prstDash val="solid"/>
-                    </a:lnTlToBr>
-                    <a:lnBlToTr w="12700" cmpd="sng">
-                      <a:noFill/>
-                      <a:prstDash val="solid"/>
-                    </a:lnBlToTr>
-                  </a:tcPr>
-                </a:tc>
-                <a:tc>
-                  <a:txBody>
-                    <a:bodyPr/>
-                    <a:lstStyle/>
-                    <a:p>
-                      <a:pPr algn="ctr" latinLnBrk="1"/>
-                      <a:endParaRPr lang="ko-KR" altLang="en-US"/>
-                    </a:p>
-                  </a:txBody>
-                  <a:tcPr anchor="ctr">
-                    <a:lnL w="12700" cap="flat" cmpd="sng" algn="ctr">
-                      <a:solidFill>
-                        <a:schemeClr val="tx1"/>
-                      </a:solidFill>
-                      <a:prstDash val="solid"/>
-                      <a:round/>
-                      <a:headEnd type="none" w="med" len="med"/>
-                      <a:tailEnd type="none" w="med" len="med"/>
-                    </a:lnL>
-                    <a:lnR w="12700" cap="flat" cmpd="sng" algn="ctr">
-                      <a:solidFill>
-                        <a:schemeClr val="tx1"/>
-                      </a:solidFill>
-                      <a:prstDash val="solid"/>
-                      <a:round/>
-                      <a:headEnd type="none" w="med" len="med"/>
-                      <a:tailEnd type="none" w="med" len="med"/>
-                    </a:lnR>
-                    <a:lnT w="12700" cap="flat" cmpd="sng" algn="ctr">
-                      <a:solidFill>
-                        <a:schemeClr val="tx1"/>
-                      </a:solidFill>
-                      <a:prstDash val="solid"/>
-                      <a:round/>
-                      <a:headEnd type="none" w="med" len="med"/>
-                      <a:tailEnd type="none" w="med" len="med"/>
-                    </a:lnT>
-                    <a:lnB w="12700" cap="flat" cmpd="sng" algn="ctr">
-                      <a:solidFill>
-                        <a:schemeClr val="tx1"/>
-                      </a:solidFill>
-                      <a:prstDash val="solid"/>
-                      <a:round/>
-                      <a:headEnd type="none" w="med" len="med"/>
-                      <a:tailEnd type="none" w="med" len="med"/>
-                    </a:lnB>
-                    <a:lnTlToBr w="12700" cmpd="sng">
-                      <a:noFill/>
-                      <a:prstDash val="solid"/>
-                    </a:lnTlToBr>
-                    <a:lnBlToTr w="12700" cmpd="sng">
-                      <a:noFill/>
-                      <a:prstDash val="solid"/>
-                    </a:lnBlToTr>
-                  </a:tcPr>
-                </a:tc>
-                <a:extLst>
-                  <a:ext uri="{0D108BD9-81ED-4DB2-BD59-A6C34878D82A}">
-                    <a16:rowId xmlns:a16="http://schemas.microsoft.com/office/drawing/2014/main" val="4219604525"/>
-                  </a:ext>
-                </a:extLst>
-              </a:tr>
-              <a:tr h="640080">
-                <a:tc>
-                  <a:txBody>
-                    <a:bodyPr/>
-                    <a:lstStyle/>
-                    <a:p>
-                      <a:pPr algn="ctr" latinLnBrk="1"/>
-                      <a:r>
-                        <a:rPr lang="en-US" altLang="ko-KR" dirty="0" smtClean="0"/>
-                        <a:t>Dual LI</a:t>
-                      </a:r>
-                    </a:p>
-                    <a:p>
-                      <a:pPr algn="ctr" latinLnBrk="1"/>
-                      <a:r>
-                        <a:rPr lang="en-US" altLang="ko-KR" dirty="0" smtClean="0"/>
-                        <a:t>Scope &amp; Test</a:t>
-                      </a:r>
-                      <a:endParaRPr lang="ko-KR" altLang="en-US" dirty="0"/>
-                    </a:p>
-                  </a:txBody>
-                  <a:tcPr anchor="ctr">
-                    <a:lnL w="12700" cap="flat" cmpd="sng" algn="ctr">
-                      <a:solidFill>
-                        <a:schemeClr val="tx1"/>
-                      </a:solidFill>
-                      <a:prstDash val="solid"/>
-                      <a:round/>
-                      <a:headEnd type="none" w="med" len="med"/>
-                      <a:tailEnd type="none" w="med" len="med"/>
-                    </a:lnL>
-                    <a:lnR w="12700" cap="flat" cmpd="sng" algn="ctr">
-                      <a:solidFill>
-                        <a:schemeClr val="tx1"/>
-                      </a:solidFill>
-                      <a:prstDash val="solid"/>
-                      <a:round/>
-                      <a:headEnd type="none" w="med" len="med"/>
-                      <a:tailEnd type="none" w="med" len="med"/>
-                    </a:lnR>
-                    <a:lnT w="12700" cap="flat" cmpd="sng" algn="ctr">
-                      <a:solidFill>
-                        <a:schemeClr val="tx1"/>
-                      </a:solidFill>
-                      <a:prstDash val="solid"/>
-                      <a:round/>
-                      <a:headEnd type="none" w="med" len="med"/>
-                      <a:tailEnd type="none" w="med" len="med"/>
-                    </a:lnT>
-                    <a:lnB w="12700" cap="flat" cmpd="sng" algn="ctr">
-                      <a:solidFill>
-                        <a:schemeClr val="tx1"/>
-                      </a:solidFill>
-                      <a:prstDash val="solid"/>
-                      <a:round/>
-                      <a:headEnd type="none" w="med" len="med"/>
-                      <a:tailEnd type="none" w="med" len="med"/>
-                    </a:lnB>
-                    <a:lnTlToBr w="12700" cmpd="sng">
-                      <a:noFill/>
-                      <a:prstDash val="solid"/>
-                    </a:lnTlToBr>
-                    <a:lnBlToTr w="12700" cmpd="sng">
-                      <a:noFill/>
-                      <a:prstDash val="solid"/>
-                    </a:lnBlToTr>
-                  </a:tcPr>
-                </a:tc>
-                <a:tc>
-                  <a:txBody>
-                    <a:bodyPr/>
-                    <a:lstStyle/>
-                    <a:p>
-                      <a:pPr algn="ctr" latinLnBrk="1"/>
-                      <a:endParaRPr lang="ko-KR" altLang="en-US"/>
-                    </a:p>
-                  </a:txBody>
-                  <a:tcPr anchor="ctr">
-                    <a:lnL w="12700" cap="flat" cmpd="sng" algn="ctr">
-                      <a:solidFill>
-                        <a:schemeClr val="tx1"/>
-                      </a:solidFill>
-                      <a:prstDash val="solid"/>
-                      <a:round/>
-                      <a:headEnd type="none" w="med" len="med"/>
-                      <a:tailEnd type="none" w="med" len="med"/>
-                    </a:lnL>
-                    <a:lnR w="12700" cap="flat" cmpd="sng" algn="ctr">
-                      <a:solidFill>
-                        <a:schemeClr val="tx1"/>
-                      </a:solidFill>
-                      <a:prstDash val="solid"/>
-                      <a:round/>
-                      <a:headEnd type="none" w="med" len="med"/>
-                      <a:tailEnd type="none" w="med" len="med"/>
-                    </a:lnR>
-                    <a:lnT w="12700" cap="flat" cmpd="sng" algn="ctr">
-                      <a:solidFill>
-                        <a:schemeClr val="tx1"/>
-                      </a:solidFill>
-                      <a:prstDash val="solid"/>
-                      <a:round/>
-                      <a:headEnd type="none" w="med" len="med"/>
-                      <a:tailEnd type="none" w="med" len="med"/>
-                    </a:lnT>
-                    <a:lnB w="12700" cap="flat" cmpd="sng" algn="ctr">
-                      <a:solidFill>
-                        <a:schemeClr val="tx1"/>
-                      </a:solidFill>
-                      <a:prstDash val="solid"/>
-                      <a:round/>
-                      <a:headEnd type="none" w="med" len="med"/>
-                      <a:tailEnd type="none" w="med" len="med"/>
-                    </a:lnB>
-                    <a:lnTlToBr w="12700" cmpd="sng">
-                      <a:noFill/>
-                      <a:prstDash val="solid"/>
-                    </a:lnTlToBr>
-                    <a:lnBlToTr w="12700" cmpd="sng">
-                      <a:noFill/>
-                      <a:prstDash val="solid"/>
-                    </a:lnBlToTr>
-                  </a:tcPr>
-                </a:tc>
-                <a:tc>
-                  <a:txBody>
-                    <a:bodyPr/>
-                    <a:lstStyle/>
-                    <a:p>
-                      <a:pPr algn="ctr" latinLnBrk="1"/>
-                      <a:endParaRPr lang="ko-KR" altLang="en-US"/>
-                    </a:p>
-                  </a:txBody>
-                  <a:tcPr anchor="ctr">
-                    <a:lnL w="12700" cap="flat" cmpd="sng" algn="ctr">
-                      <a:solidFill>
-                        <a:schemeClr val="tx1"/>
-                      </a:solidFill>
-                      <a:prstDash val="solid"/>
-                      <a:round/>
-                      <a:headEnd type="none" w="med" len="med"/>
-                      <a:tailEnd type="none" w="med" len="med"/>
-                    </a:lnL>
-                    <a:lnR w="12700" cap="flat" cmpd="sng" algn="ctr">
-                      <a:solidFill>
-                        <a:schemeClr val="tx1"/>
-                      </a:solidFill>
-                      <a:prstDash val="solid"/>
-                      <a:round/>
-                      <a:headEnd type="none" w="med" len="med"/>
-                      <a:tailEnd type="none" w="med" len="med"/>
-                    </a:lnR>
-                    <a:lnT w="12700" cap="flat" cmpd="sng" algn="ctr">
-                      <a:solidFill>
-                        <a:schemeClr val="tx1"/>
-                      </a:solidFill>
-                      <a:prstDash val="solid"/>
-                      <a:round/>
-                      <a:headEnd type="none" w="med" len="med"/>
-                      <a:tailEnd type="none" w="med" len="med"/>
-                    </a:lnT>
-                    <a:lnB w="12700" cap="flat" cmpd="sng" algn="ctr">
-                      <a:solidFill>
-                        <a:schemeClr val="tx1"/>
-                      </a:solidFill>
-                      <a:prstDash val="solid"/>
-                      <a:round/>
-                      <a:headEnd type="none" w="med" len="med"/>
-                      <a:tailEnd type="none" w="med" len="med"/>
-                    </a:lnB>
-                    <a:lnTlToBr w="12700" cmpd="sng">
-                      <a:noFill/>
-                      <a:prstDash val="solid"/>
-                    </a:lnTlToBr>
-                    <a:lnBlToTr w="12700" cmpd="sng">
-                      <a:noFill/>
-                      <a:prstDash val="solid"/>
-                    </a:lnBlToTr>
-                  </a:tcPr>
-                </a:tc>
-                <a:tc>
-                  <a:txBody>
-                    <a:bodyPr/>
-                    <a:lstStyle/>
-                    <a:p>
-                      <a:pPr algn="ctr" latinLnBrk="1"/>
-                      <a:endParaRPr lang="ko-KR" altLang="en-US"/>
-                    </a:p>
-                  </a:txBody>
-                  <a:tcPr anchor="ctr">
-                    <a:lnL w="12700" cap="flat" cmpd="sng" algn="ctr">
-                      <a:solidFill>
-                        <a:schemeClr val="tx1"/>
-                      </a:solidFill>
-                      <a:prstDash val="solid"/>
-                      <a:round/>
-                      <a:headEnd type="none" w="med" len="med"/>
-                      <a:tailEnd type="none" w="med" len="med"/>
-                    </a:lnL>
-                    <a:lnR w="12700" cap="flat" cmpd="sng" algn="ctr">
-                      <a:solidFill>
-                        <a:schemeClr val="tx1"/>
-                      </a:solidFill>
-                      <a:prstDash val="solid"/>
-                      <a:round/>
-                      <a:headEnd type="none" w="med" len="med"/>
-                      <a:tailEnd type="none" w="med" len="med"/>
-                    </a:lnR>
-                    <a:lnT w="12700" cap="flat" cmpd="sng" algn="ctr">
-                      <a:solidFill>
-                        <a:schemeClr val="tx1"/>
-                      </a:solidFill>
-                      <a:prstDash val="solid"/>
-                      <a:round/>
-                      <a:headEnd type="none" w="med" len="med"/>
-                      <a:tailEnd type="none" w="med" len="med"/>
-                    </a:lnT>
-                    <a:lnB w="12700" cap="flat" cmpd="sng" algn="ctr">
-                      <a:solidFill>
-                        <a:schemeClr val="tx1"/>
-                      </a:solidFill>
-                      <a:prstDash val="solid"/>
-                      <a:round/>
-                      <a:headEnd type="none" w="med" len="med"/>
-                      <a:tailEnd type="none" w="med" len="med"/>
-                    </a:lnB>
-                    <a:lnTlToBr w="12700" cmpd="sng">
-                      <a:noFill/>
-                      <a:prstDash val="solid"/>
-                    </a:lnTlToBr>
-                    <a:lnBlToTr w="12700" cmpd="sng">
-                      <a:noFill/>
-                      <a:prstDash val="solid"/>
-                    </a:lnBlToTr>
-                  </a:tcPr>
-                </a:tc>
-                <a:tc>
-                  <a:txBody>
-                    <a:bodyPr/>
-                    <a:lstStyle/>
-                    <a:p>
-                      <a:pPr algn="ctr" latinLnBrk="1"/>
-                      <a:endParaRPr lang="ko-KR" altLang="en-US"/>
-                    </a:p>
-                  </a:txBody>
-                  <a:tcPr anchor="ctr">
-                    <a:lnL w="12700" cap="flat" cmpd="sng" algn="ctr">
-                      <a:solidFill>
-                        <a:schemeClr val="tx1"/>
-                      </a:solidFill>
-                      <a:prstDash val="solid"/>
-                      <a:round/>
-                      <a:headEnd type="none" w="med" len="med"/>
-                      <a:tailEnd type="none" w="med" len="med"/>
-                    </a:lnL>
-                    <a:lnR w="12700" cap="flat" cmpd="sng" algn="ctr">
-                      <a:solidFill>
-                        <a:schemeClr val="tx1"/>
-                      </a:solidFill>
-                      <a:prstDash val="solid"/>
-                      <a:round/>
-                      <a:headEnd type="none" w="med" len="med"/>
-                      <a:tailEnd type="none" w="med" len="med"/>
-                    </a:lnR>
-                    <a:lnT w="12700" cap="flat" cmpd="sng" algn="ctr">
-                      <a:solidFill>
-                        <a:schemeClr val="tx1"/>
-                      </a:solidFill>
-                      <a:prstDash val="solid"/>
-                      <a:round/>
-                      <a:headEnd type="none" w="med" len="med"/>
-                      <a:tailEnd type="none" w="med" len="med"/>
-                    </a:lnT>
-                    <a:lnB w="12700" cap="flat" cmpd="sng" algn="ctr">
-                      <a:solidFill>
-                        <a:schemeClr val="tx1"/>
-                      </a:solidFill>
-                      <a:prstDash val="solid"/>
-                      <a:round/>
-                      <a:headEnd type="none" w="med" len="med"/>
-                      <a:tailEnd type="none" w="med" len="med"/>
-                    </a:lnB>
-                    <a:lnTlToBr w="12700" cmpd="sng">
-                      <a:noFill/>
-                      <a:prstDash val="solid"/>
-                    </a:lnTlToBr>
-                    <a:lnBlToTr w="12700" cmpd="sng">
-                      <a:noFill/>
-                      <a:prstDash val="solid"/>
-                    </a:lnBlToTr>
-                  </a:tcPr>
-                </a:tc>
-                <a:tc>
-                  <a:txBody>
-                    <a:bodyPr/>
-                    <a:lstStyle/>
-                    <a:p>
-                      <a:pPr algn="ctr" latinLnBrk="1"/>
-                      <a:endParaRPr lang="ko-KR" altLang="en-US" dirty="0"/>
-                    </a:p>
-                  </a:txBody>
-                  <a:tcPr anchor="ctr">
-                    <a:lnL w="12700" cap="flat" cmpd="sng" algn="ctr">
-                      <a:solidFill>
-                        <a:schemeClr val="tx1"/>
-                      </a:solidFill>
-                      <a:prstDash val="solid"/>
-                      <a:round/>
-                      <a:headEnd type="none" w="med" len="med"/>
-                      <a:tailEnd type="none" w="med" len="med"/>
-                    </a:lnL>
-                    <a:lnR w="12700" cap="flat" cmpd="sng" algn="ctr">
-                      <a:solidFill>
-                        <a:schemeClr val="tx1"/>
-                      </a:solidFill>
-                      <a:prstDash val="solid"/>
-                      <a:round/>
-                      <a:headEnd type="none" w="med" len="med"/>
-                      <a:tailEnd type="none" w="med" len="med"/>
-                    </a:lnR>
-                    <a:lnT w="12700" cap="flat" cmpd="sng" algn="ctr">
-                      <a:solidFill>
-                        <a:schemeClr val="tx1"/>
-                      </a:solidFill>
-                      <a:prstDash val="solid"/>
-                      <a:round/>
-                      <a:headEnd type="none" w="med" len="med"/>
-                      <a:tailEnd type="none" w="med" len="med"/>
-                    </a:lnT>
-                    <a:lnB w="12700" cap="flat" cmpd="sng" algn="ctr">
-                      <a:solidFill>
-                        <a:schemeClr val="tx1"/>
-                      </a:solidFill>
-                      <a:prstDash val="solid"/>
-                      <a:round/>
-                      <a:headEnd type="none" w="med" len="med"/>
-                      <a:tailEnd type="none" w="med" len="med"/>
-                    </a:lnB>
-                    <a:lnTlToBr w="12700" cmpd="sng">
-                      <a:noFill/>
-                      <a:prstDash val="solid"/>
-                    </a:lnTlToBr>
-                    <a:lnBlToTr w="12700" cmpd="sng">
-                      <a:noFill/>
-                      <a:prstDash val="solid"/>
-                    </a:lnBlToTr>
-                  </a:tcPr>
-                </a:tc>
-                <a:extLst>
-                  <a:ext uri="{0D108BD9-81ED-4DB2-BD59-A6C34878D82A}">
-                    <a16:rowId xmlns:a16="http://schemas.microsoft.com/office/drawing/2014/main" val="1127636178"/>
-                  </a:ext>
-                </a:extLst>
-              </a:tr>
-            </a:tbl>
-          </a:graphicData>
-        </a:graphic>
-      </p:graphicFrame>
-      <p:sp>
-        <p:nvSpPr>
-          <p:cNvPr id="7" name="오른쪽 화살표 6"/>
-          <p:cNvSpPr/>
+      <p:sp>
+        <p:nvSpPr>
+          <p:cNvPr id="3" name="TextBox 2"/>
+          <p:cNvSpPr txBox="1"/>
           <p:nvPr/>
         </p:nvSpPr>
         <p:spPr>
           <a:xfrm>
-            <a:off x="2686050" y="2228666"/>
-            <a:ext cx="1046706" cy="275573"/>
+            <a:off x="1961804" y="1537855"/>
+            <a:ext cx="5511338" cy="1754326"/>
           </a:xfrm>
-          <a:prstGeom prst="rightArrow">
-            <a:avLst/>
-          </a:prstGeom>
-          <a:ln>
-            <a:noFill/>
-          </a:ln>
-        </p:spPr>
-        <p:style>
-          <a:lnRef idx="2">
-            <a:schemeClr val="accent1">
-              <a:shade val="50000"/>
-            </a:schemeClr>
-          </a:lnRef>
-          <a:fillRef idx="1">
-            <a:schemeClr val="accent1"/>
-          </a:fillRef>
-          <a:effectRef idx="0">
-            <a:schemeClr val="accent1"/>
-          </a:effectRef>
-          <a:fontRef idx="minor">
-            <a:schemeClr val="lt1"/>
-          </a:fontRef>
-        </p:style>
-        <p:txBody>
-          <a:bodyPr rtlCol="0" anchor="ctr"/>
-          <a:lstStyle/>
-          <a:p>
-            <a:pPr algn="ctr"/>
-            <a:endParaRPr lang="ko-KR" altLang="en-US"/>
-          </a:p>
-        </p:txBody>
-      </p:sp>
-      <p:sp>
-        <p:nvSpPr>
-          <p:cNvPr id="10" name="오른쪽 화살표 9"/>
-          <p:cNvSpPr/>
-          <p:nvPr/>
-        </p:nvSpPr>
-        <p:spPr>
-          <a:xfrm>
-            <a:off x="2686050" y="2856663"/>
-            <a:ext cx="1046705" cy="310786"/>
-          </a:xfrm>
-          <a:prstGeom prst="rightArrow">
-            <a:avLst/>
-          </a:prstGeom>
-          <a:ln>
-            <a:noFill/>
-          </a:ln>
-        </p:spPr>
-        <p:style>
-          <a:lnRef idx="2">
-            <a:schemeClr val="accent1">
-              <a:shade val="50000"/>
-            </a:schemeClr>
-          </a:lnRef>
-          <a:fillRef idx="1">
-            <a:schemeClr val="accent1"/>
-          </a:fillRef>
-          <a:effectRef idx="0">
-            <a:schemeClr val="accent1"/>
-          </a:effectRef>
-          <a:fontRef idx="minor">
-            <a:schemeClr val="lt1"/>
-          </a:fontRef>
-        </p:style>
-        <p:txBody>
-          <a:bodyPr rtlCol="0" anchor="ctr"/>
-          <a:lstStyle/>
-          <a:p>
-            <a:pPr algn="ctr"/>
-            <a:endParaRPr lang="ko-KR" altLang="en-US"/>
-          </a:p>
-        </p:txBody>
-      </p:sp>
-      <p:sp>
-        <p:nvSpPr>
-          <p:cNvPr id="11" name="오른쪽 화살표 10"/>
-          <p:cNvSpPr/>
-          <p:nvPr/>
-        </p:nvSpPr>
-        <p:spPr>
-          <a:xfrm>
-            <a:off x="3732756" y="3552379"/>
-            <a:ext cx="2249206" cy="310786"/>
-          </a:xfrm>
-          <a:prstGeom prst="rightArrow">
-            <a:avLst/>
-          </a:prstGeom>
-          <a:ln>
-            <a:noFill/>
-          </a:ln>
-        </p:spPr>
-        <p:style>
-          <a:lnRef idx="2">
-            <a:schemeClr val="accent1">
-              <a:shade val="50000"/>
-            </a:schemeClr>
-          </a:lnRef>
-          <a:fillRef idx="1">
-            <a:schemeClr val="accent1"/>
-          </a:fillRef>
-          <a:effectRef idx="0">
-            <a:schemeClr val="accent1"/>
-          </a:effectRef>
-          <a:fontRef idx="minor">
-            <a:schemeClr val="lt1"/>
-          </a:fontRef>
-        </p:style>
-        <p:txBody>
-          <a:bodyPr rtlCol="0" anchor="ctr"/>
-          <a:lstStyle/>
-          <a:p>
-            <a:pPr algn="ctr"/>
-            <a:endParaRPr lang="ko-KR" altLang="en-US"/>
-          </a:p>
-        </p:txBody>
-      </p:sp>
-      <p:sp>
-        <p:nvSpPr>
-          <p:cNvPr id="12" name="오른쪽 화살표 11"/>
-          <p:cNvSpPr/>
-          <p:nvPr/>
-        </p:nvSpPr>
-        <p:spPr>
-          <a:xfrm>
-            <a:off x="3732755" y="4233475"/>
-            <a:ext cx="3344449" cy="310786"/>
-          </a:xfrm>
-          <a:prstGeom prst="rightArrow">
-            <a:avLst/>
-          </a:prstGeom>
-          <a:ln>
-            <a:noFill/>
-          </a:ln>
-        </p:spPr>
-        <p:style>
-          <a:lnRef idx="2">
-            <a:schemeClr val="accent1">
-              <a:shade val="50000"/>
-            </a:schemeClr>
-          </a:lnRef>
-          <a:fillRef idx="1">
-            <a:schemeClr val="accent1"/>
-          </a:fillRef>
-          <a:effectRef idx="0">
-            <a:schemeClr val="accent1"/>
-          </a:effectRef>
-          <a:fontRef idx="minor">
-            <a:schemeClr val="lt1"/>
-          </a:fontRef>
-        </p:style>
-        <p:txBody>
-          <a:bodyPr rtlCol="0" anchor="ctr"/>
-          <a:lstStyle/>
-          <a:p>
-            <a:pPr algn="ctr"/>
-            <a:endParaRPr lang="ko-KR" altLang="en-US"/>
-          </a:p>
-        </p:txBody>
-      </p:sp>
-      <p:sp>
-        <p:nvSpPr>
-          <p:cNvPr id="6" name="타원 5"/>
-          <p:cNvSpPr/>
-          <p:nvPr/>
-        </p:nvSpPr>
-        <p:spPr>
-          <a:xfrm>
-            <a:off x="3024674" y="2181724"/>
-            <a:ext cx="369455" cy="369455"/>
-          </a:xfrm>
-          <a:prstGeom prst="ellipse">
+          <a:prstGeom prst="rect">
             <a:avLst/>
           </a:prstGeom>
           <a:noFill/>
-          <a:ln w="38100">
-            <a:solidFill>
-              <a:srgbClr val="FF0000"/>
-            </a:solidFill>
-          </a:ln>
         </p:spPr>
-        <p:style>
-          <a:lnRef idx="2">
-            <a:schemeClr val="accent1">
-              <a:shade val="50000"/>
-            </a:schemeClr>
-          </a:lnRef>
-          <a:fillRef idx="1">
-            <a:schemeClr val="accent1"/>
-          </a:fillRef>
-          <a:effectRef idx="0">
-            <a:schemeClr val="accent1"/>
-          </a:effectRef>
-          <a:fontRef idx="minor">
-            <a:schemeClr val="lt1"/>
-          </a:fontRef>
-        </p:style>
-        <p:txBody>
-          <a:bodyPr rtlCol="0" anchor="ctr"/>
-          <a:lstStyle/>
-          <a:p>
-            <a:pPr algn="ctr"/>
-            <a:endParaRPr lang="ko-KR" altLang="en-US"/>
-          </a:p>
-        </p:txBody>
-      </p:sp>
-      <p:sp>
-        <p:nvSpPr>
-          <p:cNvPr id="13" name="타원 12"/>
-          <p:cNvSpPr/>
-          <p:nvPr/>
-        </p:nvSpPr>
-        <p:spPr>
-          <a:xfrm>
-            <a:off x="3024674" y="2839632"/>
-            <a:ext cx="369455" cy="369455"/>
-          </a:xfrm>
-          <a:prstGeom prst="ellipse">
-            <a:avLst/>
-          </a:prstGeom>
-          <a:noFill/>
-          <a:ln w="38100">
-            <a:solidFill>
-              <a:srgbClr val="FF0000"/>
-            </a:solidFill>
-          </a:ln>
-        </p:spPr>
-        <p:style>
-          <a:lnRef idx="2">
-            <a:schemeClr val="accent1">
-              <a:shade val="50000"/>
-            </a:schemeClr>
-          </a:lnRef>
-          <a:fillRef idx="1">
-            <a:schemeClr val="accent1"/>
-          </a:fillRef>
-          <a:effectRef idx="0">
-            <a:schemeClr val="accent1"/>
-          </a:effectRef>
-          <a:fontRef idx="minor">
-            <a:schemeClr val="lt1"/>
-          </a:fontRef>
-        </p:style>
-        <p:txBody>
-          <a:bodyPr rtlCol="0" anchor="ctr"/>
-          <a:lstStyle/>
-          <a:p>
-            <a:pPr algn="ctr"/>
-            <a:endParaRPr lang="ko-KR" altLang="en-US"/>
+        <p:txBody>
+          <a:bodyPr wrap="square" rtlCol="0">
+            <a:spAutoFit/>
+          </a:bodyPr>
+          <a:lstStyle/>
+          <a:p>
+            <a:pPr marL="342900" indent="-342900">
+              <a:buAutoNum type="arabicPeriod"/>
+            </a:pPr>
+            <a:r>
+              <a:rPr lang="en-US" altLang="ko-KR" dirty="0" smtClean="0"/>
+              <a:t>Zurich Double lock in</a:t>
+            </a:r>
+          </a:p>
+          <a:p>
+            <a:pPr marL="285750" indent="-285750">
+              <a:buFontTx/>
+              <a:buChar char="-"/>
+            </a:pPr>
+            <a:r>
+              <a:rPr lang="en-US" altLang="ko-KR" dirty="0" smtClean="0"/>
+              <a:t>Diagram </a:t>
+            </a:r>
+            <a:r>
+              <a:rPr lang="ko-KR" altLang="en-US" dirty="0" smtClean="0"/>
+              <a:t>바탕으로 </a:t>
+            </a:r>
+            <a:r>
+              <a:rPr lang="en-US" altLang="ko-KR" dirty="0" smtClean="0"/>
+              <a:t>LabVIEW </a:t>
+            </a:r>
+            <a:r>
+              <a:rPr lang="ko-KR" altLang="en-US" dirty="0" smtClean="0"/>
+              <a:t>프로그램 작성</a:t>
+            </a:r>
+            <a:endParaRPr lang="en-US" altLang="ko-KR" dirty="0" smtClean="0"/>
+          </a:p>
+          <a:p>
+            <a:pPr marL="285750" indent="-285750">
+              <a:buFontTx/>
+              <a:buChar char="-"/>
+            </a:pPr>
+            <a:r>
+              <a:rPr lang="ko-KR" altLang="en-US" dirty="0" smtClean="0"/>
+              <a:t>실험 준비</a:t>
+            </a:r>
+            <a:endParaRPr lang="en-US" altLang="ko-KR" dirty="0" smtClean="0"/>
+          </a:p>
+          <a:p>
+            <a:endParaRPr lang="en-US" altLang="ko-KR" dirty="0"/>
+          </a:p>
+          <a:p>
+            <a:r>
+              <a:rPr lang="en-US" altLang="ko-KR" dirty="0" smtClean="0"/>
+              <a:t>2. </a:t>
+            </a:r>
+          </a:p>
+          <a:p>
+            <a:pPr marL="342900" indent="-342900">
+              <a:buAutoNum type="arabicPeriod"/>
+            </a:pPr>
+            <a:endParaRPr lang="ko-KR" altLang="en-US" dirty="0"/>
           </a:p>
         </p:txBody>
       </p:sp>
